--- a/InPut/SiouxFallsNetwork/CheckGraph.pptx
+++ b/InPut/SiouxFallsNetwork/CheckGraph.pptx
@@ -6,6 +6,7 @@
   </p:sldMasterIdLst>
   <p:sldIdLst>
     <p:sldId id="256" r:id="rId2"/>
+    <p:sldId id="257" r:id="rId3"/>
   </p:sldIdLst>
   <p:sldSz cx="12192000" cy="6858000"/>
   <p:notesSz cx="6858000" cy="9144000"/>
@@ -104,10 +105,295 @@
       </a:defRPr>
     </a:lvl9pPr>
   </p:defaultTextStyle>
+  <p:extLst>
+    <p:ext uri="{EFAFB233-063F-42B5-8137-9DF3F51BA10A}">
+      <p15:sldGuideLst xmlns:p15="http://schemas.microsoft.com/office/powerpoint/2012/main"/>
+    </p:ext>
+  </p:extLst>
 </p:presentation>
 </file>
 
 <file path=ppt/ink/ink1.xml><?xml version="1.0" encoding="utf-8"?>
+<inkml:ink xmlns:inkml="http://www.w3.org/2003/InkML">
+  <inkml:definitions>
+    <inkml:context xml:id="ctx0">
+      <inkml:inkSource xml:id="inkSrc0">
+        <inkml:traceFormat>
+          <inkml:channel name="X" type="integer" min="-2.14748E9" max="2.14748E9" units="cm"/>
+          <inkml:channel name="Y" type="integer" min="-2.14748E9" max="2.14748E9" units="cm"/>
+          <inkml:channel name="F" type="integer" max="32767" units="dev"/>
+        </inkml:traceFormat>
+        <inkml:channelProperties>
+          <inkml:channelProperty channel="X" name="resolution" value="1000" units="1/cm"/>
+          <inkml:channelProperty channel="Y" name="resolution" value="1000" units="1/cm"/>
+          <inkml:channelProperty channel="F" name="resolution" value="0" units="1/dev"/>
+        </inkml:channelProperties>
+      </inkml:inkSource>
+      <inkml:timestamp xml:id="ts0" timeString="2021-12-05T00:41:12.823"/>
+    </inkml:context>
+    <inkml:brush xml:id="br0">
+      <inkml:brushProperty name="width" value="0.05" units="cm"/>
+      <inkml:brushProperty name="height" value="0.05" units="cm"/>
+      <inkml:brushProperty name="color" value="#E71224"/>
+    </inkml:brush>
+  </inkml:definitions>
+  <inkml:trace contextRef="#ctx0" brushRef="#br0">29 1 24575,'-1'0'0,"0"1"0,-1-1 0,1 1 0,0-1 0,0 1 0,0 0 0,-1-1 0,1 1 0,0 0 0,0 0 0,0 0 0,0 0 0,0 0 0,1 0 0,-1 0 0,0 0 0,0 0 0,1 0 0,-1 1 0,1-1 0,-1 0 0,1 0 0,-1 1 0,1-1 0,0 0 0,-1 1 0,1 1 0,-5 44 0,4-42 0,2 20 0,1 0 0,2 0 0,0-1 0,1 1 0,2-1 0,14 36 0,-5-10 0,18 38 0,-25-69 0,-1 1 0,-1 0 0,0 0 0,-1 0 0,-2 1 0,3 26 0,-5-23 0,1 1 0,1-1 0,9 31 0,-13-55 0,0 0 0,0 0 0,0 0 0,0 0 0,0 0 0,0 0 0,0 0 0,0 0 0,0 0 0,0 0 0,0 0 0,0 0 0,0 0 0,0 0 0,0 0 0,0 0 0,0 0 0,1-1 0,-1 1 0,0 0 0,0 0 0,0 0 0,0 0 0,0 0 0,0 0 0,0 0 0,0 0 0,0 0 0,0 0 0,0 0 0,0 0 0,0 1 0,0-1 0,1 0 0,-1 0 0,0 0 0,0 0 0,0 0 0,0 0 0,0 0 0,0 0 0,0 0 0,0 0 0,0 0 0,0 0 0,0 0 0,0 0 0,2-12 0,0-18 0,-4-14 0,-3 0 0,-1 1 0,-14-51 0,-3-18 0,-1-6 0,23 117 0,1 4 0,1 14 0,5 27 0,24 71 0,-18-74 0,-2 0 0,-1 1 0,5 66 0,-38-400 0,22 282 0,0 10 0,0 25 0,1 41 0,2 107 0,-1-184 0,1-8 0,-1 0 0,-1 1 0,-1-1 0,0 0 0,-1 0 0,-7-19 0,11 62 0,4 21 0,2-6 0,1-1 0,2 0 0,2-1 0,24 56 0,-3-25-1365,-22-41-5461</inkml:trace>
+</inkml:ink>
+</file>
+
+<file path=ppt/ink/ink10.xml><?xml version="1.0" encoding="utf-8"?>
+<inkml:ink xmlns:inkml="http://www.w3.org/2003/InkML">
+  <inkml:definitions>
+    <inkml:context xml:id="ctx0">
+      <inkml:inkSource xml:id="inkSrc0">
+        <inkml:traceFormat>
+          <inkml:channel name="X" type="integer" min="-2.14748E9" max="2.14748E9" units="cm"/>
+          <inkml:channel name="Y" type="integer" min="-2.14748E9" max="2.14748E9" units="cm"/>
+          <inkml:channel name="F" type="integer" max="32767" units="dev"/>
+        </inkml:traceFormat>
+        <inkml:channelProperties>
+          <inkml:channelProperty channel="X" name="resolution" value="1000" units="1/cm"/>
+          <inkml:channelProperty channel="Y" name="resolution" value="1000" units="1/cm"/>
+          <inkml:channelProperty channel="F" name="resolution" value="0" units="1/dev"/>
+        </inkml:channelProperties>
+      </inkml:inkSource>
+      <inkml:timestamp xml:id="ts0" timeString="2021-12-26T00:54:38.085"/>
+    </inkml:context>
+    <inkml:brush xml:id="br0">
+      <inkml:brushProperty name="width" value="0.05" units="cm"/>
+      <inkml:brushProperty name="height" value="0.05" units="cm"/>
+      <inkml:brushProperty name="color" value="#E71224"/>
+    </inkml:brush>
+  </inkml:definitions>
+  <inkml:trace contextRef="#ctx0" brushRef="#br0">0 0 24575,'0'9'0,"13"36"0,8 36 0,5 26 0,-2 3 0,-5 20 0,-6 6 0,-5-4 0,-4-15 0,-3-24 0,-1-23 0,-1-33 0,0-34 0,0-18-8191</inkml:trace>
+</inkml:ink>
+</file>
+
+<file path=ppt/ink/ink11.xml><?xml version="1.0" encoding="utf-8"?>
+<inkml:ink xmlns:inkml="http://www.w3.org/2003/InkML">
+  <inkml:definitions>
+    <inkml:context xml:id="ctx0">
+      <inkml:inkSource xml:id="inkSrc0">
+        <inkml:traceFormat>
+          <inkml:channel name="X" type="integer" min="-2.14748E9" max="2.14748E9" units="cm"/>
+          <inkml:channel name="Y" type="integer" min="-2.14748E9" max="2.14748E9" units="cm"/>
+          <inkml:channel name="F" type="integer" max="32767" units="dev"/>
+        </inkml:traceFormat>
+        <inkml:channelProperties>
+          <inkml:channelProperty channel="X" name="resolution" value="1000" units="1/cm"/>
+          <inkml:channelProperty channel="Y" name="resolution" value="1000" units="1/cm"/>
+          <inkml:channelProperty channel="F" name="resolution" value="0" units="1/dev"/>
+        </inkml:channelProperties>
+      </inkml:inkSource>
+      <inkml:timestamp xml:id="ts0" timeString="2021-12-26T00:54:38.536"/>
+    </inkml:context>
+    <inkml:brush xml:id="br0">
+      <inkml:brushProperty name="width" value="0.05" units="cm"/>
+      <inkml:brushProperty name="height" value="0.05" units="cm"/>
+      <inkml:brushProperty name="color" value="#E71224"/>
+    </inkml:brush>
+  </inkml:definitions>
+  <inkml:trace contextRef="#ctx0" brushRef="#br0">1 69 24575,'0'-3'0,"1"0"0,0 1 0,0-1 0,0 1 0,0 0 0,0-1 0,1 1 0,-1 0 0,1 0 0,0 0 0,0 0 0,-1 0 0,1 0 0,0 0 0,0 0 0,1 1 0,-1-1 0,0 1 0,1 0 0,-1 0 0,0 0 0,1 0 0,3-1 0,59-18 0,-57 19 0,-1 0 0,0 0 0,1 1 0,-1 0 0,1 1 0,-1-1 0,0 1 0,0 1 0,1-1 0,-1 1 0,0 1 0,0-1 0,0 1 0,-1 0 0,1 1 0,-1 0 0,0 0 0,0 0 0,0 0 0,0 1 0,5 6 0,9 11 0,-2 0 0,0 1 0,29 50 0,-47-72 0,45 76 0,56 132 0,-82-161 0,-2 0 0,-3 0 0,-2 2 0,9 67 0,-20-106 0,0 0 0,0 0 0,-1 0 0,-1 0 0,0 0 0,0 0 0,-1 0 0,-1 0 0,-4 14 0,4-19 0,0 0 0,0-1 0,0 1 0,-1-1 0,0 0 0,0 0 0,0-1 0,0 1 0,-1-1 0,1 0 0,-1 0 0,-1 0 0,1-1 0,0 1 0,-1-1 0,1-1 0,-12 5 0,3-3 0,1-1 0,-1 0 0,-23 1 0,-27 6 0,59-5-18,14 0 52,19 2-1070,-26-6 691,37 7-6481</inkml:trace>
+</inkml:ink>
+</file>
+
+<file path=ppt/ink/ink12.xml><?xml version="1.0" encoding="utf-8"?>
+<inkml:ink xmlns:inkml="http://www.w3.org/2003/InkML">
+  <inkml:definitions>
+    <inkml:context xml:id="ctx0">
+      <inkml:inkSource xml:id="inkSrc0">
+        <inkml:traceFormat>
+          <inkml:channel name="X" type="integer" min="-2.14748E9" max="2.14748E9" units="cm"/>
+          <inkml:channel name="Y" type="integer" min="-2.14748E9" max="2.14748E9" units="cm"/>
+          <inkml:channel name="F" type="integer" max="32767" units="dev"/>
+        </inkml:traceFormat>
+        <inkml:channelProperties>
+          <inkml:channelProperty channel="X" name="resolution" value="1000" units="1/cm"/>
+          <inkml:channelProperty channel="Y" name="resolution" value="1000" units="1/cm"/>
+          <inkml:channelProperty channel="F" name="resolution" value="0" units="1/dev"/>
+        </inkml:channelProperties>
+      </inkml:inkSource>
+      <inkml:timestamp xml:id="ts0" timeString="2021-12-26T00:54:39.137"/>
+    </inkml:context>
+    <inkml:brush xml:id="br0">
+      <inkml:brushProperty name="width" value="0.05" units="cm"/>
+      <inkml:brushProperty name="height" value="0.05" units="cm"/>
+      <inkml:brushProperty name="color" value="#E71224"/>
+    </inkml:brush>
+  </inkml:definitions>
+  <inkml:trace contextRef="#ctx0" brushRef="#br0">231 60 24575,'0'-1'0,"-1"0"0,1-1 0,-1 1 0,1 0 0,-1 0 0,0 0 0,1 0 0,-1 0 0,0 0 0,0 0 0,1 1 0,-1-1 0,0 0 0,0 0 0,0 1 0,0-1 0,0 0 0,0 1 0,0-1 0,0 1 0,-1-1 0,1 1 0,0 0 0,0-1 0,0 1 0,0 0 0,-3 0 0,-37-5 0,37 5 0,-4-1 0,0 1 0,-1 0 0,1 0 0,0 1 0,0 0 0,0 0 0,0 1 0,0 0 0,-10 4 0,14-4 0,0 1 0,1-1 0,-1 0 0,0 1 0,1 0 0,0 0 0,-1 0 0,1 0 0,1 1 0,-1-1 0,0 1 0,1 0 0,0-1 0,0 1 0,0 0 0,0 1 0,0-1 0,-1 8 0,-1 7 0,0 0 0,2 0 0,0 0 0,1 0 0,2 29 0,0-40 0,-1 0 0,1 0 0,0-1 0,1 1 0,0-1 0,0 1 0,1-1 0,0 0 0,0 1 0,0-1 0,1-1 0,0 1 0,1-1 0,-1 1 0,1-1 0,9 8 0,-12-12 0,0-1 0,1 1 0,-1-1 0,1 1 0,-1-1 0,1 0 0,0 0 0,-1 0 0,1 0 0,0 0 0,0-1 0,0 1 0,0-1 0,-1 0 0,1 0 0,0 0 0,0 0 0,0-1 0,0 1 0,3-2 0,0 0 0,-1 0 0,1-1 0,-1 1 0,0-1 0,0 0 0,0-1 0,-1 1 0,1-1 0,5-7 0,5-6 0,-1 0 0,-1-1 0,0-1 0,10-23 0,-16 28 0,-5 9 0,1 1 0,-1-1 0,1 0 0,0 1 0,0-1 0,0 1 0,5-4 0,-8 7 0,1 1 0,0-1 0,-1 1 0,1 0 0,0-1 0,-1 1 0,1 0 0,0 0 0,-1-1 0,1 1 0,0 0 0,-1 0 0,1 0 0,0 0 0,0 0 0,-1 0 0,1 0 0,0 0 0,0 0 0,-1 0 0,2 1 0,18 17 0,-12-7 0,-5-6 0,0 0 0,1 0 0,0 0 0,0 0 0,0-1 0,7 6 0,-10-9 0,0-1 0,0 1 0,0-1 0,0 1 0,0-1 0,0 0 0,1 1 0,-1-1 0,0 0 0,0 0 0,0 0 0,1 0 0,-1 0 0,0 0 0,0 0 0,0 0 0,1 0 0,-1 0 0,0-1 0,0 1 0,0 0 0,0-1 0,0 1 0,0-1 0,0 0 0,0 1 0,0-1 0,0 0 0,0 1 0,0-1 0,0 0 0,0 0 0,0 0 0,-1 0 0,1 0 0,0 0 0,-1 0 0,2-2 0,76-126 81,-41 63-1527,-5 12-5380</inkml:trace>
+</inkml:ink>
+</file>
+
+<file path=ppt/ink/ink13.xml><?xml version="1.0" encoding="utf-8"?>
+<inkml:ink xmlns:inkml="http://www.w3.org/2003/InkML">
+  <inkml:definitions>
+    <inkml:context xml:id="ctx0">
+      <inkml:inkSource xml:id="inkSrc0">
+        <inkml:traceFormat>
+          <inkml:channel name="X" type="integer" min="-2.14748E9" max="2.14748E9" units="cm"/>
+          <inkml:channel name="Y" type="integer" min="-2.14748E9" max="2.14748E9" units="cm"/>
+          <inkml:channel name="F" type="integer" max="32767" units="dev"/>
+        </inkml:traceFormat>
+        <inkml:channelProperties>
+          <inkml:channelProperty channel="X" name="resolution" value="1000" units="1/cm"/>
+          <inkml:channelProperty channel="Y" name="resolution" value="1000" units="1/cm"/>
+          <inkml:channelProperty channel="F" name="resolution" value="0" units="1/dev"/>
+        </inkml:channelProperties>
+      </inkml:inkSource>
+      <inkml:timestamp xml:id="ts0" timeString="2021-12-26T00:54:39.472"/>
+    </inkml:context>
+    <inkml:brush xml:id="br0">
+      <inkml:brushProperty name="width" value="0.05" units="cm"/>
+      <inkml:brushProperty name="height" value="0.05" units="cm"/>
+      <inkml:brushProperty name="color" value="#E71224"/>
+    </inkml:brush>
+  </inkml:definitions>
+  <inkml:trace contextRef="#ctx0" brushRef="#br0">3 1 24575,'-2'298'0,"5"316"0,16-435-1365,-16-150-5461</inkml:trace>
+</inkml:ink>
+</file>
+
+<file path=ppt/ink/ink14.xml><?xml version="1.0" encoding="utf-8"?>
+<inkml:ink xmlns:inkml="http://www.w3.org/2003/InkML">
+  <inkml:definitions>
+    <inkml:context xml:id="ctx0">
+      <inkml:inkSource xml:id="inkSrc0">
+        <inkml:traceFormat>
+          <inkml:channel name="X" type="integer" min="-2.14748E9" max="2.14748E9" units="cm"/>
+          <inkml:channel name="Y" type="integer" min="-2.14748E9" max="2.14748E9" units="cm"/>
+          <inkml:channel name="F" type="integer" max="32767" units="dev"/>
+        </inkml:traceFormat>
+        <inkml:channelProperties>
+          <inkml:channelProperty channel="X" name="resolution" value="1000" units="1/cm"/>
+          <inkml:channelProperty channel="Y" name="resolution" value="1000" units="1/cm"/>
+          <inkml:channelProperty channel="F" name="resolution" value="0" units="1/dev"/>
+        </inkml:channelProperties>
+      </inkml:inkSource>
+      <inkml:timestamp xml:id="ts0" timeString="2021-12-26T00:54:39.834"/>
+    </inkml:context>
+    <inkml:brush xml:id="br0">
+      <inkml:brushProperty name="width" value="0.05" units="cm"/>
+      <inkml:brushProperty name="height" value="0.05" units="cm"/>
+      <inkml:brushProperty name="color" value="#E71224"/>
+    </inkml:brush>
+  </inkml:definitions>
+  <inkml:trace contextRef="#ctx0" brushRef="#br0">1 25 24575,'13'-1'0,"1"0"0,-1-1 0,18-5 0,29-5 0,24 11 20,1 3-1,144 22 1,-40-3-1444,-160-18-5402</inkml:trace>
+</inkml:ink>
+</file>
+
+<file path=ppt/ink/ink15.xml><?xml version="1.0" encoding="utf-8"?>
+<inkml:ink xmlns:inkml="http://www.w3.org/2003/InkML">
+  <inkml:definitions>
+    <inkml:context xml:id="ctx0">
+      <inkml:inkSource xml:id="inkSrc0">
+        <inkml:traceFormat>
+          <inkml:channel name="X" type="integer" min="-2.14748E9" max="2.14748E9" units="cm"/>
+          <inkml:channel name="Y" type="integer" min="-2.14748E9" max="2.14748E9" units="cm"/>
+          <inkml:channel name="F" type="integer" max="32767" units="dev"/>
+        </inkml:traceFormat>
+        <inkml:channelProperties>
+          <inkml:channelProperty channel="X" name="resolution" value="1000" units="1/cm"/>
+          <inkml:channelProperty channel="Y" name="resolution" value="1000" units="1/cm"/>
+          <inkml:channelProperty channel="F" name="resolution" value="0" units="1/dev"/>
+        </inkml:channelProperties>
+      </inkml:inkSource>
+      <inkml:timestamp xml:id="ts0" timeString="2021-12-26T00:54:40.419"/>
+    </inkml:context>
+    <inkml:brush xml:id="br0">
+      <inkml:brushProperty name="width" value="0.05" units="cm"/>
+      <inkml:brushProperty name="height" value="0.05" units="cm"/>
+      <inkml:brushProperty name="color" value="#E71224"/>
+    </inkml:brush>
+  </inkml:definitions>
+  <inkml:trace contextRef="#ctx0" brushRef="#br0">97 1 24575,'-2'0'0,"0"0"0,0 1 0,0-1 0,0 1 0,0 0 0,1 0 0,-1 0 0,0 0 0,0 0 0,1 0 0,-1 0 0,1 0 0,-1 1 0,1-1 0,-1 1 0,1-1 0,0 1 0,0 0 0,0-1 0,-1 3 0,-19 39 0,20-42 0,-8 23 0,1 0 0,2 1 0,-8 44 0,12-55 0,1-1 0,0 1 0,1 0 0,1-1 0,0 1 0,0 0 0,2-1 0,6 24 0,-8-35 0,-1 0 0,1 1 0,0-1 0,0 0 0,0 0 0,0 0 0,0 0 0,0 0 0,1 0 0,-1 0 0,0 0 0,1-1 0,0 1 0,-1 0 0,1-1 0,0 0 0,0 1 0,0-1 0,0 0 0,0 0 0,0 0 0,0 0 0,1 0 0,-1 0 0,0-1 0,0 1 0,1-1 0,-1 0 0,0 0 0,1 1 0,-1-2 0,0 1 0,1 0 0,-1 0 0,0-1 0,1 1 0,-1-1 0,0 1 0,4-3 0,1 0 0,0-1 0,0 0 0,0 0 0,-1-1 0,1 0 0,-1 0 0,0 0 0,-1-1 0,1 1 0,6-11 0,-3 0 0,-1 0 0,0-1 0,-1 0 0,-1 0 0,0-1 0,-2 0 0,0 0 0,-1 0 0,2-35 0,-6 65 0,-2 5 0,2 1 0,0 0 0,1 0 0,0-1 0,6 33 0,-5-48 0,0 0 0,0 0 0,0 0 0,0 0 0,0 0 0,0-1 0,1 1 0,-1 0 0,0-1 0,1 1 0,0-1 0,-1 1 0,1-1 0,0 0 0,0 0 0,-1 1 0,1-1 0,0-1 0,0 1 0,0 0 0,0 0 0,0-1 0,0 1 0,1-1 0,1 1 0,8 0 0,0-1 0,0 1 0,18-3 0,-9 1 0,194-5-1365,-144 5-5461</inkml:trace>
+</inkml:ink>
+</file>
+
+<file path=ppt/ink/ink16.xml><?xml version="1.0" encoding="utf-8"?>
+<inkml:ink xmlns:inkml="http://www.w3.org/2003/InkML">
+  <inkml:definitions>
+    <inkml:context xml:id="ctx0">
+      <inkml:inkSource xml:id="inkSrc0">
+        <inkml:traceFormat>
+          <inkml:channel name="X" type="integer" min="-2.14748E9" max="2.14748E9" units="cm"/>
+          <inkml:channel name="Y" type="integer" min="-2.14748E9" max="2.14748E9" units="cm"/>
+          <inkml:channel name="F" type="integer" max="32767" units="dev"/>
+        </inkml:traceFormat>
+        <inkml:channelProperties>
+          <inkml:channelProperty channel="X" name="resolution" value="1000" units="1/cm"/>
+          <inkml:channelProperty channel="Y" name="resolution" value="1000" units="1/cm"/>
+          <inkml:channelProperty channel="F" name="resolution" value="0" units="1/dev"/>
+        </inkml:channelProperties>
+      </inkml:inkSource>
+      <inkml:timestamp xml:id="ts0" timeString="2021-12-26T00:54:41.183"/>
+    </inkml:context>
+    <inkml:brush xml:id="br0">
+      <inkml:brushProperty name="width" value="0.05" units="cm"/>
+      <inkml:brushProperty name="height" value="0.05" units="cm"/>
+      <inkml:brushProperty name="color" value="#E71224"/>
+    </inkml:brush>
+  </inkml:definitions>
+  <inkml:trace contextRef="#ctx0" brushRef="#br0">105 236 24575,'-3'0'0,"1"1"0,-1-1 0,1 1 0,-1 0 0,1 0 0,-1 0 0,1 0 0,-1 0 0,1 1 0,0-1 0,0 1 0,0-1 0,0 1 0,0 0 0,0 0 0,0 0 0,0 0 0,1 0 0,-1 0 0,1 1 0,0-1 0,-1 0 0,1 1 0,-1 2 0,-4 11 0,1-1 0,-7 28 0,10-35 0,-8 35 0,-7 76 0,16-101 0,0 1 0,1-1 0,1 0 0,1 1 0,0-1 0,10 35 0,-9-47 0,0 1 0,0-1 0,1 0 0,0 0 0,0 0 0,0 0 0,0-1 0,1 1 0,0-1 0,0 0 0,1-1 0,-1 1 0,1-1 0,0 0 0,0-1 0,1 1 0,-1-1 0,1 0 0,-1-1 0,1 0 0,0 0 0,0 0 0,0-1 0,0 0 0,0 0 0,9-1 0,1 1 0,0-1 0,0-1 0,0-1 0,0 0 0,-1-2 0,1 1 0,-1-2 0,0 0 0,31-15 0,-34 13 0,-1 1 0,0-2 0,-1 0 0,0 0 0,0-1 0,0 0 0,-1-1 0,-1 0 0,1-1 0,-2 0 0,0 0 0,0-1 0,-1 0 0,0 0 0,-1-1 0,0 1 0,-1-2 0,-1 1 0,0 0 0,3-23 0,-1 1 0,-2 0 0,-2 0 0,-1 0 0,-1-1 0,-8-51 0,6 74 0,-2 0 0,1 0 0,-1 0 0,-1 1 0,0 0 0,-1 0 0,-12-19 0,13 24 0,-1-1 0,0 2 0,0-1 0,0 1 0,-1 0 0,0 0 0,-1 0 0,1 1 0,-1 1 0,0-1 0,0 1 0,-12-4 0,-1-1 0,-2 1 0,1 1 0,-1 1 0,0 2 0,0 0 0,-43-2 0,64 6 6,-1 1-1,1-1 0,0 1 1,-1-1-1,1 1 1,0 0-1,0 0 1,-1 0-1,1 0 0,0 0 1,0 0-1,0 1 1,1-1-1,-1 1 0,0 0 1,0-1-1,1 1 1,-1 0-1,1 0 0,-1 0 1,-1 4-1,0-1-190,1 1-1,0 0 1,0 0-1,1 0 1,0 0-1,0 0 1,0 7-1,-1 16-6640</inkml:trace>
+</inkml:ink>
+</file>
+
+<file path=ppt/ink/ink17.xml><?xml version="1.0" encoding="utf-8"?>
+<inkml:ink xmlns:inkml="http://www.w3.org/2003/InkML">
+  <inkml:definitions>
+    <inkml:context xml:id="ctx0">
+      <inkml:inkSource xml:id="inkSrc0">
+        <inkml:traceFormat>
+          <inkml:channel name="X" type="integer" min="-2.14748E9" max="2.14748E9" units="cm"/>
+          <inkml:channel name="Y" type="integer" min="-2.14748E9" max="2.14748E9" units="cm"/>
+          <inkml:channel name="F" type="integer" max="32767" units="dev"/>
+        </inkml:traceFormat>
+        <inkml:channelProperties>
+          <inkml:channelProperty channel="X" name="resolution" value="1000" units="1/cm"/>
+          <inkml:channelProperty channel="Y" name="resolution" value="1000" units="1/cm"/>
+          <inkml:channelProperty channel="F" name="resolution" value="0" units="1/dev"/>
+        </inkml:channelProperties>
+      </inkml:inkSource>
+      <inkml:timestamp xml:id="ts0" timeString="2021-12-26T00:54:41.535"/>
+    </inkml:context>
+    <inkml:brush xml:id="br0">
+      <inkml:brushProperty name="width" value="0.05" units="cm"/>
+      <inkml:brushProperty name="height" value="0.05" units="cm"/>
+      <inkml:brushProperty name="color" value="#E71224"/>
+    </inkml:brush>
+  </inkml:definitions>
+  <inkml:trace contextRef="#ctx0" brushRef="#br0">99 1 24575,'0'4'0,"0"6"0,0 5 0,0 5 0,0 3 0,-4 1 0,-6 2 0,-5-4 0,-4-6 0,-4-1 0,3-8 0,13-13 0,11-10 0,6-2-8191</inkml:trace>
+</inkml:ink>
+</file>
+
+<file path=ppt/ink/ink18.xml><?xml version="1.0" encoding="utf-8"?>
+<inkml:ink xmlns:inkml="http://www.w3.org/2003/InkML">
+  <inkml:definitions>
+    <inkml:context xml:id="ctx0">
+      <inkml:inkSource xml:id="inkSrc0">
+        <inkml:traceFormat>
+          <inkml:channel name="X" type="integer" min="-2.14748E9" max="2.14748E9" units="cm"/>
+          <inkml:channel name="Y" type="integer" min="-2.14748E9" max="2.14748E9" units="cm"/>
+          <inkml:channel name="F" type="integer" max="32767" units="dev"/>
+        </inkml:traceFormat>
+        <inkml:channelProperties>
+          <inkml:channelProperty channel="X" name="resolution" value="1000" units="1/cm"/>
+          <inkml:channelProperty channel="Y" name="resolution" value="1000" units="1/cm"/>
+          <inkml:channelProperty channel="F" name="resolution" value="0" units="1/dev"/>
+        </inkml:channelProperties>
+      </inkml:inkSource>
+      <inkml:timestamp xml:id="ts0" timeString="2021-12-26T00:54:41.965"/>
+    </inkml:context>
+    <inkml:brush xml:id="br0">
+      <inkml:brushProperty name="width" value="0.05" units="cm"/>
+      <inkml:brushProperty name="height" value="0.05" units="cm"/>
+      <inkml:brushProperty name="color" value="#E71224"/>
+    </inkml:brush>
+  </inkml:definitions>
+  <inkml:trace contextRef="#ctx0" brushRef="#br0">0 1 24575,'47'643'0,"-33"-513"0,-3-33 0,5-2 0,3 0 0,56 160 0,-74-252-105,0 1 0,1-1 0,-1 1 0,1-1 0,-1 1 0,1-1 0,0 0 0,1 0 0,-1 0 0,0 0 0,1 0 0,5 4 0,7-1-6721</inkml:trace>
+</inkml:ink>
+</file>
+
+<file path=ppt/ink/ink19.xml><?xml version="1.0" encoding="utf-8"?>
 <inkml:ink xmlns:inkml="http://www.w3.org/2003/InkML">
   <inkml:definitions>
     <inkml:context xml:id="ctx0">
@@ -163,6 +449,286 @@
 </inkml:ink>
 </file>
 
+<file path=ppt/ink/ink20.xml><?xml version="1.0" encoding="utf-8"?>
+<inkml:ink xmlns:inkml="http://www.w3.org/2003/InkML">
+  <inkml:definitions>
+    <inkml:context xml:id="ctx0">
+      <inkml:inkSource xml:id="inkSrc0">
+        <inkml:traceFormat>
+          <inkml:channel name="X" type="integer" min="-2.14748E9" max="2.14748E9" units="cm"/>
+          <inkml:channel name="Y" type="integer" min="-2.14748E9" max="2.14748E9" units="cm"/>
+          <inkml:channel name="F" type="integer" max="32767" units="dev"/>
+        </inkml:traceFormat>
+        <inkml:channelProperties>
+          <inkml:channelProperty channel="X" name="resolution" value="1000" units="1/cm"/>
+          <inkml:channelProperty channel="Y" name="resolution" value="1000" units="1/cm"/>
+          <inkml:channelProperty channel="F" name="resolution" value="0" units="1/dev"/>
+        </inkml:channelProperties>
+      </inkml:inkSource>
+      <inkml:timestamp xml:id="ts0" timeString="2021-12-05T00:42:07.862"/>
+    </inkml:context>
+    <inkml:brush xml:id="br0">
+      <inkml:brushProperty name="width" value="0.05" units="cm"/>
+      <inkml:brushProperty name="height" value="0.05" units="cm"/>
+      <inkml:brushProperty name="color" value="#E71224"/>
+    </inkml:brush>
+  </inkml:definitions>
+  <inkml:trace contextRef="#ctx0" brushRef="#br0">336 440 24575,'6'1'0,"0"0"0,-1 0 0,1 1 0,0-1 0,0 1 0,-1 0 0,1 1 0,-1 0 0,0-1 0,0 2 0,0-1 0,0 0 0,0 1 0,-1 0 0,0 0 0,6 7 0,8 10 0,-1 1 0,17 28 0,-30-44 0,175 260 0,-128-198 0,105 108 0,-131-150 0,-1 1 0,-1 1 0,-1 1 0,21 39 0,-14-26 0,-21-31 0,0-1 0,-1 2 0,7 13 0,-3-3 0,-8-17 0,-9-17 0,-185-354 0,-35 19 0,46 99 0,130 181 0,-100-101 0,149 165 0,-22-17 0,27 34 0,36 42 0,383 362 0,-247-255 0,704 625 0,-857-768 0,-19-16 0,-6-6 0,-69-62 0,-100-99-381,-271-256 806,140 147-6122,-480-375 3990,739 616 1707,29 25 542,12 12 812,14 19 2166,36 47-2560,103 119 1,-104-135-938,152 171-23,359 319 0,-515-511 0,-33-32 0,-10-9 0,-13-17 0,-189-252 0,119 168 0,54 68 0,-537-679 0,542 694 0,24 24 0,-1 0 0,1 0 0,0 0 0,0-1 0,0 1 0,0 0 0,0 0 0,0 0 0,0 0 0,0 0 0,0 0 0,0 0 0,0 0 0,0 0 0,-1 0 0,1 0 0,0 0 0,0 0 0,0 0 0,0 0 0,0 0 0,0 0 0,0 0 0,0 0 0,0 0 0,0 0 0,-1 0 0,1 0 0,0 0 0,0 0 0,0 0 0,0 0 0,0 0 0,0 0 0,0 0 0,0 0 0,0 0 0,0 0 0,0 0 0,0 0 0,-1 1 0,1-1 0,0 0 0,0 0 0,0 0 0,0 0 0,0 0 0,0 0 0,0 0 0,0 0 0,0 0 0,0 0 0,0 0 0,0 1 0,0-1 0,0 0 0,0 0 0,0 0 0,0 0 0,0 0 0,0 0 0,0 0 0,0 0 0,0 0 0,0 0 0,0 1 0,0-1 0,0 0 0,0 0 0,7 17 0,29 46 0,69 95 0,-60-96 0,216 295-552,381 397 0,-621-731 552,-13-17 0,-1 2 0,0-1 0,0 1 0,-1 0 0,8 13 0,-15-17 17,-8-8 105,-17-15 37,1-2 0,1-1-1,1 0 1,-24-32 0,5 7-33,-673-674-81,698 706-45,-8-8 0,-1 1 0,-31-20 0,55 41 0,0-1 0,1 1 0,-1 0 0,0 0 0,0 0 0,0 1 0,0-1 0,0 0 0,0 1 0,0-1 0,0 1 0,0-1 0,-5 1 0,7 0 0,0 0 0,-1 1 0,1-1 0,0 0 0,-1 0 0,1 1 0,0-1 0,-1 0 0,1 0 0,0 1 0,-1-1 0,1 0 0,0 1 0,0-1 0,0 0 0,-1 1 0,1-1 0,0 0 0,0 1 0,0-1 0,0 0 0,0 1 0,-1-1 0,1 1 0,0-1 0,0 0 0,0 1 0,4 22 0,15 22 0,2-1 0,1-1 0,52 73 0,-57-91 0,131 186 0,329 357 0,-464-554 0,-6-5 0,1 0 0,1 0 0,-1-1 0,2-1 0,18 14 0,-28-22 0,0 1 0,0 0 0,-1 0 0,1-1 0,0 1 0,0 0 0,0-1 0,0 1 0,0 0 0,0-1 0,0 1 0,0 0 0,0-1 0,0 1 0,0 0 0,0-1 0,0 1 0,0-1 0,0 1 0,0 0 0,0-1 0,0 1 0,0 0 0,0 0 0,1-1 0,-1 1 0,0 0 0,0-1 0,0 1 0,1 0 0,-1 0 0,0-1 0,0 1 0,1 0 0,-1 0 0,0-1 0,0 1 0,1 0 0,-1 0 0,0 0 0,1 0 0,-1-1 0,0 1 0,1 0 0,-1 0 0,0 0 0,1 0 0,-1 0 0,0 0 0,1 0 0,-1 0 0,0 0 0,1 0 0,-1 0 0,0 0 0,1 0 0,-1 0 0,0 1 0,1-1 0,-1 0 0,0 0 0,1 0 0,-1 0 0,0 1 0,0-1 0,1 0 0,-1 0 0,1 1 0,-15-32 0,-24-31 0,-66-82 0,41 61 0,-610-773-560,617 791 560,-56-58 0,90 108-12,21 15 12,1 0-1,0 0 1,-1 0 0,1 0-1,0 0 1,-1 0 0,1-1-1,-1 2 1,1-1 0,0 0-1,-1 0 1,1 0 0,0 0-1,-1 0 1,1 0-1,0 0 1,-1 0 0,1 1-1,-1-1 1,1 0 0,0 0-1,0 0 1,-1 1 0,1-1-1,0 0 1,-1 0 0,1 1-1,0-1 1,0 0 0,0 1-1,-1-1 1,1 1-1,-1 2 12,0 1 0,1-1-1,0 1 1,-1 0 0,1-1-1,0 1 1,1-1-1,-1 1 1,1-1 0,1 6-1,5 21 75,2-1-1,1 0 1,2 0-1,0-1 1,33 52-1,103 121-124,-39-76 40,5-4 0,203 166 0,-307-279 0,-2-1 0,-1-1 0,1 0 0,0 0 0,0-1 0,1 0 0,11 4 0,-20-8 0,1-1 0,-1 0 0,1 0 0,0 0 0,-1 1 0,1-1 0,-1 0 0,1 0 0,0 0 0,-1 0 0,1 0 0,-1 0 0,1 0 0,0 0 0,-1 0 0,1-1 0,-1 1 0,1 0 0,0 0 0,-1 0 0,1-1 0,-1 1 0,1 0 0,-1-1 0,1 1 0,-1 0 0,1-1 0,-1 1 0,1-1 0,4-19 0,-12-26 0,-2 13 0,-2 2 0,-1-1 0,-2 2 0,-1 0 0,-1 0 0,-23-29 0,-10-8 0,-75-80 0,116 139 0,-11-13 0,0 0 0,-38-29 0,56 49 0,0 0 0,0 0 0,0 0 0,-1 0 0,1 0 0,0 1 0,0-1 0,0 0 0,-1 1 0,1-1 0,0 1 0,-1-1 0,1 1 0,0 0 0,-1-1 0,1 1 0,-1 0 0,1 0 0,-1 0 0,0 0 0,1 1 0,1 0 0,0-1 0,-1 1 0,1 0 0,0 0 0,0 0 0,-1 0 0,1-1 0,0 1 0,0 0 0,0 0 0,0 0 0,0 0 0,0 0 0,1-1 0,-1 1 0,0 0 0,0 0 0,1 0 0,-1 0 0,0-1 0,1 2 0,5 11 0,-1-1 0,2-1 0,7 12 0,19 20 0,1-2 0,3-1 0,51 44 0,137 96 0,-174-141 0,-49-37 0,4 3 0,1 0 0,-1-1 0,1 1 0,-1-1 0,1-1 0,11 5 0,-17-7 0,-1-1 0,0 0 0,0 0 0,0 0 0,1 0 0,-1 0 0,0 0 0,0 0 0,1 0 0,-1 0 0,0 0 0,0 0 0,1 0 0,-1 0 0,0 0 0,0 0 0,1 0 0,-1 0 0,0 0 0,0 0 0,1 0 0,-1 0 0,0-1 0,0 1 0,0 0 0,1 0 0,-1 0 0,0 0 0,0 0 0,0-1 0,0 1 0,1 0 0,-1 0 0,0 0 0,0-1 0,0 1 0,0 0 0,0 0 0,0 0 0,1-1 0,-1 1 0,0 0 0,0 0 0,0-1 0,0 1 0,0 0 0,0 0 0,0-1 0,0 1 0,0 0 0,0 0 0,0-1 0,0 1 0,-1 0 0,0-9 0,-2 0 0,1 0 0,-2 0 0,1 0 0,-1 1 0,-6-10 0,-2-7 0,-207-361 0,151 273 0,52 87 0,-68-107 0,52 94 0,32 39 0,0-1 0,0 1 0,-1 0 0,1-1 0,0 1 0,0 0 0,-1-1 0,1 1 0,0 0 0,-1 0 0,1-1 0,0 1 0,-1 0 0,1 0 0,0-1 0,-1 1 0,1 0 0,-1 0 0,1 0 0,-1 0 0,1 0 0,0-1 0,-1 1 0,1 0 0,-1 0 0,1 0 0,-1 0 0,1 0 0,0 0 0,-1 1 0,1-1 0,-1 0 0,1 0 0,0 0 0,-1 0 0,1 0 0,-1 1 0,1-1 0,0 0 0,-1 0 0,1 0 0,0 1 0,-1-1 0,1 0 0,0 1 0,-1-1 0,1 0 0,0 1 0,-1 0 0,0 22 0,4-5 0,2 0 0,0 0 0,1-1 0,13 28 0,43 67 0,-12-33 0,4-2 0,103 114 0,159 115 0,-281-276-455,1-1 0,66 40 0,-70-51-6371</inkml:trace>
+</inkml:ink>
+</file>
+
+<file path=ppt/ink/ink21.xml><?xml version="1.0" encoding="utf-8"?>
+<inkml:ink xmlns:inkml="http://www.w3.org/2003/InkML">
+  <inkml:definitions>
+    <inkml:context xml:id="ctx0">
+      <inkml:inkSource xml:id="inkSrc0">
+        <inkml:traceFormat>
+          <inkml:channel name="X" type="integer" min="-2.14748E9" max="2.14748E9" units="cm"/>
+          <inkml:channel name="Y" type="integer" min="-2.14748E9" max="2.14748E9" units="cm"/>
+          <inkml:channel name="F" type="integer" max="32767" units="dev"/>
+        </inkml:traceFormat>
+        <inkml:channelProperties>
+          <inkml:channelProperty channel="X" name="resolution" value="1000" units="1/cm"/>
+          <inkml:channelProperty channel="Y" name="resolution" value="1000" units="1/cm"/>
+          <inkml:channelProperty channel="F" name="resolution" value="0" units="1/dev"/>
+        </inkml:channelProperties>
+      </inkml:inkSource>
+      <inkml:timestamp xml:id="ts0" timeString="2021-12-05T00:42:17.644"/>
+    </inkml:context>
+    <inkml:brush xml:id="br0">
+      <inkml:brushProperty name="width" value="0.05" units="cm"/>
+      <inkml:brushProperty name="height" value="0.05" units="cm"/>
+      <inkml:brushProperty name="color" value="#E71224"/>
+    </inkml:brush>
+  </inkml:definitions>
+  <inkml:trace contextRef="#ctx0" brushRef="#br0">169 201 24575,'6'0'0,"-1"0"0,0 0 0,0 1 0,0-1 0,1 1 0,-1 0 0,0 1 0,0-1 0,0 1 0,-1 0 0,1 0 0,0 0 0,-1 1 0,1 0 0,-1 0 0,0 0 0,0 0 0,0 1 0,0-1 0,-1 1 0,1 0 0,-1 0 0,0 0 0,0 1 0,-1-1 0,1 1 0,-1 0 0,2 6 0,3 3 0,-3-8 0,-1 1 0,-1-1 0,1 1 0,-1 0 0,0 0 0,1 7 0,-5-8 0,-6-11 0,-9-18 0,14 19 0,-84-120 0,-4-7 0,110 182 0,4-17 0,3 5 0,-25-37 0,0 0 0,1 1 0,-1-1 0,0 1 0,0-1 0,-1 1 0,1-1 0,-1 1 0,1 0 0,-1-1 0,0 1 0,0 3 0,0-4 0,0-1 0,0 0 0,-1 0 0,1 0 0,0 0 0,-1 0 0,1 1 0,-1-1 0,1 0 0,-1 0 0,0 0 0,0 0 0,1 0 0,-1-1 0,0 1 0,0 0 0,0 0 0,0 0 0,0-1 0,0 1 0,0 0 0,0-1 0,0 1 0,0-1 0,0 1 0,0-1 0,-1 0 0,1 0 0,0 1 0,0-1 0,0 0 0,0 0 0,-1 0 0,1 0 0,0 0 0,0 0 0,0-1 0,-1 1 0,1 0 0,0 0 0,0-1 0,-2 0 0,-1 0 0,0-1 0,0 1 0,0-1 0,0 0 0,1 0 0,-1 0 0,0-1 0,1 1 0,0-1 0,0 0 0,-4-4 0,-2-5 0,-46-68 0,49 71 0,1 0 0,1-1 0,0 1 0,0-1 0,1 0 0,-4-20 0,6 30 0,1-1 0,0 1 0,0-1 0,0 1 0,0 0 0,0-1 0,0 1 0,0 0 0,0-1 0,0 1 0,0-1 0,0 1 0,0 0 0,0-1 0,0 1 0,0-1 0,0 1 0,0 0 0,0-1 0,0 1 0,1 0 0,-1-1 0,0 1 0,0 0 0,0-1 0,1 1 0,-1 0 0,0-1 0,0 1 0,1 0 0,-1 0 0,1-1 0,11 6 0,15 21 0,-25-24 0,10 11 0,-8-8 0,1 0 0,-1 0 0,1-1 0,-1 1 0,10 5 0,-11-12 0,-5-5 0,-5-13 0,5 16 0,-9-40 0,10 44 0,1-1 0,0 0 0,0 0 0,0 1 0,0-1 0,-1 0 0,1 0 0,0 1 0,0-1 0,0 0 0,0 0 0,1 1 0,-1-1 0,0 0 0,0 0 0,0 1 0,1-1 0,-1 0 0,0 0 0,1 1 0,-1-1 0,0 0 0,1 1 0,-1-1 0,1 1 0,-1-1 0,1 0 0,-1 1 0,1-1 0,0 1 0,-1-1 0,1 1 0,0 0 0,-1-1 0,1 1 0,0 0 0,0-1 0,-1 1 0,1 0 0,0 0 0,0 0 0,-1 0 0,1 0 0,0 0 0,0 0 0,-1 0 0,1 0 0,0 0 0,0 0 0,0 0 0,-1 0 0,1 1 0,1-1 0,3 2-97,2 0 308,-7-8-1690,-6-3-5347</inkml:trace>
+</inkml:ink>
+</file>
+
+<file path=ppt/ink/ink22.xml><?xml version="1.0" encoding="utf-8"?>
+<inkml:ink xmlns:inkml="http://www.w3.org/2003/InkML">
+  <inkml:definitions>
+    <inkml:context xml:id="ctx0">
+      <inkml:inkSource xml:id="inkSrc0">
+        <inkml:traceFormat>
+          <inkml:channel name="X" type="integer" min="-2.14748E9" max="2.14748E9" units="cm"/>
+          <inkml:channel name="Y" type="integer" min="-2.14748E9" max="2.14748E9" units="cm"/>
+          <inkml:channel name="F" type="integer" max="32767" units="dev"/>
+        </inkml:traceFormat>
+        <inkml:channelProperties>
+          <inkml:channelProperty channel="X" name="resolution" value="1000" units="1/cm"/>
+          <inkml:channelProperty channel="Y" name="resolution" value="1000" units="1/cm"/>
+          <inkml:channelProperty channel="F" name="resolution" value="0" units="1/dev"/>
+        </inkml:channelProperties>
+      </inkml:inkSource>
+      <inkml:timestamp xml:id="ts0" timeString="2021-12-05T00:43:31.971"/>
+    </inkml:context>
+    <inkml:brush xml:id="br0">
+      <inkml:brushProperty name="width" value="0.05" units="cm"/>
+      <inkml:brushProperty name="height" value="0.05" units="cm"/>
+      <inkml:brushProperty name="color" value="#E71224"/>
+    </inkml:brush>
+  </inkml:definitions>
+  <inkml:trace contextRef="#ctx0" brushRef="#br0">512 377 24575,'1'0'0,"-1"-1"0,0 0 0,0 0 0,0 0 0,1 0 0,-1 1 0,1-1 0,-1 0 0,0 0 0,1 1 0,-1-1 0,1 0 0,-1 1 0,1-1 0,0 0 0,-1 1 0,1-1 0,0 1 0,-1-1 0,1 1 0,0-1 0,0 1 0,0 0 0,-1-1 0,1 1 0,0 0 0,0-1 0,0 1 0,0 0 0,-1 0 0,1 0 0,0 0 0,0 0 0,1 0 0,36 2 0,-32-1 0,4 1 0,0 0 0,0 0 0,-1 1 0,1 0 0,-1 1 0,0 0 0,0 1 0,0-1 0,0 2 0,8 6 0,10 10 0,39 41 0,-2-1 0,20 21 0,-21-18 0,-222-218 0,48 44 0,-133-101 0,221 192 0,-1 1 0,-1 1 0,-1 2 0,-28-13 0,53 27 0,1-1 0,-1 1 0,1 0 0,-1 0 0,1-1 0,-1 1 0,1 0 0,-1 0 0,1 0 0,-1-1 0,1 1 0,-1 0 0,1 0 0,-1 0 0,1 0 0,-1 0 0,1 0 0,-1 0 0,1 1 0,-1-1 0,1 0 0,-1 0 0,0 0 0,1 0 0,0 1 0,-1-1 0,1 0 0,-1 0 0,1 1 0,-1-1 0,1 0 0,-1 1 0,1-1 0,0 1 0,-1-1 0,1 0 0,0 1 0,-1-1 0,1 1 0,0-1 0,0 1 0,-1-1 0,1 1 0,0-1 0,0 1 0,0-1 0,0 1 0,0-1 0,0 1 0,0-1 0,0 1 0,0-1 0,0 1 0,0 0 0,0-1 0,0 1 0,0 0 0,11 33 0,11 7 0,3-2 0,0-1 0,3-1 0,1-1 0,42 40 0,182 145 0,-199-177 0,96 74 0,-116-94 0,2-1 0,56 26 0,-76-44 0,-17-13 0,-26-23 0,19 22 0,-153-170 0,-198-207 0,211 241 0,132 129 0,15 12 0,32 23 0,112 82 0,-31-20 0,212 118 0,-316-196 0,-1 1 0,1-1 0,-1 0 0,1 0 0,13 2 0,-20-5 0,-1 0 0,1 0 0,-1 0 0,1 0 0,-1 0 0,1 0 0,-1 0 0,1 0 0,-1 0 0,1 0 0,-1 0 0,1-1 0,-1 1 0,1 0 0,-1 0 0,0 0 0,1-1 0,-1 1 0,1 0 0,-1 0 0,1-1 0,-1 1 0,0 0 0,1-1 0,-1 1 0,0-1 0,1 1 0,-1 0 0,0-1 0,0 1 0,1-1 0,-1 1 0,0-1 0,0 1 0,0-1 0,0 1 0,0-1 0,0 1 0,1-1 0,-1 1 0,0-1 0,0 1 0,-1-1 0,1 1 0,0-1 0,0 1 0,0-1 0,0 1 0,0-1 0,0 1 0,-1-1 0,1 1 0,0-1 0,-7-14 0,-1 0 0,0 0 0,0 1 0,-2 0 0,0 1 0,-12-14 0,6 8 0,-68-81 0,-5 4 0,-125-105 0,213 200 0,-5-4 0,0 0 0,0 0 0,-1 0 0,-13-6 0,20 10 0,-1 1 0,0-1 0,0 1 0,0 0 0,0 0 0,0-1 0,0 1 0,0 0 0,0 0 0,0 0 0,0 0 0,0 0 0,0 0 0,0 0 0,0 0 0,0 0 0,0 0 0,0 1 0,0-1 0,1 0 0,-1 1 0,0-1 0,0 1 0,0-1 0,0 1 0,0-1 0,1 1 0,-1 0 0,0-1 0,1 1 0,-1 0 0,0-1 0,1 1 0,-1 0 0,1 0 0,-1 0 0,1 0 0,-1 0 0,1-1 0,0 1 0,-1 0 0,1 0 0,0 0 0,0 0 0,0 0 0,0 0 0,0 0 0,0 2 0,-1 6 0,0 1 0,1 0 0,0-1 0,0 1 0,1 0 0,1-1 0,3 14 0,25 68 0,-24-73 0,20 50 0,2-1 0,4-1 0,2-2 0,84 117 0,-106-165 0,-2-1 0,-40-34 0,-648-389 0,640 387 0,-40-21 0,42 26 0,36 16 0,0 0 0,0 1 0,0-1 0,0 0 0,0 0 0,0 0 0,0 0 0,0 0 0,1 0 0,-1 0 0,0 0 0,0 0 0,0 0 0,0 0 0,0 0 0,0 0 0,0 1 0,0-1 0,0 0 0,0 0 0,0 0 0,0 0 0,0 0 0,0 0 0,0 0 0,0 0 0,0 0 0,0 1 0,0-1 0,0 0 0,0 0 0,0 0 0,0 0 0,0 0 0,0 0 0,0 0 0,0 0 0,0 1 0,0-1 0,0 0 0,0 0 0,0 0 0,0 0 0,0 0 0,0 0 0,0 0 0,-1 0 0,1 0 0,0 0 0,0 0 0,0 0 0,0 1 0,0-1 0,0 0 0,0 0 0,0 0 0,0 0 0,0 0 0,-1 0 0,1 0 0,0 0 0,0 0 0,0 0 0,0 0 0,0 0 0,0 0 0,18 17 0,71 50 0,194 108 0,-196-125 0,-41-23-108,75 45-520,197 84-1,-277-141-6197</inkml:trace>
+</inkml:ink>
+</file>
+
+<file path=ppt/ink/ink23.xml><?xml version="1.0" encoding="utf-8"?>
+<inkml:ink xmlns:inkml="http://www.w3.org/2003/InkML">
+  <inkml:definitions>
+    <inkml:context xml:id="ctx0">
+      <inkml:inkSource xml:id="inkSrc0">
+        <inkml:traceFormat>
+          <inkml:channel name="X" type="integer" min="-2.14748E9" max="2.14748E9" units="cm"/>
+          <inkml:channel name="Y" type="integer" min="-2.14748E9" max="2.14748E9" units="cm"/>
+          <inkml:channel name="F" type="integer" max="32767" units="dev"/>
+        </inkml:traceFormat>
+        <inkml:channelProperties>
+          <inkml:channelProperty channel="X" name="resolution" value="1000" units="1/cm"/>
+          <inkml:channelProperty channel="Y" name="resolution" value="1000" units="1/cm"/>
+          <inkml:channelProperty channel="F" name="resolution" value="0" units="1/dev"/>
+        </inkml:channelProperties>
+      </inkml:inkSource>
+      <inkml:timestamp xml:id="ts0" timeString="2021-12-05T00:44:09.229"/>
+    </inkml:context>
+    <inkml:brush xml:id="br0">
+      <inkml:brushProperty name="width" value="0.05" units="cm"/>
+      <inkml:brushProperty name="height" value="0.05" units="cm"/>
+      <inkml:brushProperty name="color" value="#E71224"/>
+    </inkml:brush>
+  </inkml:definitions>
+  <inkml:trace contextRef="#ctx0" brushRef="#br0">281 242 24575,'1'6'0,"-1"-1"0,1 1 0,0-1 0,1 1 0,-1-1 0,1 1 0,0-1 0,1 0 0,-1 0 0,1 0 0,0 0 0,0-1 0,1 1 0,5 5 0,8 8 0,1-2 0,21 17 0,-12-11 0,478 395 0,-174-146 0,334 352 0,-653-610 0,-9-11 0,0 0 0,0 1 0,0 0 0,0-1 0,-1 1 0,1 1 0,-1-1 0,0 0 0,1 0 0,-2 1 0,1-1 0,0 1 0,1 4 0,-4-8 0,1 0 0,0 1 0,0-1 0,0 0 0,0 0 0,-1 1 0,1-1 0,0 0 0,0 0 0,-1 1 0,1-1 0,0 0 0,0 0 0,-1 0 0,1 1 0,0-1 0,0 0 0,-1 0 0,1 0 0,0 0 0,-1 0 0,1 0 0,0 1 0,-1-1 0,1 0 0,0 0 0,-1 0 0,1 0 0,0 0 0,-1-1 0,1 1 0,0 0 0,-1 0 0,1 0 0,0 0 0,-1 0 0,1 0 0,0 0 0,0-1 0,-1 1 0,1 0 0,0 0 0,-1 0 0,1-1 0,0 1 0,0 0 0,-1-1 0,-16-8 0,-1-2 0,2 0 0,-19-16 0,16 12 0,-140-118-1900,-148-162-1,-88-76-1082,111 118 8250,165 143-3750,103 98-1517,36 38 0,60 62 187,145 125 1,-56-73-1163,0-7-4078,42 18 3650,-46-36 1675,-130-83-272,-91-68 0,2-3 0,-81-72 0,61 47 0,-518-463 0,420 370 1131,170 155-653,0 0 0,0 0 0,0 0 0,0 1 0,0-1 0,-1 0 0,1 1 0,-1 0 0,-4-3 0,7 5-448,-1-1 0,1 0 1,0 1-1,0-1 0,-1 0 1,1 1-1,0-1 0,0 0 1,0 1-1,0-1 0,-1 1 1,1-1-1,0 0 0,0 1 1,0-1-1,0 1 0,0-1 0,0 0 1,0 1-1,0-1 0,0 1 1,0-1-1,0 0 0,0 1 1,1-1-1,-1 1 0,0-1 1,0 0-1,0 1 0,0-1 0,1 0 1,-1 1-1,0-1 0,0 0 1,1 1-1,-1-1 0,34 60-278,13 9 248,4-2 0,2-3 0,68 64 0,201 152 0,-298-260 0,-17-13 0,1 0 0,1 0 0,-1-1 0,1-1 0,0 1 0,10 3 0,-16-9 0,-6-6 0,-19-21 0,-2 1 0,-45-39 0,26 25 0,-423-402 0,158 163 0,292 269 0,14 14 0,9 8 0,14 18 0,2-1 0,44 43 0,-17-21 0,217 224 0,27-25 0,-246-210 0,-48-40 0,-23-21 0,-349-364-20,149 148-648,-199-189 530,383 394 138,316 316 743,-206-216-660,108 101-83,87 88 0,-215-197 0,-35-34 0,-18-22 0,-11-12 0,-55-50 0,-63-71 0,71 67 0,-97-77 0,143 131 0,29 29 0,339 374-6784,-325-363 6784,2-2 0,64 48 0,-83-71 0,-9-9 0,-13-15 0,-35-41 2683,-60-59-1,40 46-1263,-78-99-1419,140 167 0,0-1 0,0 0 0,0 0 0,1 1 0,0-2 0,0 1 0,-2-6 0,4 10 0,0 0 0,0-1 0,0 1 0,0 0 0,0 0 0,0 0 0,1 0 0,-1-1 0,0 1 0,0 0 0,0 0 0,0 0 0,1 0 0,-1 0 0,0 0 0,0 0 0,0 0 0,1 0 0,-1 0 0,0 0 0,0-1 0,0 1 0,1 0 0,-1 0 0,0 0 0,0 0 0,0 1 0,1-1 0,-1 0 0,0 0 0,0 0 0,0 0 0,1 0 0,-1 0 0,0 0 0,0 0 0,0 0 0,0 0 0,1 1 0,-1-1 0,0 0 0,0 0 0,0 0 0,1 0 0,23 16 0,219 173 0,-51-37 0,-138-113 0,-37-32 0,-11-10 0,-6 0 0,0 1 0,-1 0 0,1 0 0,-1 0 0,1 0 0,-1 0 0,0 0 0,0-1 0,-2-2 0,-28-47 0,-2 2 0,-51-59 0,60 78 0,15 20 0,11 11 0,17 20 0,-1-2 0,284 271 0,-277-263 0,-20-17 0,-14-11 0,-14-13 0,11 4-107,1-1-1,0 0 1,1-1-1,0 0 1,-9-18-1,11 18-612,-15-22-6106</inkml:trace>
+</inkml:ink>
+</file>
+
+<file path=ppt/ink/ink24.xml><?xml version="1.0" encoding="utf-8"?>
+<inkml:ink xmlns:inkml="http://www.w3.org/2003/InkML">
+  <inkml:definitions>
+    <inkml:context xml:id="ctx0">
+      <inkml:inkSource xml:id="inkSrc0">
+        <inkml:traceFormat>
+          <inkml:channel name="X" type="integer" min="-2.14748E9" max="2.14748E9" units="cm"/>
+          <inkml:channel name="Y" type="integer" min="-2.14748E9" max="2.14748E9" units="cm"/>
+          <inkml:channel name="F" type="integer" max="32767" units="dev"/>
+        </inkml:traceFormat>
+        <inkml:channelProperties>
+          <inkml:channelProperty channel="X" name="resolution" value="1000" units="1/cm"/>
+          <inkml:channelProperty channel="Y" name="resolution" value="1000" units="1/cm"/>
+          <inkml:channelProperty channel="F" name="resolution" value="0" units="1/dev"/>
+        </inkml:channelProperties>
+      </inkml:inkSource>
+      <inkml:timestamp xml:id="ts0" timeString="2021-12-05T00:44:37.363"/>
+    </inkml:context>
+    <inkml:brush xml:id="br0">
+      <inkml:brushProperty name="width" value="0.05" units="cm"/>
+      <inkml:brushProperty name="height" value="0.05" units="cm"/>
+      <inkml:brushProperty name="color" value="#E71224"/>
+    </inkml:brush>
+  </inkml:definitions>
+  <inkml:trace contextRef="#ctx0" brushRef="#br0">200 105 24575,'17'499'0,"-11"-340"0,-3-66 0,18 123 0,-16-194 0,2 0 0,14 35 0,-13-35 0,13 43 0,-21-51 0,-5-17 0,-12-24 0,2-7 0,2 0 0,1-1 0,-9-44 0,-14-116 0,19 95 0,11 74 0,-43-223 0,32 181 0,-42-106 0,27 93 0,31 80 0,0 1 0,0-1 0,0 1 0,0-1 0,0 0 0,-1 1 0,1-1 0,0 1 0,0-1 0,-1 1 0,1 0 0,0-1 0,0 1 0,-1-1 0,1 1 0,-1-1 0,1 1 0,0 0 0,-1-1 0,1 1 0,-1 0 0,1-1 0,-1 1 0,1 0 0,-1 0 0,1-1 0,-1 1 0,-4 13 0,2 30 0,7 34 0,3 0 0,4-1 0,2 0 0,4-1 0,49 133 0,-53-179 0,-13-29 0,0 0 0,0 0 0,0 1 0,0-1 0,0 0 0,1 0 0,-1 0 0,0 0 0,0 1 0,0-1 0,0 0 0,0 0 0,0 0 0,0 0 0,0 1 0,1-1 0,-1 0 0,0 0 0,0 0 0,0 0 0,0 0 0,0 0 0,1 1 0,-1-1 0,0 0 0,0 0 0,0 0 0,0 0 0,1 0 0,-1 0 0,0 0 0,0 0 0,0 0 0,1 0 0,-1 0 0,0 0 0,0 0 0,0 0 0,1 0 0,-1 0 0,0 0 0,0 0 0,0 0 0,0 0 0,1 0 0,-1 0 0,0-1 0,0 1 0,0 0 0,0 0 0,1 0 0,-1 0 0,0 0 0,0 0 0,0-1 0,0 1 0,0 0 0,0 0 0,0 0 0,1 0 0,-1-1 0,0 1 0,0 0 0,0 0 0,0 0 0,0-1 0,2-7 0,0 0 0,0-1 0,-1 1 0,-1-1 0,1 1 0,-2-13 0,1-3 0,0-183-3392,-35-278 0,26 443 3392,6 40 0,1 10 0,-1 69 0,46 1167 5654,-39-1203-4602,-3-40-890,0-10-151,0-66-106,-2-544-1270,1 593-5461</inkml:trace>
+</inkml:ink>
+</file>
+
+<file path=ppt/ink/ink25.xml><?xml version="1.0" encoding="utf-8"?>
+<inkml:ink xmlns:inkml="http://www.w3.org/2003/InkML">
+  <inkml:definitions>
+    <inkml:context xml:id="ctx0">
+      <inkml:inkSource xml:id="inkSrc0">
+        <inkml:traceFormat>
+          <inkml:channel name="X" type="integer" min="-2.14748E9" max="2.14748E9" units="cm"/>
+          <inkml:channel name="Y" type="integer" min="-2.14748E9" max="2.14748E9" units="cm"/>
+          <inkml:channel name="F" type="integer" max="32767" units="dev"/>
+        </inkml:traceFormat>
+        <inkml:channelProperties>
+          <inkml:channelProperty channel="X" name="resolution" value="1000" units="1/cm"/>
+          <inkml:channelProperty channel="Y" name="resolution" value="1000" units="1/cm"/>
+          <inkml:channelProperty channel="F" name="resolution" value="0" units="1/dev"/>
+        </inkml:channelProperties>
+      </inkml:inkSource>
+      <inkml:timestamp xml:id="ts0" timeString="2021-12-05T00:44:44.140"/>
+    </inkml:context>
+    <inkml:brush xml:id="br0">
+      <inkml:brushProperty name="width" value="0.05" units="cm"/>
+      <inkml:brushProperty name="height" value="0.05" units="cm"/>
+      <inkml:brushProperty name="color" value="#E71224"/>
+    </inkml:brush>
+  </inkml:definitions>
+  <inkml:trace contextRef="#ctx0" brushRef="#br0">24 147 24575,'5'1'0,"0"-1"0,0 1 0,1 0 0,-1 1 0,0-1 0,0 1 0,-1 0 0,1 0 0,0 1 0,-1-1 0,1 1 0,-1 0 0,0 0 0,0 0 0,0 1 0,0 0 0,0-1 0,-1 1 0,4 6 0,7 11 0,-1-1 0,20 44 0,-17-31 0,8 3 0,-27-41 0,1 0 0,-1 0 0,0 0 0,-1 0 0,1 1 0,-8-9 0,0 0 0,-20-23 0,-49-45 0,42 43 0,37 36 0,-1 1 0,1-1 0,-1 1 0,1-1 0,-1 1 0,0-1 0,0 1 0,1 0 0,-1 0 0,0 0 0,-4-1 0,6 2 0,0 0 0,-1 0 0,1 1 0,0-1 0,0 0 0,-1 0 0,1 1 0,0-1 0,0 0 0,-1 1 0,1-1 0,0 0 0,0 1 0,0-1 0,0 1 0,0-1 0,-1 0 0,1 1 0,0-1 0,0 1 0,0-1 0,0 0 0,0 1 0,0-1 0,0 1 0,0-1 0,1 0 0,-1 1 0,0-1 0,0 0 0,0 1 0,0-1 0,0 0 0,1 1 0,-1 0 0,21 50 0,-13-36 0,-5-7 0,0 0 0,1-1 0,1 0 0,-1 0 0,1 0 0,9 10 0,-14-17 0,-1 0 0,1-1 0,0 1 0,0 0 0,0 0 0,0 0 0,0 0 0,0 0 0,0-1 0,0 1 0,-1 0 0,1 0 0,0 0 0,0-1 0,0 1 0,0 0 0,0 0 0,0 0 0,0-1 0,0 1 0,0 0 0,0 0 0,0 0 0,1 0 0,-1-1 0,0 1 0,0 0 0,0 0 0,0 0 0,0-1 0,0 1 0,0 0 0,0 0 0,0 0 0,1 0 0,-1 0 0,0-1 0,0 1 0,0 0 0,0 0 0,0 0 0,1 0 0,-1 0 0,0 0 0,0 0 0,0 0 0,1 0 0,-1 0 0,0 0 0,0-1 0,0 1 0,0 0 0,1 0 0,-1 0 0,0 0 0,0 0 0,0 0 0,1 1 0,-1-1 0,0 0 0,0 0 0,0 0 0,0 0 0,1 0 0,-5-5 0,0 12 0,4-4 0,0 1 0,0 0 0,0 0 0,0 0 0,1 0 0,-1-1 0,1 1 0,0 0 0,0 0 0,1-1 0,-1 1 0,4 5 0,24 38 0,-28-46 0,-1 0 0,1 0 0,0 0 0,0 0 0,-1 0 0,1 0 0,0 0 0,0 0 0,0 0 0,0 0 0,0-1 0,1 1 0,-1 0 0,0-1 0,0 1 0,0-1 0,0 1 0,1-1 0,0 1 0,-1-2 0,0 1 0,-1 0 0,1 0 0,0-1 0,-1 1 0,1 0 0,-1-1 0,1 1 0,0-1 0,-1 1 0,1-1 0,-1 1 0,0-1 0,1 1 0,-1-1 0,1 0 0,-1 1 0,0-1 0,1 1 0,-1-1 0,0 0 0,0 1 0,0-1 0,1-1 0,0-6 0,1 1 0,-1-1 0,-1 0 0,0-15 0,-2 6 0,-1 1 0,0 1 0,-2-1 0,0 0 0,0 1 0,-10-19 0,-6-16 0,21 49 0,0 1 0,-1 0 0,1 0 0,0 0 0,0 0 0,0 0 0,0-1 0,0 1 0,0 0 0,-1 0 0,1 0 0,0-1 0,0 1 0,0 0 0,0 0 0,0 0 0,0-1 0,0 1 0,0 0 0,0 0 0,0 0 0,0-1 0,0 1 0,0 0 0,0 0 0,0 0 0,0-1 0,0 1 0,0 0 0,0 0 0,0 0 0,0-1 0,1 1 0,-1 0 0,0 0 0,0 0 0,0-1 0,0 1 0,0 0 0,0 0 0,1 0 0,-1 0 0,0 0 0,0-1 0,0 1 0,0 0 0,1 0 0,-1 0 0,0 0 0,1 0 0,12 6 0,13 16 0,-8-1 0,16 12 0,-34-33 0,0 0 0,0 1 0,0-1 0,1 0 0,-1 0 0,0 1 0,0-1 0,1 0 0,-1 0 0,0 0 0,0 1 0,1-1 0,-1 0 0,0 0 0,1 0 0,-1 0 0,0 0 0,1 0 0,-1 1 0,0-1 0,1 0 0,-1 0 0,0 0 0,1 0 0,-1 0 0,0 0 0,1-1 0,-1 1 0,0 0 0,0 0 0,1 0 0,-1 0 0,0 0 0,1 0 0,-1 0 0,0-1 0,0 1 0,1 0 0,-1 0 0,1-1 0,-1-15 0,-9-18 0,2 17 0,-7-22 0,-36-67 0,49 105 0,1 0 0,0 0 0,0 1 0,-1-1 0,1 0 0,0 0 0,-1 1 0,1-1 0,-1 0 0,1 1 0,-1-1 0,1 1 0,-1-1 0,1 1 0,-1-1 0,0 1 0,1-1 0,-1 1 0,0-1 0,1 1 0,-1 0 0,0-1 0,1 1 0,-1 0 0,0 0 0,0-1 0,0 1 0,1 0 0,-2 0 0,2 1 0,-1 0 0,1 0 0,0 0 0,0 0 0,-1 0 0,1-1 0,0 1 0,0 0 0,0 0 0,0 0 0,0 0 0,0 0 0,1 0 0,-1 0 0,0 0 0,0 0 0,1-1 0,-1 1 0,0 0 0,1 0 0,-1 0 0,1 0 0,-1-1 0,2 2 0,49 81 0,-58-88 0,-24-16 0,30 21 0,1 0 0,0 0 0,0-1 0,-1 1 0,1 0 0,0 0 0,-1 0 0,1 0 0,0 0 0,-1 0 0,1 0 0,0 0 0,-1 0 0,1 0 0,0 0 0,-1 0 0,1 0 0,0 0 0,-1 0 0,1 0 0,0 0 0,-1 0 0,1 0 0,0 0 0,-1 1 0,1-1 0,0 0 0,0 0 0,-1 0 0,1 1 0,0-1 0,-1 0 0,1 2 0,0-1 0,0 0 0,-1 1 0,1-1 0,0 0 0,0 0 0,1 1 0,-1-1 0,0 0 0,0 1 0,0-1 0,1 0 0,-1 0 0,1 2 0,2 4 0,0 0 0,-1-1 0,2 0 0,-1 1 0,1-1 0,0 0 0,7 8 0,-64-112 0,38 81 0,15 16 0,-1 1 0,1 0 0,0 0 0,0 0 0,-1 0 0,1 0 0,0 0 0,0 0 0,-1 0 0,1 0 0,0 0 0,0 0 0,-1 0 0,1 0 0,0 0 0,0 0 0,-1 0 0,1 0 0,0 0 0,0 0 0,-1 1 0,1-1 0,0 0 0,0 0 0,-1 0 0,1 0 0,0 1 0,0-1 0,0 0 0,-1 0 0,1 0 0,0 1 0,0-1 0,0 0 0,0 0 0,0 0 0,-1 1 0,1-1 0,-1 4 0,0-1 0,1 1 0,-1-1 0,0 1 0,1 0 0,0-1 0,0 1 0,1 5 0,1 9 0,1 0 0,0 0 0,1-1 0,1 1 0,1-1 0,1-1 0,0 1 0,19 30 0,-26-47 0,0 0 0,0 1 0,0-1 0,0 0 0,0 0 0,0 0 0,0 1 0,0-1 0,0 0 0,0 0 0,0 0 0,0 0 0,0 1 0,0-1 0,1 0 0,-1 0 0,0 0 0,0 0 0,0 0 0,0 1 0,0-1 0,0 0 0,1 0 0,-1 0 0,0 0 0,0 0 0,0 0 0,0 0 0,1 0 0,-1 0 0,0 0 0,0 0 0,0 1 0,1-1 0,-1 0 0,0 0 0,0 0 0,0 0 0,0 0 0,1 0 0,-1-1 0,0 1 0,0 0 0,0 0 0,1 0 0,-1 0 0,0 0 0,0 0 0,0 0 0,0 0 0,1 0 0,-1 0 0,0-1 0,0 1 0,0 0 0,0 0 0,0 0 0,0 0 0,1 0 0,-1-1 0,1-17 0,-6-22 0,-10-17 0,14 53 0,0 1 0,0-1 0,-1 1 0,1 0 0,-1-1 0,0 1 0,0 0 0,0 0 0,0 0 0,0 1 0,-1-1 0,1 0 0,-4-2 0,5 5 0,1 0 0,0 0 0,0 0 0,0 0 0,0 0 0,0 0 0,0 0 0,0 0 0,-1 0 0,1 0 0,0 0 0,0 0 0,0 0 0,0 0 0,0 0 0,0 0 0,-1 0 0,1 0 0,0 0 0,0 0 0,0 0 0,0 0 0,0 0 0,0 0 0,0 0 0,0 1 0,-1-1 0,1 0 0,0 0 0,0 0 0,0 0 0,0 0 0,0 0 0,0 0 0,0 0 0,0 0 0,0 1 0,0-1 0,0 0 0,0 0 0,0 0 0,0 0 0,0 0 0,0 0 0,0 1 0,0-1 0,0 0 0,0 0 0,0 0 0,0 0 0,0 0 0,0 0 0,0 0 0,0 1 0,0-1 0,0 0 0,2 14 0,5 12 0,9 13 0,42 68 0,-57-106 0,-1-6 0,-6-16 0,-11-26 0,2 16 0,-35-53 0,40 74 0,7 16 0,7 21 0,44 84 0,-16-43 0,-28-57-273,1 0 0,1-1 0,0 0 0,11 15 0,-8-14-6553</inkml:trace>
+</inkml:ink>
+</file>
+
+<file path=ppt/ink/ink26.xml><?xml version="1.0" encoding="utf-8"?>
+<inkml:ink xmlns:inkml="http://www.w3.org/2003/InkML">
+  <inkml:definitions>
+    <inkml:context xml:id="ctx0">
+      <inkml:inkSource xml:id="inkSrc0">
+        <inkml:traceFormat>
+          <inkml:channel name="X" type="integer" min="-2.14748E9" max="2.14748E9" units="cm"/>
+          <inkml:channel name="Y" type="integer" min="-2.14748E9" max="2.14748E9" units="cm"/>
+          <inkml:channel name="F" type="integer" max="32767" units="dev"/>
+        </inkml:traceFormat>
+        <inkml:channelProperties>
+          <inkml:channelProperty channel="X" name="resolution" value="1000" units="1/cm"/>
+          <inkml:channelProperty channel="Y" name="resolution" value="1000" units="1/cm"/>
+          <inkml:channelProperty channel="F" name="resolution" value="0" units="1/dev"/>
+        </inkml:channelProperties>
+      </inkml:inkSource>
+      <inkml:timestamp xml:id="ts0" timeString="2021-12-05T00:44:51.344"/>
+    </inkml:context>
+    <inkml:brush xml:id="br0">
+      <inkml:brushProperty name="width" value="0.05" units="cm"/>
+      <inkml:brushProperty name="height" value="0.05" units="cm"/>
+      <inkml:brushProperty name="color" value="#E71224"/>
+    </inkml:brush>
+  </inkml:definitions>
+  <inkml:trace contextRef="#ctx0" brushRef="#br0">28 36 24575,'-1'0'0,"-1"1"0,1-1 0,0 1 0,0-1 0,-1 1 0,1 0 0,0 0 0,0-1 0,0 1 0,0 0 0,0 0 0,0 0 0,0 0 0,1 0 0,-1 0 0,0 0 0,1 1 0,-1-1 0,0 0 0,1 0 0,-1 0 0,1 1 0,0-1 0,-1 0 0,1 1 0,0-1 0,0 2 0,-5 44 0,4-42 0,1 2 0,0 0 0,0 0 0,1 1 0,0-1 0,3 10 0,-4-14 0,1-1 0,0 0 0,0 1 0,0-1 0,0 0 0,0 0 0,0 1 0,0-1 0,1 0 0,-1 0 0,1 0 0,-1-1 0,1 1 0,0 0 0,0 0 0,0-1 0,0 0 0,0 1 0,4 1 0,-6-3 0,1 0 0,-1 0 0,1 0 0,0 0 0,-1 0 0,1 0 0,-1 0 0,1 0 0,-1 0 0,1 0 0,-1 0 0,1-1 0,-1 1 0,1 0 0,-1 0 0,1-1 0,-1 1 0,1 0 0,-1-1 0,1 1 0,-1 0 0,1-1 0,-1 1 0,0 0 0,1-1 0,7-4 0,2 15 0,-8-4 0,0 1 0,0-1 0,-1 0 0,1 1 0,-1 10 0,0-12 0,-1 0 0,1-1 0,-1 1 0,1 0 0,0 0 0,1-1 0,-1 1 0,1-1 0,0 1 0,5 7 0,-5-13 0,-6-8 0,-7-13 0,0 4 0,0 0 0,2-1 0,-8-21 0,29 50 0,-9-5 0,1-1 0,-1 0 0,1 0 0,0-1 0,1 1 0,-1-1 0,7 4 0,-11-7 0,0 0 0,1 0 0,-1 0 0,0 0 0,0 0 0,0 0 0,1 0 0,-1 0 0,0 0 0,0 0 0,1-1 0,-1 1 0,0 0 0,0 0 0,0 0 0,1 0 0,-1 0 0,0 0 0,0-1 0,0 1 0,0 0 0,1 0 0,-1 0 0,0 0 0,0-1 0,0 1 0,0 0 0,0 0 0,0 0 0,0-1 0,0 1 0,1 0 0,-1 0 0,0 0 0,0-1 0,0 1 0,0 0 0,0-1 0,-2-13 0,-6-12 0,-10-14 0,8 18 0,-14-43 0,9 20-1365,8 27-5461</inkml:trace>
+</inkml:ink>
+</file>
+
+<file path=ppt/ink/ink27.xml><?xml version="1.0" encoding="utf-8"?>
+<inkml:ink xmlns:inkml="http://www.w3.org/2003/InkML">
+  <inkml:definitions>
+    <inkml:context xml:id="ctx0">
+      <inkml:inkSource xml:id="inkSrc0">
+        <inkml:traceFormat>
+          <inkml:channel name="X" type="integer" min="-2.14748E9" max="2.14748E9" units="cm"/>
+          <inkml:channel name="Y" type="integer" min="-2.14748E9" max="2.14748E9" units="cm"/>
+          <inkml:channel name="F" type="integer" max="32767" units="dev"/>
+        </inkml:traceFormat>
+        <inkml:channelProperties>
+          <inkml:channelProperty channel="X" name="resolution" value="1000" units="1/cm"/>
+          <inkml:channelProperty channel="Y" name="resolution" value="1000" units="1/cm"/>
+          <inkml:channelProperty channel="F" name="resolution" value="0" units="1/dev"/>
+        </inkml:channelProperties>
+      </inkml:inkSource>
+      <inkml:timestamp xml:id="ts0" timeString="2021-12-05T01:05:46.816"/>
+    </inkml:context>
+    <inkml:brush xml:id="br0">
+      <inkml:brushProperty name="width" value="0.05" units="cm"/>
+      <inkml:brushProperty name="height" value="0.05" units="cm"/>
+      <inkml:brushProperty name="color" value="#E71224"/>
+    </inkml:brush>
+  </inkml:definitions>
+  <inkml:trace contextRef="#ctx0" brushRef="#br0">0 1 24575</inkml:trace>
+</inkml:ink>
+</file>
+
+<file path=ppt/ink/ink28.xml><?xml version="1.0" encoding="utf-8"?>
+<inkml:ink xmlns:inkml="http://www.w3.org/2003/InkML">
+  <inkml:definitions>
+    <inkml:context xml:id="ctx0">
+      <inkml:inkSource xml:id="inkSrc0">
+        <inkml:traceFormat>
+          <inkml:channel name="X" type="integer" min="-2.14748E9" max="2.14748E9" units="cm"/>
+          <inkml:channel name="Y" type="integer" min="-2.14748E9" max="2.14748E9" units="cm"/>
+          <inkml:channel name="F" type="integer" max="32767" units="dev"/>
+        </inkml:traceFormat>
+        <inkml:channelProperties>
+          <inkml:channelProperty channel="X" name="resolution" value="1000" units="1/cm"/>
+          <inkml:channelProperty channel="Y" name="resolution" value="1000" units="1/cm"/>
+          <inkml:channelProperty channel="F" name="resolution" value="0" units="1/dev"/>
+        </inkml:channelProperties>
+      </inkml:inkSource>
+      <inkml:timestamp xml:id="ts0" timeString="2021-12-26T00:49:49.537"/>
+    </inkml:context>
+    <inkml:brush xml:id="br0">
+      <inkml:brushProperty name="width" value="0.05" units="cm"/>
+      <inkml:brushProperty name="height" value="0.05" units="cm"/>
+      <inkml:brushProperty name="color" value="#E71224"/>
+    </inkml:brush>
+  </inkml:definitions>
+  <inkml:trace contextRef="#ctx0" brushRef="#br0">52 8 24575,'0'245'0,"3"-262"0,0 0 0,2 0 0,-1 0 0,2 0 0,0 1 0,11-20 0,-14 34 0,-1 9 0,0 17 0,-2-4 0,0-30 0,0-12 0,1-12 0,-2 32 0,0 18 0,-2 7 0,0-1 0,-1 0 0,-1 0 0,-9 24 0,14-45 0,0-1 0,0 1 0,0 0 0,0 0 0,-1-1 0,1 1 0,0 0 0,0-1 0,0 1 0,-1 0 0,1-1 0,0 1 0,-1 0 0,1-1 0,-1 1 0,1-1 0,-1 1 0,1-1 0,-1 1 0,1-1 0,-1 1 0,1-1 0,-1 1 0,0-1 0,1 0 0,-1 1 0,1-1 0,-1 0 0,0 0 0,0 1 0,1-1 0,-1 0 0,0 0 0,1 0 0,-1 0 0,0 0 0,0 0 0,-1-1 0,0-1 0,1 1 0,-1-1 0,1 1 0,-1-1 0,1 0 0,0 1 0,0-1 0,0 0 0,0 0 0,0 0 0,-1-2 0,-19-62 0,19 52 0,-7-26 0,6 33 0,1 22 0,5 191 0,-4-258 0,0 20 0,1 0 0,6-45 0,-1 62 0,-1 21 0,3 33 0,-3-19 0,-3-55 0,0 4 0,1 0 0,2 1 0,8-34 0,-6 154 0,-7 216 0,2-490 0,20 336 0,-18-254 0,-3 194 0,0-73 0,0-63 0,0-13 0,0 40 0,0 49 0,0-64-1365</inkml:trace>
+</inkml:ink>
+</file>
+
+<file path=ppt/ink/ink29.xml><?xml version="1.0" encoding="utf-8"?>
+<inkml:ink xmlns:inkml="http://www.w3.org/2003/InkML">
+  <inkml:definitions>
+    <inkml:context xml:id="ctx0">
+      <inkml:inkSource xml:id="inkSrc0">
+        <inkml:traceFormat>
+          <inkml:channel name="X" type="integer" min="-2.14748E9" max="2.14748E9" units="cm"/>
+          <inkml:channel name="Y" type="integer" min="-2.14748E9" max="2.14748E9" units="cm"/>
+          <inkml:channel name="F" type="integer" max="32767" units="dev"/>
+        </inkml:traceFormat>
+        <inkml:channelProperties>
+          <inkml:channelProperty channel="X" name="resolution" value="1000" units="1/cm"/>
+          <inkml:channelProperty channel="Y" name="resolution" value="1000" units="1/cm"/>
+          <inkml:channelProperty channel="F" name="resolution" value="0" units="1/dev"/>
+        </inkml:channelProperties>
+      </inkml:inkSource>
+      <inkml:timestamp xml:id="ts0" timeString="2021-12-26T00:50:33.282"/>
+    </inkml:context>
+    <inkml:brush xml:id="br0">
+      <inkml:brushProperty name="width" value="0.05" units="cm"/>
+      <inkml:brushProperty name="height" value="0.05" units="cm"/>
+      <inkml:brushProperty name="color" value="#E71224"/>
+    </inkml:brush>
+  </inkml:definitions>
+  <inkml:trace contextRef="#ctx0" brushRef="#br0">50 48 24575,'4'1'0,"0"-1"0,0 1 0,-1 0 0,1 0 0,-1 0 0,1 0 0,-1 1 0,1-1 0,-1 1 0,0 0 0,1 0 0,-1 0 0,0 1 0,-1-1 0,4 3 0,40 49 0,-29-32 0,54 54 0,-146-156 0,64 72 0,8 6 0,0-1 0,1 1 0,-1 0 0,1-1 0,-1 1 0,1-1 0,0 0 0,0 1 0,-3-7 0,43 26 0,-18-6 0,-2 1 0,1 1 0,28 26 0,-93-73 0,31 25 0,1-1 0,0 0 0,1-1 0,0-1 0,-18-19 0,31 31 0,0 0 0,0 0 0,0 0 0,0 0 0,0-1 0,0 1 0,0 0 0,-1 0 0,1 0 0,0 0 0,0 0 0,0 0 0,0 0 0,0 0 0,0 0 0,0-1 0,0 1 0,0 0 0,0 0 0,0 0 0,0 0 0,0 0 0,0 0 0,0-1 0,0 1 0,0 0 0,0 0 0,0 0 0,0 0 0,0 0 0,0 0 0,0-1 0,0 1 0,0 0 0,0 0 0,0 0 0,0 0 0,0 0 0,0 0 0,0 0 0,0-1 0,0 1 0,0 0 0,0 0 0,0 0 0,1 0 0,-1 0 0,0 0 0,0 0 0,0 0 0,0 0 0,0 0 0,0-1 0,0 1 0,1 0 0,-1 0 0,0 0 0,0 0 0,0 0 0,0 0 0,0 0 0,0 0 0,1 0 0,-1 0 0,14 3 0,14 10 0,73 61 0,-129-104 0,-33-47 0,14 18 0,98 106 0,83 82 0,-224-176 0,22 3 0,36 23 0,-71-35 0,79 50 0,24 6 0,0 1 0,0-1 0,-1 1 0,1-1 0,0 0 0,0 1 0,0-1 0,0 1 0,0-1 0,0 1 0,0-1 0,0 0 0,0 1 0,0-1 0,1 1 0,-1-1 0,0 1 0,0-1 0,0 0 0,0 1 0,1-1 0,-1 1 0,0-1 0,0 0 0,1 1 0,-1-1 0,0 0 0,1 1 0,-1-1 0,1 0 0,39 42 0,-32-35 0,20 23 0,4 3 0,1-1 0,57 43 0,-87-75 0,-6-7 0,-15-22 0,-27-34 0,27 41 0,-5-7 0,23 29 0,0 0 0,0 0 0,0 0 0,0 0 0,0 0 0,0 0 0,0 0 0,0 0 0,0 0 0,0 0 0,0 0 0,0 0 0,0 0 0,0-1 0,0 1 0,16 17 0,-10-11-112,1 1-139,0 1 1,0 0-1,-1 1 1,7 10-1,-5-2-6575</inkml:trace>
+</inkml:ink>
+</file>
+
 <file path=ppt/ink/ink3.xml><?xml version="1.0" encoding="utf-8"?>
 <inkml:ink xmlns:inkml="http://www.w3.org/2003/InkML">
   <inkml:definitions>
@@ -191,6 +757,286 @@
 </inkml:ink>
 </file>
 
+<file path=ppt/ink/ink30.xml><?xml version="1.0" encoding="utf-8"?>
+<inkml:ink xmlns:inkml="http://www.w3.org/2003/InkML">
+  <inkml:definitions>
+    <inkml:context xml:id="ctx0">
+      <inkml:inkSource xml:id="inkSrc0">
+        <inkml:traceFormat>
+          <inkml:channel name="X" type="integer" min="-2.14748E9" max="2.14748E9" units="cm"/>
+          <inkml:channel name="Y" type="integer" min="-2.14748E9" max="2.14748E9" units="cm"/>
+          <inkml:channel name="F" type="integer" max="32767" units="dev"/>
+        </inkml:traceFormat>
+        <inkml:channelProperties>
+          <inkml:channelProperty channel="X" name="resolution" value="1000" units="1/cm"/>
+          <inkml:channelProperty channel="Y" name="resolution" value="1000" units="1/cm"/>
+          <inkml:channelProperty channel="F" name="resolution" value="0" units="1/dev"/>
+        </inkml:channelProperties>
+      </inkml:inkSource>
+      <inkml:timestamp xml:id="ts0" timeString="2021-12-26T00:50:43.819"/>
+    </inkml:context>
+    <inkml:brush xml:id="br0">
+      <inkml:brushProperty name="width" value="0.05" units="cm"/>
+      <inkml:brushProperty name="height" value="0.05" units="cm"/>
+      <inkml:brushProperty name="color" value="#E71224"/>
+    </inkml:brush>
+  </inkml:definitions>
+  <inkml:trace contextRef="#ctx0" brushRef="#br0">1 22 24575,'52'-19'0,"-43"18"0,0 0 0,0 1 0,0 0 0,0 1 0,0 0 0,0 0 0,0 1 0,0 0 0,16 6 0,8 6 0,38 21 0,-30-14 0,-33-16 0,1 1 0,-1 0 0,0 1 0,0 0 0,0 0 0,-1 1 0,-1 0 0,1 0 0,-1 0 0,0 1 0,5 12 0,-3-8 0,-1-1 0,2 0 0,0 0 0,0-1 0,13 12 0,-16-18 0,0 0 0,-1 0 0,0 1 0,0 0 0,0 0 0,-1 0 0,0 1 0,0-1 0,0 1 0,3 11 0,-6-15 0,0 0 0,0-1 0,-1 1 0,0 0 0,1 0 0,-1 0 0,0-1 0,0 1 0,-1 0 0,1 0 0,0 0 0,-1-1 0,0 1 0,0 0 0,0-1 0,0 1 0,0 0 0,0-1 0,-1 1 0,1-1 0,-1 0 0,0 0 0,1 1 0,-1-1 0,0 0 0,0 0 0,-1-1 0,1 1 0,0 0 0,0-1 0,-4 2 0,-2 1 0,1 0 0,0-1 0,-1 0 0,0 0 0,0-1 0,0 0 0,0-1 0,0 0 0,0 0 0,0 0 0,0-1 0,0 0 0,0-1 0,-14-2 0,18 2 0,0 0 0,1 0 0,-1 0 0,0 0 0,1-1 0,-1 0 0,1 1 0,0-1 0,-1 0 0,1-1 0,0 1 0,0-1 0,0 1 0,1-1 0,-1 0 0,1 0 0,-1 0 0,1 0 0,0-1 0,0 1 0,0 0 0,1-1 0,-1 0 0,1 1 0,0-1 0,0 0 0,0 1 0,1-1 0,-1 0 0,1 0 0,0 0 0,0-5 0,0 7 0,1 0 0,-1-1 0,1 1 0,-1 0 0,1 0 0,0-1 0,0 1 0,0 0 0,0 0 0,0 0 0,0 0 0,1 0 0,-1 0 0,1 1 0,-1-1 0,1 0 0,0 1 0,-1-1 0,1 1 0,0 0 0,0-1 0,0 1 0,0 0 0,0 0 0,1 0 0,-1 1 0,0-1 0,5-1 0,6 0 0,1-1 0,0 2 0,23-1 0,-25 2 0,39-2 0,1 3 0,-1 2 0,67 13 0,-91-5 0,-27-11 0,0 0 0,0 0 0,0 1 0,1-1 0,-1 0 0,0 1 0,0-1 0,0 0 0,0 0 0,0 1 0,0-1 0,0 0 0,0 1 0,0-1 0,0 0 0,0 1 0,0-1 0,0 0 0,0 1 0,0-1 0,0 0 0,0 1 0,0-1 0,-1 0 0,1 1 0,0-1 0,0 0 0,0 0 0,0 1 0,-1-1 0,1 0 0,0 0 0,0 1 0,-1-1 0,1 0 0,0 0 0,0 0 0,-1 1 0,1-1 0,-1 0 0,-4 3 0,0 0 0,-1-1 0,0 1 0,1-1 0,-1-1 0,-11 3 0,-19 2 0,-1-1 0,0-1 0,0-3 0,0 0 0,0-3 0,-65-11 0,71 3 0,25 2 0,19 1 0,29 1 0,0 2 0,0 2 0,59 4 0,-35-1 0,-45-1 0,-44-3 0,-469-40 0,437 36-1365,15 1-5461</inkml:trace>
+</inkml:ink>
+</file>
+
+<file path=ppt/ink/ink31.xml><?xml version="1.0" encoding="utf-8"?>
+<inkml:ink xmlns:inkml="http://www.w3.org/2003/InkML">
+  <inkml:definitions>
+    <inkml:context xml:id="ctx0">
+      <inkml:inkSource xml:id="inkSrc0">
+        <inkml:traceFormat>
+          <inkml:channel name="X" type="integer" min="-2.14748E9" max="2.14748E9" units="cm"/>
+          <inkml:channel name="Y" type="integer" min="-2.14748E9" max="2.14748E9" units="cm"/>
+          <inkml:channel name="F" type="integer" max="32767" units="dev"/>
+        </inkml:traceFormat>
+        <inkml:channelProperties>
+          <inkml:channelProperty channel="X" name="resolution" value="1000" units="1/cm"/>
+          <inkml:channelProperty channel="Y" name="resolution" value="1000" units="1/cm"/>
+          <inkml:channelProperty channel="F" name="resolution" value="0" units="1/dev"/>
+        </inkml:channelProperties>
+      </inkml:inkSource>
+      <inkml:timestamp xml:id="ts0" timeString="2021-12-26T00:50:46.100"/>
+    </inkml:context>
+    <inkml:brush xml:id="br0">
+      <inkml:brushProperty name="width" value="0.05" units="cm"/>
+      <inkml:brushProperty name="height" value="0.05" units="cm"/>
+      <inkml:brushProperty name="color" value="#E71224"/>
+    </inkml:brush>
+  </inkml:definitions>
+  <inkml:trace contextRef="#ctx0" brushRef="#br0">1250 148 24575,'-1'0'0,"1"-1"0,0 0 0,0 0 0,-1 0 0,1 1 0,-1-1 0,1 0 0,0 0 0,-1 1 0,1-1 0,-1 0 0,0 1 0,1-1 0,-1 0 0,0 1 0,1-1 0,-1 1 0,0-1 0,1 1 0,-1 0 0,0-1 0,0 1 0,0 0 0,-1-1 0,-25-6 0,20 5 0,-69-14 0,0 3 0,-101-4 0,-160 12 0,296 5 0,-146-12 0,29 0 0,119 12 0,19 0 0,-1 0 0,-33-6 0,40 0 0,27 0 0,26 0 0,293 5 0,12 0 0,-296-6 0,-38 4 0,1 1 0,0 1 0,0 0 0,15 1 0,-90 23 0,-74 13 0,138-36 0,0 0 0,0 0 0,0 0 0,0 0 0,0 0 0,0 0 0,0 0 0,0 0 0,0 0 0,0 1 0,0-1 0,0 0 0,0 0 0,0 0 0,0 0 0,0 0 0,0 0 0,0 0 0,0 0 0,0 0 0,0 0 0,0 0 0,0 0 0,0 1 0,0-1 0,0 0 0,0 0 0,0 0 0,0 0 0,0 0 0,0 0 0,-1 0 0,1 0 0,18 1 0,31-1 0,317-34 0,53-3 0,-527 53 0,-352-4 0,128-6 0,-7 8 0,566-1 0,-144-5 0,320 20 0,-386-27 0,-11-1 0,0 1 0,0-1 0,0 1 0,-1 0 0,1 0 0,0 0 0,-1 1 0,7 3 0,-12-5 0,1 0-1,-1 0 0,0 0 0,0 0 1,0 0-1,0 0 0,0 1 0,0-1 1,0 0-1,0 0 0,1 0 0,-1 0 1,0 0-1,0 0 0,0 1 1,0-1-1,0 0 0,0 0 0,0 0 1,0 0-1,0 1 0,0-1 0,0 0 1,0 0-1,0 0 0,0 0 0,0 0 1,0 1-1,0-1 0,0 0 0,0 0 1,0 0-1,0 0 0,0 0 1,-1 1-1,1-1 0,0 0 0,0 0 1,0 0-1,0 0 0,0 0 0,0 0 1,0 0-1,-1 1 0,1-1 0,0 0 1,0 0-1,0 0 0,0 0 1,0 0-1,0 0 0,-1 0 0,1 0 1,0 0-1,0 0 0,0 0 0,0 0 1,0 0-1,-1 0 0,1 0 0,0 0 1,0 0-1,0 0 0,0 0 1,-1 0-1,-10 3-1316,-10 0-5509</inkml:trace>
+</inkml:ink>
+</file>
+
+<file path=ppt/ink/ink32.xml><?xml version="1.0" encoding="utf-8"?>
+<inkml:ink xmlns:inkml="http://www.w3.org/2003/InkML">
+  <inkml:definitions>
+    <inkml:context xml:id="ctx0">
+      <inkml:inkSource xml:id="inkSrc0">
+        <inkml:traceFormat>
+          <inkml:channel name="X" type="integer" min="-2.14748E9" max="2.14748E9" units="cm"/>
+          <inkml:channel name="Y" type="integer" min="-2.14748E9" max="2.14748E9" units="cm"/>
+          <inkml:channel name="F" type="integer" max="32767" units="dev"/>
+        </inkml:traceFormat>
+        <inkml:channelProperties>
+          <inkml:channelProperty channel="X" name="resolution" value="1000" units="1/cm"/>
+          <inkml:channelProperty channel="Y" name="resolution" value="1000" units="1/cm"/>
+          <inkml:channelProperty channel="F" name="resolution" value="0" units="1/dev"/>
+        </inkml:channelProperties>
+      </inkml:inkSource>
+      <inkml:timestamp xml:id="ts0" timeString="2021-12-26T00:51:15.118"/>
+    </inkml:context>
+    <inkml:brush xml:id="br0">
+      <inkml:brushProperty name="width" value="0.05" units="cm"/>
+      <inkml:brushProperty name="height" value="0.05" units="cm"/>
+      <inkml:brushProperty name="color" value="#E71224"/>
+    </inkml:brush>
+  </inkml:definitions>
+  <inkml:trace contextRef="#ctx0" brushRef="#br0">10 28 24575,'1'0'0,"0"1"0,0-1 0,0 1 0,0-1 0,0 1 0,0-1 0,0 1 0,-1-1 0,1 1 0,0 0 0,0-1 0,0 1 0,-1 0 0,1 0 0,0 0 0,-1 0 0,1-1 0,-1 1 0,1 0 0,-1 0 0,1 0 0,-1 0 0,0 0 0,1 0 0,-1 2 0,8 34 0,-5-23 0,14 44 0,-6-20 0,8 45 0,-16-72 0,0-1 0,0 1 0,1 0 0,7 14 0,-6-16 0,-1 0 0,-1 0 0,1 0 0,-1 0 0,-1 1 0,3 16 0,9 48 0,-51-165 0,-3-44 0,-11-36 0,51 169 0,0 1 0,0 0 0,-1 0 0,1 0 0,0-1 0,-1 1 0,1 0 0,-1 0 0,1 0 0,-1 0 0,1 0 0,-1 0 0,0 0 0,0 0 0,1 0 0,-1 0 0,0 0 0,0 0 0,0 0 0,0 1 0,-2-2 0,-3 23 0,6 47 0,9 122 0,-10-250 0,-1 21 0,3 1 0,5-51 0,-6 89 0,0-1 0,0 1 0,0-1 0,0 1 0,0-1 0,0 1 0,0-1 0,0 1 0,0-1 0,0 1 0,0-1 0,0 1 0,0-1 0,1 1 0,-1 0 0,0-1 0,0 1 0,0-1 0,1 1 0,-1-1 0,0 1 0,1 0 0,-1-1 0,0 1 0,1 0 0,-1-1 0,0 1 0,1 0 0,-1-1 0,1 1 0,-1 0 0,0 0 0,1 0 0,-1-1 0,1 1 0,-1 0 0,1 0 0,0 0 0,12 16 0,8 36 0,56 232 0,-86-400 0,5 88 0,-51-265 0,43 259 0,12 34 0,0 0 0,0 0 0,0 1 0,0-1 0,0 0 0,0 0 0,0 0 0,0 1 0,0-1 0,-1 0 0,1 0 0,0 0 0,0 0 0,0 1 0,0-1 0,0 0 0,0 0 0,0 0 0,-1 0 0,1 0 0,0 0 0,0 1 0,0-1 0,0 0 0,-1 0 0,1 0 0,0 0 0,0 0 0,0 0 0,-1 0 0,1 0 0,0 0 0,0 0 0,0 0 0,0 0 0,-1 0 0,1 0 0,0 0 0,0 0 0,0 0 0,-1 0 0,1 0 0,0 0 0,0 0 0,0 0 0,-1 0 0,1 0 0,0 0 0,0-1 0,0 1 0,0 0 0,0 0 0,-1 0 0,1 0 0,0 0 0,0-1 0,0 1 0,0 0 0,0 0 0,0 0 0,0 0 0,-1-1 0,1 1 0,-3 21 0,2-1 0,-1 1 0,2 0 0,1-1 0,6 39 0,-2-19 0,50 327 0,-56-473 0,-11 21 0,-35-139 0,39 205 0,4 29 0,6 35 0,18 33 0,-20-77 0,0-1 0,0 1 0,0 0 0,0-1 0,0 1 0,1 0 0,-1 0 0,0-1 0,1 1 0,-1-1 0,0 1 0,1 0 0,-1-1 0,0 1 0,1-1 0,-1 1 0,1 0 0,-1-1 0,1 0 0,0 1 0,-1-1 0,1 1 0,-1-1 0,1 0 0,0 1 0,0-1 0,5-16 0,-5-29 0,2 18 0,-3 27 0,0 0 0,1 0 0,-1 0 0,0 0 0,1 0 0,-1 0 0,1 0 0,-1 0 0,0 0 0,1 0 0,-1 0 0,0 0 0,1 0 0,-1 0 0,0 0 0,1 0 0,-1 1 0,0-1 0,0 0 0,1 0 0,-1 0 0,0 1 0,1-1 0,-1 0 0,0 0 0,0 1 0,0-1 0,1 0 0,-1 1 0,0-1 0,0 0 0,0 1 0,0-1 0,0 0 0,1 1 0,-1-1 0,25 53 0,-20-41 0,4 23 0,-7-29 0,-6-24 0,-3-25 0,5 25 0,0 1 0,-2 0 0,0 0 0,-1 0 0,0 0 0,-11-21 0,21 93 0,67 249 0,-74-351 0,-73-308 0,64 310 0,5 32 0,6 33 0,6 47 0,-3-15 0,2 0 0,3-1 0,23 84 0,-48-242 0,-15-26 0,37 183 0,-5-31 0,1 0 0,1 0 0,0 0 0,2 0 0,0-1 0,11 28 0,-30-141 0,7 38-52,6 35-211,-1 1 1,-1 0-1,-1 0 1,-13-37-1,5 34-6563</inkml:trace>
+</inkml:ink>
+</file>
+
+<file path=ppt/ink/ink33.xml><?xml version="1.0" encoding="utf-8"?>
+<inkml:ink xmlns:inkml="http://www.w3.org/2003/InkML">
+  <inkml:definitions>
+    <inkml:context xml:id="ctx0">
+      <inkml:inkSource xml:id="inkSrc0">
+        <inkml:traceFormat>
+          <inkml:channel name="X" type="integer" min="-2.14748E9" max="2.14748E9" units="cm"/>
+          <inkml:channel name="Y" type="integer" min="-2.14748E9" max="2.14748E9" units="cm"/>
+          <inkml:channel name="F" type="integer" max="32767" units="dev"/>
+        </inkml:traceFormat>
+        <inkml:channelProperties>
+          <inkml:channelProperty channel="X" name="resolution" value="1000" units="1/cm"/>
+          <inkml:channelProperty channel="Y" name="resolution" value="1000" units="1/cm"/>
+          <inkml:channelProperty channel="F" name="resolution" value="0" units="1/dev"/>
+        </inkml:channelProperties>
+      </inkml:inkSource>
+      <inkml:timestamp xml:id="ts0" timeString="2021-12-26T00:54:31.922"/>
+    </inkml:context>
+    <inkml:brush xml:id="br0">
+      <inkml:brushProperty name="width" value="0.05" units="cm"/>
+      <inkml:brushProperty name="height" value="0.05" units="cm"/>
+      <inkml:brushProperty name="color" value="#E71224"/>
+    </inkml:brush>
+  </inkml:definitions>
+  <inkml:trace contextRef="#ctx0" brushRef="#br0">0 1 24575,'4'4'0,"6"10"0,6 24 0,8 22 0,4 14 0,2-1 0,-4 7 0,-3-1 0,0 4 0,-1-10 0,1 1 0,-4-3 0,-1-11 0,5-2 0,-1-7 0,-4-12-8191</inkml:trace>
+</inkml:ink>
+</file>
+
+<file path=ppt/ink/ink34.xml><?xml version="1.0" encoding="utf-8"?>
+<inkml:ink xmlns:inkml="http://www.w3.org/2003/InkML">
+  <inkml:definitions>
+    <inkml:context xml:id="ctx0">
+      <inkml:inkSource xml:id="inkSrc0">
+        <inkml:traceFormat>
+          <inkml:channel name="X" type="integer" min="-2.14748E9" max="2.14748E9" units="cm"/>
+          <inkml:channel name="Y" type="integer" min="-2.14748E9" max="2.14748E9" units="cm"/>
+          <inkml:channel name="F" type="integer" max="32767" units="dev"/>
+        </inkml:traceFormat>
+        <inkml:channelProperties>
+          <inkml:channelProperty channel="X" name="resolution" value="1000" units="1/cm"/>
+          <inkml:channelProperty channel="Y" name="resolution" value="1000" units="1/cm"/>
+          <inkml:channelProperty channel="F" name="resolution" value="0" units="1/dev"/>
+        </inkml:channelProperties>
+      </inkml:inkSource>
+      <inkml:timestamp xml:id="ts0" timeString="2021-12-26T00:54:32.631"/>
+    </inkml:context>
+    <inkml:brush xml:id="br0">
+      <inkml:brushProperty name="width" value="0.05" units="cm"/>
+      <inkml:brushProperty name="height" value="0.05" units="cm"/>
+      <inkml:brushProperty name="color" value="#E71224"/>
+    </inkml:brush>
+  </inkml:definitions>
+  <inkml:trace contextRef="#ctx0" brushRef="#br0">1 245 24575,'-1'-7'0,"1"-1"0,1 1 0,-1-1 0,1 1 0,0-1 0,1 1 0,0 0 0,0-1 0,1 1 0,0 0 0,0 0 0,0 1 0,1-1 0,0 1 0,1 0 0,-1 0 0,1 0 0,0 0 0,0 1 0,1 0 0,0 0 0,0 0 0,0 1 0,0 0 0,1 0 0,0 1 0,9-4 0,24-9 0,2 3 0,0 1 0,1 3 0,0 1 0,0 2 0,58-1 0,-82 6 0,0 1 0,1 1 0,-1 1 0,0 0 0,-1 1 0,1 1 0,0 1 0,18 8 0,-29-9 0,0-1 0,0 1 0,-1 1 0,0-1 0,0 1 0,0 0 0,-1 1 0,1 0 0,-1 0 0,-1 0 0,1 1 0,-1 0 0,0 0 0,0 0 0,-1 0 0,0 1 0,-1 0 0,0 0 0,0 0 0,2 9 0,-2-1 0,-1-1 0,0 1 0,-1-1 0,-1 1 0,-1 0 0,0 0 0,-1-1 0,-1 1 0,0-1 0,-1 0 0,-1 0 0,0 0 0,-1 0 0,0-1 0,-2 0 0,-13 20 0,2-6 0,-1-2 0,-1 0 0,-2-1 0,0-1 0,-1-2 0,-50 36 0,62-50-46,-1-1 0,0 0-1,0-1 1,0-1 0,-15 4 0,6-2-1042,6 0-5738</inkml:trace>
+</inkml:ink>
+</file>
+
+<file path=ppt/ink/ink35.xml><?xml version="1.0" encoding="utf-8"?>
+<inkml:ink xmlns:inkml="http://www.w3.org/2003/InkML">
+  <inkml:definitions>
+    <inkml:context xml:id="ctx0">
+      <inkml:inkSource xml:id="inkSrc0">
+        <inkml:traceFormat>
+          <inkml:channel name="X" type="integer" min="-2.14748E9" max="2.14748E9" units="cm"/>
+          <inkml:channel name="Y" type="integer" min="-2.14748E9" max="2.14748E9" units="cm"/>
+          <inkml:channel name="F" type="integer" max="32767" units="dev"/>
+        </inkml:traceFormat>
+        <inkml:channelProperties>
+          <inkml:channelProperty channel="X" name="resolution" value="1000" units="1/cm"/>
+          <inkml:channelProperty channel="Y" name="resolution" value="1000" units="1/cm"/>
+          <inkml:channelProperty channel="F" name="resolution" value="0" units="1/dev"/>
+        </inkml:channelProperties>
+      </inkml:inkSource>
+      <inkml:timestamp xml:id="ts0" timeString="2021-12-26T00:54:33.329"/>
+    </inkml:context>
+    <inkml:brush xml:id="br0">
+      <inkml:brushProperty name="width" value="0.05" units="cm"/>
+      <inkml:brushProperty name="height" value="0.05" units="cm"/>
+      <inkml:brushProperty name="color" value="#E71224"/>
+    </inkml:brush>
+  </inkml:definitions>
+  <inkml:trace contextRef="#ctx0" brushRef="#br0">216 1 24575,'-16'0'0,"0"0"0,-1 1 0,1 1 0,-24 5 0,34-5 0,1 0 0,0 0 0,-1 0 0,1 1 0,0 0 0,0 0 0,1 0 0,-1 0 0,1 1 0,-1 0 0,1 0 0,0 0 0,1 0 0,-1 1 0,1 0 0,-4 6 0,1-1 0,2 1 0,0-1 0,0 1 0,1 0 0,0 0 0,1 0 0,0 0 0,0 0 0,2 0 0,-1 1 0,1-1 0,1 0 0,0 1 0,1-1 0,5 18 0,-6-23 0,1-1 0,0 1 0,0-1 0,0 0 0,1 0 0,-1 0 0,1 0 0,1 0 0,-1 0 0,1-1 0,-1 0 0,1 0 0,0 0 0,1 0 0,-1-1 0,1 1 0,0-1 0,0 0 0,0 0 0,0-1 0,0 0 0,0 0 0,1 0 0,-1 0 0,1-1 0,-1 0 0,1 0 0,0-1 0,-1 1 0,1-1 0,0 0 0,8-2 0,-8 1 0,0-1 0,0 0 0,0 0 0,0-1 0,0 1 0,-1-1 0,1-1 0,-1 1 0,0-1 0,0 0 0,0 0 0,0 0 0,0-1 0,-1 1 0,0-1 0,0-1 0,-1 1 0,1 0 0,3-8 0,2-5 0,-1 0 0,0 0 0,-1-1 0,9-37 0,-4-56 0,-5 126 0,2 15 0,17 113 0,-26-141 0,0 0 0,0 0 0,0 0 0,1 0 0,-1 0 0,0 0 0,1 0 0,-1 0 0,0 0 0,1 0 0,-1 0 0,1-1 0,0 1 0,-1 0 0,1 0 0,0 0 0,-1-1 0,1 1 0,0 0 0,0-1 0,1 1 0,-2-1 0,1 0 0,0 0 0,0 0 0,-1 0 0,1 0 0,0 0 0,0 0 0,-1-1 0,1 1 0,0 0 0,-1 0 0,1-1 0,0 1 0,-1-1 0,1 1 0,0 0 0,-1-1 0,1 0 0,-1 1 0,1-1 0,0 0 0,29-45 0,-23 33 0,1 3-112,0 1 0,1 0 0,0 0-1,0 1 1,1 0 0,0 1 0,22-13 0,-24 15-356,50-30-6358</inkml:trace>
+</inkml:ink>
+</file>
+
+<file path=ppt/ink/ink36.xml><?xml version="1.0" encoding="utf-8"?>
+<inkml:ink xmlns:inkml="http://www.w3.org/2003/InkML">
+  <inkml:definitions>
+    <inkml:context xml:id="ctx0">
+      <inkml:inkSource xml:id="inkSrc0">
+        <inkml:traceFormat>
+          <inkml:channel name="X" type="integer" min="-2.14748E9" max="2.14748E9" units="cm"/>
+          <inkml:channel name="Y" type="integer" min="-2.14748E9" max="2.14748E9" units="cm"/>
+          <inkml:channel name="F" type="integer" max="32767" units="dev"/>
+        </inkml:traceFormat>
+        <inkml:channelProperties>
+          <inkml:channelProperty channel="X" name="resolution" value="1000" units="1/cm"/>
+          <inkml:channelProperty channel="Y" name="resolution" value="1000" units="1/cm"/>
+          <inkml:channelProperty channel="F" name="resolution" value="0" units="1/dev"/>
+        </inkml:channelProperties>
+      </inkml:inkSource>
+      <inkml:timestamp xml:id="ts0" timeString="2021-12-26T00:54:33.681"/>
+    </inkml:context>
+    <inkml:brush xml:id="br0">
+      <inkml:brushProperty name="width" value="0.05" units="cm"/>
+      <inkml:brushProperty name="height" value="0.05" units="cm"/>
+      <inkml:brushProperty name="color" value="#E71224"/>
+    </inkml:brush>
+  </inkml:definitions>
+  <inkml:trace contextRef="#ctx0" brushRef="#br0">0 0 24575,'0'9'0,"0"6"0,0 18 0,0 12 0,0 7 0,0 3 0,0 17 0,0 5 0,9 15 0,6 0 0,6-6 0,3-15 0,1-10 0,6-8 0,-3-8 0,3-11 0,-5-17 0,-6-10-8191</inkml:trace>
+</inkml:ink>
+</file>
+
+<file path=ppt/ink/ink37.xml><?xml version="1.0" encoding="utf-8"?>
+<inkml:ink xmlns:inkml="http://www.w3.org/2003/InkML">
+  <inkml:definitions>
+    <inkml:context xml:id="ctx0">
+      <inkml:inkSource xml:id="inkSrc0">
+        <inkml:traceFormat>
+          <inkml:channel name="X" type="integer" min="-2.14748E9" max="2.14748E9" units="cm"/>
+          <inkml:channel name="Y" type="integer" min="-2.14748E9" max="2.14748E9" units="cm"/>
+          <inkml:channel name="F" type="integer" max="32767" units="dev"/>
+        </inkml:traceFormat>
+        <inkml:channelProperties>
+          <inkml:channelProperty channel="X" name="resolution" value="1000" units="1/cm"/>
+          <inkml:channelProperty channel="Y" name="resolution" value="1000" units="1/cm"/>
+          <inkml:channelProperty channel="F" name="resolution" value="0" units="1/dev"/>
+        </inkml:channelProperties>
+      </inkml:inkSource>
+      <inkml:timestamp xml:id="ts0" timeString="2021-12-26T00:54:34.163"/>
+    </inkml:context>
+    <inkml:brush xml:id="br0">
+      <inkml:brushProperty name="width" value="0.05" units="cm"/>
+      <inkml:brushProperty name="height" value="0.05" units="cm"/>
+      <inkml:brushProperty name="color" value="#E71224"/>
+    </inkml:brush>
+  </inkml:definitions>
+  <inkml:trace contextRef="#ctx0" brushRef="#br0">1 221 24575,'13'-4'0,"20"-10"0,19-7 0,7 0 0,16-4 0,8-3 0,10-1 0,-1 5 0,-13 7 0,-15 5 0,-19 2 0,-20 1 0,-16 3-8191</inkml:trace>
+</inkml:ink>
+</file>
+
+<file path=ppt/ink/ink38.xml><?xml version="1.0" encoding="utf-8"?>
+<inkml:ink xmlns:inkml="http://www.w3.org/2003/InkML">
+  <inkml:definitions>
+    <inkml:context xml:id="ctx0">
+      <inkml:inkSource xml:id="inkSrc0">
+        <inkml:traceFormat>
+          <inkml:channel name="X" type="integer" min="-2.14748E9" max="2.14748E9" units="cm"/>
+          <inkml:channel name="Y" type="integer" min="-2.14748E9" max="2.14748E9" units="cm"/>
+          <inkml:channel name="F" type="integer" max="32767" units="dev"/>
+        </inkml:traceFormat>
+        <inkml:channelProperties>
+          <inkml:channelProperty channel="X" name="resolution" value="1000" units="1/cm"/>
+          <inkml:channelProperty channel="Y" name="resolution" value="1000" units="1/cm"/>
+          <inkml:channelProperty channel="F" name="resolution" value="0" units="1/dev"/>
+        </inkml:channelProperties>
+      </inkml:inkSource>
+      <inkml:timestamp xml:id="ts0" timeString="2021-12-26T00:54:34.996"/>
+    </inkml:context>
+    <inkml:brush xml:id="br0">
+      <inkml:brushProperty name="width" value="0.05" units="cm"/>
+      <inkml:brushProperty name="height" value="0.05" units="cm"/>
+      <inkml:brushProperty name="color" value="#E71224"/>
+    </inkml:brush>
+  </inkml:definitions>
+  <inkml:trace contextRef="#ctx0" brushRef="#br0">128 130 24575,'1'0'0,"0"0"0,0-1 0,0 1 0,0-1 0,0 1 0,0-1 0,0 0 0,0 1 0,0-1 0,0 0 0,0 0 0,0 0 0,0 0 0,-1 1 0,1-1 0,0 0 0,-1 0 0,1-1 0,-1 1 0,1 0 0,-1 0 0,1 0 0,-1 0 0,0 0 0,0 0 0,0-1 0,1-1 0,3-38 0,-3 37 0,-1 0 0,0 0 0,0 0 0,0 0 0,-1 0 0,1 0 0,-1 0 0,0 0 0,0 0 0,0 1 0,-4-7 0,5 9 0,0 0 0,-1 1 0,1-1 0,-1 1 0,1-1 0,-1 0 0,1 1 0,-1-1 0,1 1 0,-1-1 0,0 1 0,1 0 0,-1-1 0,0 1 0,1-1 0,-1 1 0,0 0 0,0 0 0,1 0 0,-1-1 0,0 1 0,-1 0 0,0 0 0,1 1 0,-1-1 0,1 1 0,-1-1 0,1 1 0,-1 0 0,1-1 0,-1 1 0,1 0 0,0 0 0,-1 0 0,1 0 0,0 0 0,0 0 0,-2 2 0,-7 9 0,0 1 0,1 0 0,1 0 0,0 1 0,0 0 0,2 0 0,0 1 0,0 0 0,-6 27 0,5-10 0,2 1 0,1 0 0,-1 54 0,5-82 0,1 0 0,-1-1 0,0 1 0,1-1 0,0 1 0,0-1 0,0 1 0,1-1 0,0 0 0,0 0 0,0 0 0,0 0 0,0 0 0,1 0 0,4 5 0,-5-7 0,0-1 0,-1 0 0,1 0 0,0 0 0,0 0 0,0 0 0,0 0 0,0 0 0,0-1 0,0 1 0,0-1 0,0 0 0,0 1 0,0-1 0,0 0 0,1 0 0,-1 0 0,0-1 0,0 1 0,0 0 0,0-1 0,0 1 0,0-1 0,0 0 0,0 0 0,0 0 0,0 0 0,-1 0 0,1 0 0,0 0 0,0 0 0,-1-1 0,1 1 0,-1-1 0,2-2 0,3-1 0,-1 0 0,0-1 0,0 0 0,-1 0 0,0 0 0,0-1 0,-1 1 0,1-1 0,-1 0 0,-1 0 0,1 0 0,-1 0 0,2-13 0,-1-6 0,-1 0 0,-2-42 0,0-6 0,4 69 0,2 17 0,5 19 0,-3 0 0,0 5 0,2-1 0,18 38 0,-23-62 0,0 0 0,1-1 0,0 0 0,1 0 0,0 0 0,1-1 0,0 0 0,1-1 0,-1 1 0,17 10 0,-11-9 0,0-2 0,0 1 0,1-2 0,0 0 0,0-1 0,1 0 0,0-2 0,0 1 0,0-2 0,0 0 0,1-1 0,23 0 0,-37-3 5,-1 1-1,1-1 1,-1 1 0,1-1-1,-1 0 1,0 0-1,1 0 1,-1 0 0,0 0-1,0 0 1,0-1 0,0 1-1,0-1 1,0 0-1,0 1 1,0-1 0,0 0-1,-1 0 1,1 0-1,-1 0 1,0 0 0,1-1-1,-1 1 1,0 0-1,1-5 1,1-2-253,-1-1 1,-1 1-1,1-1 1,-1 1-1,-1-14 1,-1-6-6579</inkml:trace>
+</inkml:ink>
+</file>
+
+<file path=ppt/ink/ink39.xml><?xml version="1.0" encoding="utf-8"?>
+<inkml:ink xmlns:inkml="http://www.w3.org/2003/InkML">
+  <inkml:definitions>
+    <inkml:context xml:id="ctx0">
+      <inkml:inkSource xml:id="inkSrc0">
+        <inkml:traceFormat>
+          <inkml:channel name="X" type="integer" min="-2.14748E9" max="2.14748E9" units="cm"/>
+          <inkml:channel name="Y" type="integer" min="-2.14748E9" max="2.14748E9" units="cm"/>
+          <inkml:channel name="F" type="integer" max="32767" units="dev"/>
+        </inkml:traceFormat>
+        <inkml:channelProperties>
+          <inkml:channelProperty channel="X" name="resolution" value="1000" units="1/cm"/>
+          <inkml:channelProperty channel="Y" name="resolution" value="1000" units="1/cm"/>
+          <inkml:channelProperty channel="F" name="resolution" value="0" units="1/dev"/>
+        </inkml:channelProperties>
+      </inkml:inkSource>
+      <inkml:timestamp xml:id="ts0" timeString="2021-12-26T00:54:35.513"/>
+    </inkml:context>
+    <inkml:brush xml:id="br0">
+      <inkml:brushProperty name="width" value="0.05" units="cm"/>
+      <inkml:brushProperty name="height" value="0.05" units="cm"/>
+      <inkml:brushProperty name="color" value="#E71224"/>
+    </inkml:brush>
+  </inkml:definitions>
+  <inkml:trace contextRef="#ctx0" brushRef="#br0">11 92 24575,'-4'0'0,"-1"4"0,4 2 0,19-5 0,28-6 0,19-7 0,23-6 0,2-4 0,-11-2 0,-18 3-8191</inkml:trace>
+</inkml:ink>
+</file>
+
 <file path=ppt/ink/ink4.xml><?xml version="1.0" encoding="utf-8"?>
 <inkml:ink xmlns:inkml="http://www.w3.org/2003/InkML">
   <inkml:definitions>
@@ -216,6 +1062,34 @@
     </inkml:brush>
   </inkml:definitions>
   <inkml:trace contextRef="#ctx0" brushRef="#br0">512 377 24575,'1'0'0,"-1"-1"0,0 0 0,0 0 0,0 0 0,1 0 0,-1 1 0,1-1 0,-1 0 0,0 0 0,1 1 0,-1-1 0,1 0 0,-1 1 0,1-1 0,0 0 0,-1 1 0,1-1 0,0 1 0,-1-1 0,1 1 0,0-1 0,0 1 0,0 0 0,-1-1 0,1 1 0,0 0 0,0-1 0,0 1 0,0 0 0,-1 0 0,1 0 0,0 0 0,0 0 0,1 0 0,36 2 0,-32-1 0,4 1 0,0 0 0,0 0 0,-1 1 0,1 0 0,-1 1 0,0 0 0,0 1 0,0-1 0,0 2 0,8 6 0,10 10 0,39 41 0,-2-1 0,20 21 0,-21-18 0,-222-218 0,48 44 0,-133-101 0,221 192 0,-1 1 0,-1 1 0,-1 2 0,-28-13 0,53 27 0,1-1 0,-1 1 0,1 0 0,-1 0 0,1-1 0,-1 1 0,1 0 0,-1 0 0,1 0 0,-1-1 0,1 1 0,-1 0 0,1 0 0,-1 0 0,1 0 0,-1 0 0,1 0 0,-1 0 0,1 1 0,-1-1 0,1 0 0,-1 0 0,0 0 0,1 0 0,0 1 0,-1-1 0,1 0 0,-1 0 0,1 1 0,-1-1 0,1 0 0,-1 1 0,1-1 0,0 1 0,-1-1 0,1 0 0,0 1 0,-1-1 0,1 1 0,0-1 0,0 1 0,-1-1 0,1 1 0,0-1 0,0 1 0,0-1 0,0 1 0,0-1 0,0 1 0,0-1 0,0 1 0,0-1 0,0 1 0,0 0 0,0-1 0,0 1 0,0 0 0,11 33 0,11 7 0,3-2 0,0-1 0,3-1 0,1-1 0,42 40 0,182 145 0,-199-177 0,96 74 0,-116-94 0,2-1 0,56 26 0,-76-44 0,-17-13 0,-26-23 0,19 22 0,-153-170 0,-198-207 0,211 241 0,132 129 0,15 12 0,32 23 0,112 82 0,-31-20 0,212 118 0,-316-196 0,-1 1 0,1-1 0,-1 0 0,1 0 0,13 2 0,-20-5 0,-1 0 0,1 0 0,-1 0 0,1 0 0,-1 0 0,1 0 0,-1 0 0,1 0 0,-1 0 0,1 0 0,-1 0 0,1-1 0,-1 1 0,1 0 0,-1 0 0,0 0 0,1-1 0,-1 1 0,1 0 0,-1 0 0,1-1 0,-1 1 0,0 0 0,1-1 0,-1 1 0,0-1 0,1 1 0,-1 0 0,0-1 0,0 1 0,1-1 0,-1 1 0,0-1 0,0 1 0,0-1 0,0 1 0,0-1 0,0 1 0,1-1 0,-1 1 0,0-1 0,0 1 0,-1-1 0,1 1 0,0-1 0,0 1 0,0-1 0,0 1 0,0-1 0,0 1 0,-1-1 0,1 1 0,0-1 0,-7-14 0,-1 0 0,0 0 0,0 1 0,-2 0 0,0 1 0,-12-14 0,6 8 0,-68-81 0,-5 4 0,-125-105 0,213 200 0,-5-4 0,0 0 0,0 0 0,-1 0 0,-13-6 0,20 10 0,-1 1 0,0-1 0,0 1 0,0 0 0,0 0 0,0-1 0,0 1 0,0 0 0,0 0 0,0 0 0,0 0 0,0 0 0,0 0 0,0 0 0,0 0 0,0 0 0,0 0 0,0 1 0,0-1 0,1 0 0,-1 1 0,0-1 0,0 1 0,0-1 0,0 1 0,0-1 0,1 1 0,-1 0 0,0-1 0,1 1 0,-1 0 0,0-1 0,1 1 0,-1 0 0,1 0 0,-1 0 0,1 0 0,-1 0 0,1-1 0,0 1 0,-1 0 0,1 0 0,0 0 0,0 0 0,0 0 0,0 0 0,0 0 0,0 2 0,-1 6 0,0 1 0,1 0 0,0-1 0,0 1 0,1 0 0,1-1 0,3 14 0,25 68 0,-24-73 0,20 50 0,2-1 0,4-1 0,2-2 0,84 117 0,-106-165 0,-2-1 0,-40-34 0,-648-389 0,640 387 0,-40-21 0,42 26 0,36 16 0,0 0 0,0 1 0,0-1 0,0 0 0,0 0 0,0 0 0,0 0 0,0 0 0,1 0 0,-1 0 0,0 0 0,0 0 0,0 0 0,0 0 0,0 0 0,0 0 0,0 1 0,0-1 0,0 0 0,0 0 0,0 0 0,0 0 0,0 0 0,0 0 0,0 0 0,0 0 0,0 0 0,0 1 0,0-1 0,0 0 0,0 0 0,0 0 0,0 0 0,0 0 0,0 0 0,0 0 0,0 0 0,0 1 0,0-1 0,0 0 0,0 0 0,0 0 0,0 0 0,0 0 0,0 0 0,0 0 0,-1 0 0,1 0 0,0 0 0,0 0 0,0 0 0,0 1 0,0-1 0,0 0 0,0 0 0,0 0 0,0 0 0,0 0 0,-1 0 0,1 0 0,0 0 0,0 0 0,0 0 0,0 0 0,0 0 0,0 0 0,18 17 0,71 50 0,194 108 0,-196-125 0,-41-23-108,75 45-520,197 84-1,-277-141-6197</inkml:trace>
+</inkml:ink>
+</file>
+
+<file path=ppt/ink/ink40.xml><?xml version="1.0" encoding="utf-8"?>
+<inkml:ink xmlns:inkml="http://www.w3.org/2003/InkML">
+  <inkml:definitions>
+    <inkml:context xml:id="ctx0">
+      <inkml:inkSource xml:id="inkSrc0">
+        <inkml:traceFormat>
+          <inkml:channel name="X" type="integer" min="-2.14748E9" max="2.14748E9" units="cm"/>
+          <inkml:channel name="Y" type="integer" min="-2.14748E9" max="2.14748E9" units="cm"/>
+          <inkml:channel name="F" type="integer" max="32767" units="dev"/>
+        </inkml:traceFormat>
+        <inkml:channelProperties>
+          <inkml:channelProperty channel="X" name="resolution" value="1000" units="1/cm"/>
+          <inkml:channelProperty channel="Y" name="resolution" value="1000" units="1/cm"/>
+          <inkml:channelProperty channel="F" name="resolution" value="0" units="1/dev"/>
+        </inkml:channelProperties>
+      </inkml:inkSource>
+      <inkml:timestamp xml:id="ts0" timeString="2021-12-26T00:54:36.203"/>
+    </inkml:context>
+    <inkml:brush xml:id="br0">
+      <inkml:brushProperty name="width" value="0.05" units="cm"/>
+      <inkml:brushProperty name="height" value="0.05" units="cm"/>
+      <inkml:brushProperty name="color" value="#E71224"/>
+    </inkml:brush>
+  </inkml:definitions>
+  <inkml:trace contextRef="#ctx0" brushRef="#br0">0 101 24575,'7'-6'0,"0"1"0,0-1 0,1 1 0,0 0 0,0 1 0,0 0 0,0 0 0,15-4 0,75-14 0,74 2 0,1 8 0,272 16 0,-440-4 0,22 1 0,-1 0 0,1 3 0,35 7 0,-55-9 0,-1 0 0,1 1 0,0 0 0,-1 0 0,0 0 0,1 1 0,-1-1 0,-1 1 0,1 1 0,0-1 0,-1 1 0,0 0 0,0 1 0,-1-1 0,1 1 0,-1 0 0,4 7 0,-1 3 0,-1 0 0,0 0 0,-1 1 0,-1 0 0,0 0 0,-2 1 0,0-1 0,0 19 0,-2-6 0,-1-1 0,-1 1 0,-2-1 0,-7 30 0,4-32 0,-1-2 0,-2 1 0,0-1 0,-2-1 0,0 0 0,-2 0 0,0-1 0,-20 23 0,8-17 0,-1 0 0,-1-1 0,-1-2 0,-63 42 0,0-13 0,-2-4 0,-3-5 0,-112 39 0,207-85 0,-47 23 0,33-8 0,15-15 0,1 0 0,0 1 0,0-1 0,0 1 0,0-1 0,0 1 0,0-1 0,0 1 0,0-1 0,0 0 0,1 1 0,-1-1 0,0 1 0,0-1 0,0 1 0,0-1 0,1 0 0,-1 1 0,0-1 0,0 1 0,1-1 0,-1 0 0,0 1 0,1-1 0,-1 0 0,0 0 0,1 1 0,-1-1 0,0 0 0,1 0 0,-1 1 0,1-1 0,-1 0 0,1 0 0,-1 0 0,0 0 0,1 0 0,-1 0 0,1 1 0,17 3 0,-1 0 0,1-1 0,-1 0 0,1-2 0,0 0 0,28-2 0,-1 0 0,354-1-1365,-329 1-5461</inkml:trace>
 </inkml:ink>
 </file>
 
@@ -506,7 +1380,7 @@
           <a:p>
             <a:fld id="{724BB096-07F8-4D2C-B81C-2BA1DF60A38E}" type="datetimeFigureOut">
               <a:rPr lang="en-US" smtClean="0"/>
-              <a:t>12/5/2021</a:t>
+              <a:t>12/26/2021</a:t>
             </a:fld>
             <a:endParaRPr lang="en-US"/>
           </a:p>
@@ -704,7 +1578,7 @@
           <a:p>
             <a:fld id="{724BB096-07F8-4D2C-B81C-2BA1DF60A38E}" type="datetimeFigureOut">
               <a:rPr lang="en-US" smtClean="0"/>
-              <a:t>12/5/2021</a:t>
+              <a:t>12/26/2021</a:t>
             </a:fld>
             <a:endParaRPr lang="en-US"/>
           </a:p>
@@ -912,7 +1786,7 @@
           <a:p>
             <a:fld id="{724BB096-07F8-4D2C-B81C-2BA1DF60A38E}" type="datetimeFigureOut">
               <a:rPr lang="en-US" smtClean="0"/>
-              <a:t>12/5/2021</a:t>
+              <a:t>12/26/2021</a:t>
             </a:fld>
             <a:endParaRPr lang="en-US"/>
           </a:p>
@@ -1110,7 +1984,7 @@
           <a:p>
             <a:fld id="{724BB096-07F8-4D2C-B81C-2BA1DF60A38E}" type="datetimeFigureOut">
               <a:rPr lang="en-US" smtClean="0"/>
-              <a:t>12/5/2021</a:t>
+              <a:t>12/26/2021</a:t>
             </a:fld>
             <a:endParaRPr lang="en-US"/>
           </a:p>
@@ -1385,7 +2259,7 @@
           <a:p>
             <a:fld id="{724BB096-07F8-4D2C-B81C-2BA1DF60A38E}" type="datetimeFigureOut">
               <a:rPr lang="en-US" smtClean="0"/>
-              <a:t>12/5/2021</a:t>
+              <a:t>12/26/2021</a:t>
             </a:fld>
             <a:endParaRPr lang="en-US"/>
           </a:p>
@@ -1650,7 +2524,7 @@
           <a:p>
             <a:fld id="{724BB096-07F8-4D2C-B81C-2BA1DF60A38E}" type="datetimeFigureOut">
               <a:rPr lang="en-US" smtClean="0"/>
-              <a:t>12/5/2021</a:t>
+              <a:t>12/26/2021</a:t>
             </a:fld>
             <a:endParaRPr lang="en-US"/>
           </a:p>
@@ -2062,7 +2936,7 @@
           <a:p>
             <a:fld id="{724BB096-07F8-4D2C-B81C-2BA1DF60A38E}" type="datetimeFigureOut">
               <a:rPr lang="en-US" smtClean="0"/>
-              <a:t>12/5/2021</a:t>
+              <a:t>12/26/2021</a:t>
             </a:fld>
             <a:endParaRPr lang="en-US"/>
           </a:p>
@@ -2203,7 +3077,7 @@
           <a:p>
             <a:fld id="{724BB096-07F8-4D2C-B81C-2BA1DF60A38E}" type="datetimeFigureOut">
               <a:rPr lang="en-US" smtClean="0"/>
-              <a:t>12/5/2021</a:t>
+              <a:t>12/26/2021</a:t>
             </a:fld>
             <a:endParaRPr lang="en-US"/>
           </a:p>
@@ -2316,7 +3190,7 @@
           <a:p>
             <a:fld id="{724BB096-07F8-4D2C-B81C-2BA1DF60A38E}" type="datetimeFigureOut">
               <a:rPr lang="en-US" smtClean="0"/>
-              <a:t>12/5/2021</a:t>
+              <a:t>12/26/2021</a:t>
             </a:fld>
             <a:endParaRPr lang="en-US"/>
           </a:p>
@@ -2627,7 +3501,7 @@
           <a:p>
             <a:fld id="{724BB096-07F8-4D2C-B81C-2BA1DF60A38E}" type="datetimeFigureOut">
               <a:rPr lang="en-US" smtClean="0"/>
-              <a:t>12/5/2021</a:t>
+              <a:t>12/26/2021</a:t>
             </a:fld>
             <a:endParaRPr lang="en-US"/>
           </a:p>
@@ -2915,7 +3789,7 @@
           <a:p>
             <a:fld id="{724BB096-07F8-4D2C-B81C-2BA1DF60A38E}" type="datetimeFigureOut">
               <a:rPr lang="en-US" smtClean="0"/>
-              <a:t>12/5/2021</a:t>
+              <a:t>12/26/2021</a:t>
             </a:fld>
             <a:endParaRPr lang="en-US"/>
           </a:p>
@@ -3156,7 +4030,7 @@
           <a:p>
             <a:fld id="{724BB096-07F8-4D2C-B81C-2BA1DF60A38E}" type="datetimeFigureOut">
               <a:rPr lang="en-US" smtClean="0"/>
-              <a:t>12/5/2021</a:t>
+              <a:t>12/26/2021</a:t>
             </a:fld>
             <a:endParaRPr lang="en-US"/>
           </a:p>
@@ -3603,8 +4477,8 @@
           </a:prstGeom>
         </p:spPr>
       </p:pic>
-      <mc:AlternateContent xmlns:mc="http://schemas.openxmlformats.org/markup-compatibility/2006">
-        <mc:Choice xmlns:p14="http://schemas.microsoft.com/office/powerpoint/2010/main" Requires="p14">
+      <mc:AlternateContent xmlns:mc="http://schemas.openxmlformats.org/markup-compatibility/2006" xmlns:p14="http://schemas.microsoft.com/office/powerpoint/2010/main">
+        <mc:Choice Requires="p14">
           <p:contentPart p14:bwMode="auto" r:id="rId3">
             <p14:nvContentPartPr>
               <p14:cNvPr id="7" name="Ink 6">
@@ -3623,7 +4497,7 @@
             </p14:xfrm>
           </p:contentPart>
         </mc:Choice>
-        <mc:Fallback>
+        <mc:Fallback xmlns="">
           <p:pic>
             <p:nvPicPr>
               <p:cNvPr id="7" name="Ink 6">
@@ -3654,8 +4528,8 @@
           </p:pic>
         </mc:Fallback>
       </mc:AlternateContent>
-      <mc:AlternateContent xmlns:mc="http://schemas.openxmlformats.org/markup-compatibility/2006">
-        <mc:Choice xmlns:p14="http://schemas.microsoft.com/office/powerpoint/2010/main" Requires="p14">
+      <mc:AlternateContent xmlns:mc="http://schemas.openxmlformats.org/markup-compatibility/2006" xmlns:p14="http://schemas.microsoft.com/office/powerpoint/2010/main">
+        <mc:Choice Requires="p14">
           <p:contentPart p14:bwMode="auto" r:id="rId5">
             <p14:nvContentPartPr>
               <p14:cNvPr id="9" name="Ink 8">
@@ -3674,7 +4548,7 @@
             </p14:xfrm>
           </p:contentPart>
         </mc:Choice>
-        <mc:Fallback>
+        <mc:Fallback xmlns="">
           <p:pic>
             <p:nvPicPr>
               <p:cNvPr id="9" name="Ink 8">
@@ -3705,8 +4579,8 @@
           </p:pic>
         </mc:Fallback>
       </mc:AlternateContent>
-      <mc:AlternateContent xmlns:mc="http://schemas.openxmlformats.org/markup-compatibility/2006">
-        <mc:Choice xmlns:p14="http://schemas.microsoft.com/office/powerpoint/2010/main" Requires="p14">
+      <mc:AlternateContent xmlns:mc="http://schemas.openxmlformats.org/markup-compatibility/2006" xmlns:p14="http://schemas.microsoft.com/office/powerpoint/2010/main">
+        <mc:Choice Requires="p14">
           <p:contentPart p14:bwMode="auto" r:id="rId7">
             <p14:nvContentPartPr>
               <p14:cNvPr id="10" name="Ink 9">
@@ -3725,7 +4599,7 @@
             </p14:xfrm>
           </p:contentPart>
         </mc:Choice>
-        <mc:Fallback>
+        <mc:Fallback xmlns="">
           <p:pic>
             <p:nvPicPr>
               <p:cNvPr id="10" name="Ink 9">
@@ -3756,8 +4630,8 @@
           </p:pic>
         </mc:Fallback>
       </mc:AlternateContent>
-      <mc:AlternateContent xmlns:mc="http://schemas.openxmlformats.org/markup-compatibility/2006">
-        <mc:Choice xmlns:p14="http://schemas.microsoft.com/office/powerpoint/2010/main" Requires="p14">
+      <mc:AlternateContent xmlns:mc="http://schemas.openxmlformats.org/markup-compatibility/2006" xmlns:p14="http://schemas.microsoft.com/office/powerpoint/2010/main">
+        <mc:Choice Requires="p14">
           <p:contentPart p14:bwMode="auto" r:id="rId9">
             <p14:nvContentPartPr>
               <p14:cNvPr id="12" name="Ink 11">
@@ -3776,7 +4650,7 @@
             </p14:xfrm>
           </p:contentPart>
         </mc:Choice>
-        <mc:Fallback>
+        <mc:Fallback xmlns="">
           <p:pic>
             <p:nvPicPr>
               <p:cNvPr id="12" name="Ink 11">
@@ -3807,8 +4681,8 @@
           </p:pic>
         </mc:Fallback>
       </mc:AlternateContent>
-      <mc:AlternateContent xmlns:mc="http://schemas.openxmlformats.org/markup-compatibility/2006">
-        <mc:Choice xmlns:p14="http://schemas.microsoft.com/office/powerpoint/2010/main" Requires="p14">
+      <mc:AlternateContent xmlns:mc="http://schemas.openxmlformats.org/markup-compatibility/2006" xmlns:p14="http://schemas.microsoft.com/office/powerpoint/2010/main">
+        <mc:Choice Requires="p14">
           <p:contentPart p14:bwMode="auto" r:id="rId11">
             <p14:nvContentPartPr>
               <p14:cNvPr id="14" name="Ink 13">
@@ -3827,7 +4701,7 @@
             </p14:xfrm>
           </p:contentPart>
         </mc:Choice>
-        <mc:Fallback>
+        <mc:Fallback xmlns="">
           <p:pic>
             <p:nvPicPr>
               <p:cNvPr id="14" name="Ink 13">
@@ -3858,8 +4732,8 @@
           </p:pic>
         </mc:Fallback>
       </mc:AlternateContent>
-      <mc:AlternateContent xmlns:mc="http://schemas.openxmlformats.org/markup-compatibility/2006">
-        <mc:Choice xmlns:p14="http://schemas.microsoft.com/office/powerpoint/2010/main" Requires="p14">
+      <mc:AlternateContent xmlns:mc="http://schemas.openxmlformats.org/markup-compatibility/2006" xmlns:p14="http://schemas.microsoft.com/office/powerpoint/2010/main">
+        <mc:Choice Requires="p14">
           <p:contentPart p14:bwMode="auto" r:id="rId13">
             <p14:nvContentPartPr>
               <p14:cNvPr id="16" name="Ink 15">
@@ -3878,7 +4752,7 @@
             </p14:xfrm>
           </p:contentPart>
         </mc:Choice>
-        <mc:Fallback>
+        <mc:Fallback xmlns="">
           <p:pic>
             <p:nvPicPr>
               <p:cNvPr id="16" name="Ink 15">
@@ -3909,8 +4783,8 @@
           </p:pic>
         </mc:Fallback>
       </mc:AlternateContent>
-      <mc:AlternateContent xmlns:mc="http://schemas.openxmlformats.org/markup-compatibility/2006">
-        <mc:Choice xmlns:p14="http://schemas.microsoft.com/office/powerpoint/2010/main" Requires="p14">
+      <mc:AlternateContent xmlns:mc="http://schemas.openxmlformats.org/markup-compatibility/2006" xmlns:p14="http://schemas.microsoft.com/office/powerpoint/2010/main">
+        <mc:Choice Requires="p14">
           <p:contentPart p14:bwMode="auto" r:id="rId15">
             <p14:nvContentPartPr>
               <p14:cNvPr id="17" name="Ink 16">
@@ -3929,7 +4803,7 @@
             </p14:xfrm>
           </p:contentPart>
         </mc:Choice>
-        <mc:Fallback>
+        <mc:Fallback xmlns="">
           <p:pic>
             <p:nvPicPr>
               <p:cNvPr id="17" name="Ink 16">
@@ -3960,8 +4834,8 @@
           </p:pic>
         </mc:Fallback>
       </mc:AlternateContent>
-      <mc:AlternateContent xmlns:mc="http://schemas.openxmlformats.org/markup-compatibility/2006">
-        <mc:Choice xmlns:p14="http://schemas.microsoft.com/office/powerpoint/2010/main" Requires="p14">
+      <mc:AlternateContent xmlns:mc="http://schemas.openxmlformats.org/markup-compatibility/2006" xmlns:p14="http://schemas.microsoft.com/office/powerpoint/2010/main">
+        <mc:Choice Requires="p14">
           <p:contentPart p14:bwMode="auto" r:id="rId17">
             <p14:nvContentPartPr>
               <p14:cNvPr id="18" name="Ink 17">
@@ -3980,7 +4854,7 @@
             </p14:xfrm>
           </p:contentPart>
         </mc:Choice>
-        <mc:Fallback>
+        <mc:Fallback xmlns="">
           <p:pic>
             <p:nvPicPr>
               <p:cNvPr id="18" name="Ink 17">
@@ -4011,8 +4885,8 @@
           </p:pic>
         </mc:Fallback>
       </mc:AlternateContent>
-      <mc:AlternateContent xmlns:mc="http://schemas.openxmlformats.org/markup-compatibility/2006">
-        <mc:Choice xmlns:p14="http://schemas.microsoft.com/office/powerpoint/2010/main" Requires="p14">
+      <mc:AlternateContent xmlns:mc="http://schemas.openxmlformats.org/markup-compatibility/2006" xmlns:p14="http://schemas.microsoft.com/office/powerpoint/2010/main">
+        <mc:Choice Requires="p14">
           <p:contentPart p14:bwMode="auto" r:id="rId19">
             <p14:nvContentPartPr>
               <p14:cNvPr id="19" name="Ink 18">
@@ -4031,7 +4905,7 @@
             </p14:xfrm>
           </p:contentPart>
         </mc:Choice>
-        <mc:Fallback>
+        <mc:Fallback xmlns="">
           <p:pic>
             <p:nvPicPr>
               <p:cNvPr id="19" name="Ink 18">
@@ -4062,10 +4936,1714 @@
           </p:pic>
         </mc:Fallback>
       </mc:AlternateContent>
+      <p:grpSp>
+        <p:nvGrpSpPr>
+          <p:cNvPr id="22" name="Group 21">
+            <a:extLst>
+              <a:ext uri="{FF2B5EF4-FFF2-40B4-BE49-F238E27FC236}">
+                <a16:creationId xmlns:a16="http://schemas.microsoft.com/office/drawing/2014/main" id="{4C250EED-6C1E-4085-A9F7-F8EA349680C2}"/>
+              </a:ext>
+            </a:extLst>
+          </p:cNvPr>
+          <p:cNvGrpSpPr/>
+          <p:nvPr/>
+        </p:nvGrpSpPr>
+        <p:grpSpPr>
+          <a:xfrm>
+            <a:off x="8480301" y="573360"/>
+            <a:ext cx="1255320" cy="465480"/>
+            <a:chOff x="8480301" y="573360"/>
+            <a:chExt cx="1255320" cy="465480"/>
+          </a:xfrm>
+        </p:grpSpPr>
+        <mc:AlternateContent xmlns:mc="http://schemas.openxmlformats.org/markup-compatibility/2006">
+          <mc:Choice xmlns:p14="http://schemas.microsoft.com/office/powerpoint/2010/main" Requires="p14">
+            <p:contentPart p14:bwMode="auto" r:id="rId21">
+              <p14:nvContentPartPr>
+                <p14:cNvPr id="2" name="Ink 1">
+                  <a:extLst>
+                    <a:ext uri="{FF2B5EF4-FFF2-40B4-BE49-F238E27FC236}">
+                      <a16:creationId xmlns:a16="http://schemas.microsoft.com/office/drawing/2014/main" id="{A90D3194-E3CD-472C-B73A-820B430AF23A}"/>
+                    </a:ext>
+                  </a:extLst>
+                </p14:cNvPr>
+                <p14:cNvContentPartPr/>
+                <p14:nvPr/>
+              </p14:nvContentPartPr>
+              <p14:xfrm>
+                <a:off x="8552301" y="618360"/>
+                <a:ext cx="46800" cy="385560"/>
+              </p14:xfrm>
+            </p:contentPart>
+          </mc:Choice>
+          <mc:Fallback>
+            <p:pic>
+              <p:nvPicPr>
+                <p:cNvPr id="2" name="Ink 1">
+                  <a:extLst>
+                    <a:ext uri="{FF2B5EF4-FFF2-40B4-BE49-F238E27FC236}">
+                      <a16:creationId xmlns:a16="http://schemas.microsoft.com/office/drawing/2014/main" id="{A90D3194-E3CD-472C-B73A-820B430AF23A}"/>
+                    </a:ext>
+                  </a:extLst>
+                </p:cNvPr>
+                <p:cNvPicPr/>
+                <p:nvPr/>
+              </p:nvPicPr>
+              <p:blipFill>
+                <a:blip r:embed="rId22"/>
+                <a:stretch>
+                  <a:fillRect/>
+                </a:stretch>
+              </p:blipFill>
+              <p:spPr>
+                <a:xfrm>
+                  <a:off x="8543301" y="609360"/>
+                  <a:ext cx="64440" cy="403200"/>
+                </a:xfrm>
+                <a:prstGeom prst="rect">
+                  <a:avLst/>
+                </a:prstGeom>
+              </p:spPr>
+            </p:pic>
+          </mc:Fallback>
+        </mc:AlternateContent>
+        <mc:AlternateContent xmlns:mc="http://schemas.openxmlformats.org/markup-compatibility/2006">
+          <mc:Choice xmlns:p14="http://schemas.microsoft.com/office/powerpoint/2010/main" Requires="p14">
+            <p:contentPart p14:bwMode="auto" r:id="rId23">
+              <p14:nvContentPartPr>
+                <p14:cNvPr id="3" name="Ink 2">
+                  <a:extLst>
+                    <a:ext uri="{FF2B5EF4-FFF2-40B4-BE49-F238E27FC236}">
+                      <a16:creationId xmlns:a16="http://schemas.microsoft.com/office/drawing/2014/main" id="{B24F9E0D-F4EB-4FE7-B94B-1B15A6105D22}"/>
+                    </a:ext>
+                  </a:extLst>
+                </p14:cNvPr>
+                <p14:cNvContentPartPr/>
+                <p14:nvPr/>
+              </p14:nvContentPartPr>
+              <p14:xfrm>
+                <a:off x="8480301" y="620880"/>
+                <a:ext cx="216720" cy="377640"/>
+              </p14:xfrm>
+            </p:contentPart>
+          </mc:Choice>
+          <mc:Fallback>
+            <p:pic>
+              <p:nvPicPr>
+                <p:cNvPr id="3" name="Ink 2">
+                  <a:extLst>
+                    <a:ext uri="{FF2B5EF4-FFF2-40B4-BE49-F238E27FC236}">
+                      <a16:creationId xmlns:a16="http://schemas.microsoft.com/office/drawing/2014/main" id="{B24F9E0D-F4EB-4FE7-B94B-1B15A6105D22}"/>
+                    </a:ext>
+                  </a:extLst>
+                </p:cNvPr>
+                <p:cNvPicPr/>
+                <p:nvPr/>
+              </p:nvPicPr>
+              <p:blipFill>
+                <a:blip r:embed="rId24"/>
+                <a:stretch>
+                  <a:fillRect/>
+                </a:stretch>
+              </p:blipFill>
+              <p:spPr>
+                <a:xfrm>
+                  <a:off x="8471661" y="611880"/>
+                  <a:ext cx="234360" cy="395280"/>
+                </a:xfrm>
+                <a:prstGeom prst="rect">
+                  <a:avLst/>
+                </a:prstGeom>
+              </p:spPr>
+            </p:pic>
+          </mc:Fallback>
+        </mc:AlternateContent>
+        <mc:AlternateContent xmlns:mc="http://schemas.openxmlformats.org/markup-compatibility/2006">
+          <mc:Choice xmlns:p14="http://schemas.microsoft.com/office/powerpoint/2010/main" Requires="p14">
+            <p:contentPart p14:bwMode="auto" r:id="rId25">
+              <p14:nvContentPartPr>
+                <p14:cNvPr id="4" name="Ink 3">
+                  <a:extLst>
+                    <a:ext uri="{FF2B5EF4-FFF2-40B4-BE49-F238E27FC236}">
+                      <a16:creationId xmlns:a16="http://schemas.microsoft.com/office/drawing/2014/main" id="{BC6E79EB-85EB-45F1-9E5A-B92B6F953707}"/>
+                    </a:ext>
+                  </a:extLst>
+                </p14:cNvPr>
+                <p14:cNvContentPartPr/>
+                <p14:nvPr/>
+              </p14:nvContentPartPr>
+              <p14:xfrm>
+                <a:off x="8890701" y="893040"/>
+                <a:ext cx="198720" cy="145800"/>
+              </p14:xfrm>
+            </p:contentPart>
+          </mc:Choice>
+          <mc:Fallback>
+            <p:pic>
+              <p:nvPicPr>
+                <p:cNvPr id="4" name="Ink 3">
+                  <a:extLst>
+                    <a:ext uri="{FF2B5EF4-FFF2-40B4-BE49-F238E27FC236}">
+                      <a16:creationId xmlns:a16="http://schemas.microsoft.com/office/drawing/2014/main" id="{BC6E79EB-85EB-45F1-9E5A-B92B6F953707}"/>
+                    </a:ext>
+                  </a:extLst>
+                </p:cNvPr>
+                <p:cNvPicPr/>
+                <p:nvPr/>
+              </p:nvPicPr>
+              <p:blipFill>
+                <a:blip r:embed="rId26"/>
+                <a:stretch>
+                  <a:fillRect/>
+                </a:stretch>
+              </p:blipFill>
+              <p:spPr>
+                <a:xfrm>
+                  <a:off x="8881701" y="884400"/>
+                  <a:ext cx="216360" cy="163440"/>
+                </a:xfrm>
+                <a:prstGeom prst="rect">
+                  <a:avLst/>
+                </a:prstGeom>
+              </p:spPr>
+            </p:pic>
+          </mc:Fallback>
+        </mc:AlternateContent>
+        <mc:AlternateContent xmlns:mc="http://schemas.openxmlformats.org/markup-compatibility/2006">
+          <mc:Choice xmlns:p14="http://schemas.microsoft.com/office/powerpoint/2010/main" Requires="p14">
+            <p:contentPart p14:bwMode="auto" r:id="rId27">
+              <p14:nvContentPartPr>
+                <p14:cNvPr id="6" name="Ink 5">
+                  <a:extLst>
+                    <a:ext uri="{FF2B5EF4-FFF2-40B4-BE49-F238E27FC236}">
+                      <a16:creationId xmlns:a16="http://schemas.microsoft.com/office/drawing/2014/main" id="{AB8F49E0-019F-4DC9-8703-BDF339F7F82A}"/>
+                    </a:ext>
+                  </a:extLst>
+                </p14:cNvPr>
+                <p14:cNvContentPartPr/>
+                <p14:nvPr/>
+              </p14:nvContentPartPr>
+              <p14:xfrm>
+                <a:off x="9321981" y="573360"/>
+                <a:ext cx="9720" cy="403560"/>
+              </p14:xfrm>
+            </p:contentPart>
+          </mc:Choice>
+          <mc:Fallback>
+            <p:pic>
+              <p:nvPicPr>
+                <p:cNvPr id="6" name="Ink 5">
+                  <a:extLst>
+                    <a:ext uri="{FF2B5EF4-FFF2-40B4-BE49-F238E27FC236}">
+                      <a16:creationId xmlns:a16="http://schemas.microsoft.com/office/drawing/2014/main" id="{AB8F49E0-019F-4DC9-8703-BDF339F7F82A}"/>
+                    </a:ext>
+                  </a:extLst>
+                </p:cNvPr>
+                <p:cNvPicPr/>
+                <p:nvPr/>
+              </p:nvPicPr>
+              <p:blipFill>
+                <a:blip r:embed="rId28"/>
+                <a:stretch>
+                  <a:fillRect/>
+                </a:stretch>
+              </p:blipFill>
+              <p:spPr>
+                <a:xfrm>
+                  <a:off x="9313341" y="564720"/>
+                  <a:ext cx="27360" cy="421200"/>
+                </a:xfrm>
+                <a:prstGeom prst="rect">
+                  <a:avLst/>
+                </a:prstGeom>
+              </p:spPr>
+            </p:pic>
+          </mc:Fallback>
+        </mc:AlternateContent>
+        <mc:AlternateContent xmlns:mc="http://schemas.openxmlformats.org/markup-compatibility/2006">
+          <mc:Choice xmlns:p14="http://schemas.microsoft.com/office/powerpoint/2010/main" Requires="p14">
+            <p:contentPart p14:bwMode="auto" r:id="rId29">
+              <p14:nvContentPartPr>
+                <p14:cNvPr id="8" name="Ink 7">
+                  <a:extLst>
+                    <a:ext uri="{FF2B5EF4-FFF2-40B4-BE49-F238E27FC236}">
+                      <a16:creationId xmlns:a16="http://schemas.microsoft.com/office/drawing/2014/main" id="{E5D61E67-5899-4832-A188-A10D900844E8}"/>
+                    </a:ext>
+                  </a:extLst>
+                </p14:cNvPr>
+                <p14:cNvContentPartPr/>
+                <p14:nvPr/>
+              </p14:nvContentPartPr>
+              <p14:xfrm>
+                <a:off x="9233421" y="833640"/>
+                <a:ext cx="269280" cy="18360"/>
+              </p14:xfrm>
+            </p:contentPart>
+          </mc:Choice>
+          <mc:Fallback>
+            <p:pic>
+              <p:nvPicPr>
+                <p:cNvPr id="8" name="Ink 7">
+                  <a:extLst>
+                    <a:ext uri="{FF2B5EF4-FFF2-40B4-BE49-F238E27FC236}">
+                      <a16:creationId xmlns:a16="http://schemas.microsoft.com/office/drawing/2014/main" id="{E5D61E67-5899-4832-A188-A10D900844E8}"/>
+                    </a:ext>
+                  </a:extLst>
+                </p:cNvPr>
+                <p:cNvPicPr/>
+                <p:nvPr/>
+              </p:nvPicPr>
+              <p:blipFill>
+                <a:blip r:embed="rId30"/>
+                <a:stretch>
+                  <a:fillRect/>
+                </a:stretch>
+              </p:blipFill>
+              <p:spPr>
+                <a:xfrm>
+                  <a:off x="9224781" y="825000"/>
+                  <a:ext cx="286920" cy="36000"/>
+                </a:xfrm>
+                <a:prstGeom prst="rect">
+                  <a:avLst/>
+                </a:prstGeom>
+              </p:spPr>
+            </p:pic>
+          </mc:Fallback>
+        </mc:AlternateContent>
+        <mc:AlternateContent xmlns:mc="http://schemas.openxmlformats.org/markup-compatibility/2006">
+          <mc:Choice xmlns:p14="http://schemas.microsoft.com/office/powerpoint/2010/main" Requires="p14">
+            <p:contentPart p14:bwMode="auto" r:id="rId31">
+              <p14:nvContentPartPr>
+                <p14:cNvPr id="11" name="Ink 10">
+                  <a:extLst>
+                    <a:ext uri="{FF2B5EF4-FFF2-40B4-BE49-F238E27FC236}">
+                      <a16:creationId xmlns:a16="http://schemas.microsoft.com/office/drawing/2014/main" id="{BC8A6276-4E0F-49F1-A836-B1EC1197F945}"/>
+                    </a:ext>
+                  </a:extLst>
+                </p14:cNvPr>
+                <p14:cNvContentPartPr/>
+                <p14:nvPr/>
+              </p14:nvContentPartPr>
+              <p14:xfrm>
+                <a:off x="9503421" y="806640"/>
+                <a:ext cx="232200" cy="144360"/>
+              </p14:xfrm>
+            </p:contentPart>
+          </mc:Choice>
+          <mc:Fallback>
+            <p:pic>
+              <p:nvPicPr>
+                <p:cNvPr id="11" name="Ink 10">
+                  <a:extLst>
+                    <a:ext uri="{FF2B5EF4-FFF2-40B4-BE49-F238E27FC236}">
+                      <a16:creationId xmlns:a16="http://schemas.microsoft.com/office/drawing/2014/main" id="{BC8A6276-4E0F-49F1-A836-B1EC1197F945}"/>
+                    </a:ext>
+                  </a:extLst>
+                </p:cNvPr>
+                <p:cNvPicPr/>
+                <p:nvPr/>
+              </p:nvPicPr>
+              <p:blipFill>
+                <a:blip r:embed="rId32"/>
+                <a:stretch>
+                  <a:fillRect/>
+                </a:stretch>
+              </p:blipFill>
+              <p:spPr>
+                <a:xfrm>
+                  <a:off x="9494421" y="798000"/>
+                  <a:ext cx="249840" cy="162000"/>
+                </a:xfrm>
+                <a:prstGeom prst="rect">
+                  <a:avLst/>
+                </a:prstGeom>
+              </p:spPr>
+            </p:pic>
+          </mc:Fallback>
+        </mc:AlternateContent>
+      </p:grpSp>
+      <p:grpSp>
+        <p:nvGrpSpPr>
+          <p:cNvPr id="21" name="Group 20">
+            <a:extLst>
+              <a:ext uri="{FF2B5EF4-FFF2-40B4-BE49-F238E27FC236}">
+                <a16:creationId xmlns:a16="http://schemas.microsoft.com/office/drawing/2014/main" id="{BEA3BEF7-C7B1-48E5-8EC9-078B8D63AD98}"/>
+              </a:ext>
+            </a:extLst>
+          </p:cNvPr>
+          <p:cNvGrpSpPr/>
+          <p:nvPr/>
+        </p:nvGrpSpPr>
+        <p:grpSpPr>
+          <a:xfrm>
+            <a:off x="10513581" y="623400"/>
+            <a:ext cx="369720" cy="293760"/>
+            <a:chOff x="10513581" y="623400"/>
+            <a:chExt cx="369720" cy="293760"/>
+          </a:xfrm>
+        </p:grpSpPr>
+        <mc:AlternateContent xmlns:mc="http://schemas.openxmlformats.org/markup-compatibility/2006">
+          <mc:Choice xmlns:p14="http://schemas.microsoft.com/office/powerpoint/2010/main" Requires="p14">
+            <p:contentPart p14:bwMode="auto" r:id="rId33">
+              <p14:nvContentPartPr>
+                <p14:cNvPr id="13" name="Ink 12">
+                  <a:extLst>
+                    <a:ext uri="{FF2B5EF4-FFF2-40B4-BE49-F238E27FC236}">
+                      <a16:creationId xmlns:a16="http://schemas.microsoft.com/office/drawing/2014/main" id="{C0CD6207-F7BC-4BE1-8DB2-9E2BA682BF05}"/>
+                    </a:ext>
+                  </a:extLst>
+                </p14:cNvPr>
+                <p14:cNvContentPartPr/>
+                <p14:nvPr/>
+              </p14:nvContentPartPr>
+              <p14:xfrm>
+                <a:off x="10513581" y="623400"/>
+                <a:ext cx="203400" cy="285120"/>
+              </p14:xfrm>
+            </p:contentPart>
+          </mc:Choice>
+          <mc:Fallback>
+            <p:pic>
+              <p:nvPicPr>
+                <p:cNvPr id="13" name="Ink 12">
+                  <a:extLst>
+                    <a:ext uri="{FF2B5EF4-FFF2-40B4-BE49-F238E27FC236}">
+                      <a16:creationId xmlns:a16="http://schemas.microsoft.com/office/drawing/2014/main" id="{C0CD6207-F7BC-4BE1-8DB2-9E2BA682BF05}"/>
+                    </a:ext>
+                  </a:extLst>
+                </p:cNvPr>
+                <p:cNvPicPr/>
+                <p:nvPr/>
+              </p:nvPicPr>
+              <p:blipFill>
+                <a:blip r:embed="rId34"/>
+                <a:stretch>
+                  <a:fillRect/>
+                </a:stretch>
+              </p:blipFill>
+              <p:spPr>
+                <a:xfrm>
+                  <a:off x="10504581" y="614400"/>
+                  <a:ext cx="221040" cy="302760"/>
+                </a:xfrm>
+                <a:prstGeom prst="rect">
+                  <a:avLst/>
+                </a:prstGeom>
+              </p:spPr>
+            </p:pic>
+          </mc:Fallback>
+        </mc:AlternateContent>
+        <mc:AlternateContent xmlns:mc="http://schemas.openxmlformats.org/markup-compatibility/2006">
+          <mc:Choice xmlns:p14="http://schemas.microsoft.com/office/powerpoint/2010/main" Requires="p14">
+            <p:contentPart p14:bwMode="auto" r:id="rId35">
+              <p14:nvContentPartPr>
+                <p14:cNvPr id="15" name="Ink 14">
+                  <a:extLst>
+                    <a:ext uri="{FF2B5EF4-FFF2-40B4-BE49-F238E27FC236}">
+                      <a16:creationId xmlns:a16="http://schemas.microsoft.com/office/drawing/2014/main" id="{4B6BAC41-921C-4307-8669-1E02278FF7B2}"/>
+                    </a:ext>
+                  </a:extLst>
+                </p14:cNvPr>
+                <p14:cNvContentPartPr/>
+                <p14:nvPr/>
+              </p14:nvContentPartPr>
+              <p14:xfrm>
+                <a:off x="10847301" y="851280"/>
+                <a:ext cx="36000" cy="65880"/>
+              </p14:xfrm>
+            </p:contentPart>
+          </mc:Choice>
+          <mc:Fallback>
+            <p:pic>
+              <p:nvPicPr>
+                <p:cNvPr id="15" name="Ink 14">
+                  <a:extLst>
+                    <a:ext uri="{FF2B5EF4-FFF2-40B4-BE49-F238E27FC236}">
+                      <a16:creationId xmlns:a16="http://schemas.microsoft.com/office/drawing/2014/main" id="{4B6BAC41-921C-4307-8669-1E02278FF7B2}"/>
+                    </a:ext>
+                  </a:extLst>
+                </p:cNvPr>
+                <p:cNvPicPr/>
+                <p:nvPr/>
+              </p:nvPicPr>
+              <p:blipFill>
+                <a:blip r:embed="rId36"/>
+                <a:stretch>
+                  <a:fillRect/>
+                </a:stretch>
+              </p:blipFill>
+              <p:spPr>
+                <a:xfrm>
+                  <a:off x="10838661" y="842640"/>
+                  <a:ext cx="53640" cy="83520"/>
+                </a:xfrm>
+                <a:prstGeom prst="rect">
+                  <a:avLst/>
+                </a:prstGeom>
+              </p:spPr>
+            </p:pic>
+          </mc:Fallback>
+        </mc:AlternateContent>
+      </p:grpSp>
+      <mc:AlternateContent xmlns:mc="http://schemas.openxmlformats.org/markup-compatibility/2006">
+        <mc:Choice xmlns:p14="http://schemas.microsoft.com/office/powerpoint/2010/main" Requires="p14">
+          <p:contentPart p14:bwMode="auto" r:id="rId37">
+            <p14:nvContentPartPr>
+              <p14:cNvPr id="20" name="Ink 19">
+                <a:extLst>
+                  <a:ext uri="{FF2B5EF4-FFF2-40B4-BE49-F238E27FC236}">
+                    <a16:creationId xmlns:a16="http://schemas.microsoft.com/office/drawing/2014/main" id="{1921FE9D-0A2C-47CB-9D22-90C168874A7E}"/>
+                  </a:ext>
+                </a:extLst>
+              </p14:cNvPr>
+              <p14:cNvContentPartPr/>
+              <p14:nvPr/>
+            </p14:nvContentPartPr>
+            <p14:xfrm>
+              <a:off x="11349141" y="484080"/>
+              <a:ext cx="82080" cy="492840"/>
+            </p14:xfrm>
+          </p:contentPart>
+        </mc:Choice>
+        <mc:Fallback>
+          <p:pic>
+            <p:nvPicPr>
+              <p:cNvPr id="20" name="Ink 19">
+                <a:extLst>
+                  <a:ext uri="{FF2B5EF4-FFF2-40B4-BE49-F238E27FC236}">
+                    <a16:creationId xmlns:a16="http://schemas.microsoft.com/office/drawing/2014/main" id="{1921FE9D-0A2C-47CB-9D22-90C168874A7E}"/>
+                  </a:ext>
+                </a:extLst>
+              </p:cNvPr>
+              <p:cNvPicPr/>
+              <p:nvPr/>
+            </p:nvPicPr>
+            <p:blipFill>
+              <a:blip r:embed="rId38"/>
+              <a:stretch>
+                <a:fillRect/>
+              </a:stretch>
+            </p:blipFill>
+            <p:spPr>
+              <a:xfrm>
+                <a:off x="11340141" y="475440"/>
+                <a:ext cx="99720" cy="510480"/>
+              </a:xfrm>
+              <a:prstGeom prst="rect">
+                <a:avLst/>
+              </a:prstGeom>
+            </p:spPr>
+          </p:pic>
+        </mc:Fallback>
+      </mc:AlternateContent>
     </p:spTree>
     <p:extLst>
       <p:ext uri="{BB962C8B-B14F-4D97-AF65-F5344CB8AC3E}">
         <p14:creationId xmlns:p14="http://schemas.microsoft.com/office/powerpoint/2010/main" val="1564485693"/>
+      </p:ext>
+    </p:extLst>
+  </p:cSld>
+  <p:clrMapOvr>
+    <a:masterClrMapping/>
+  </p:clrMapOvr>
+</p:sld>
+</file>
+
+<file path=ppt/slides/slide2.xml><?xml version="1.0" encoding="utf-8"?>
+<p:sld xmlns:a="http://schemas.openxmlformats.org/drawingml/2006/main" xmlns:r="http://schemas.openxmlformats.org/officeDocument/2006/relationships" xmlns:p="http://schemas.openxmlformats.org/presentationml/2006/main">
+  <p:cSld>
+    <p:spTree>
+      <p:nvGrpSpPr>
+        <p:cNvPr id="1" name=""/>
+        <p:cNvGrpSpPr/>
+        <p:nvPr/>
+      </p:nvGrpSpPr>
+      <p:grpSpPr>
+        <a:xfrm>
+          <a:off x="0" y="0"/>
+          <a:ext cx="0" cy="0"/>
+          <a:chOff x="0" y="0"/>
+          <a:chExt cx="0" cy="0"/>
+        </a:xfrm>
+      </p:grpSpPr>
+      <p:pic>
+        <p:nvPicPr>
+          <p:cNvPr id="5" name="Picture 4">
+            <a:extLst>
+              <a:ext uri="{FF2B5EF4-FFF2-40B4-BE49-F238E27FC236}">
+                <a16:creationId xmlns:a16="http://schemas.microsoft.com/office/drawing/2014/main" id="{5665086E-3659-4B3E-ACBC-A7BD64695129}"/>
+              </a:ext>
+            </a:extLst>
+          </p:cNvPr>
+          <p:cNvPicPr>
+            <a:picLocks noChangeAspect="1"/>
+          </p:cNvPicPr>
+          <p:nvPr/>
+        </p:nvPicPr>
+        <p:blipFill>
+          <a:blip r:embed="rId2"/>
+          <a:stretch>
+            <a:fillRect/>
+          </a:stretch>
+        </p:blipFill>
+        <p:spPr>
+          <a:xfrm>
+            <a:off x="1208788" y="199434"/>
+            <a:ext cx="5921258" cy="6247024"/>
+          </a:xfrm>
+          <a:prstGeom prst="rect">
+            <a:avLst/>
+          </a:prstGeom>
+        </p:spPr>
+      </p:pic>
+      <mc:AlternateContent xmlns:mc="http://schemas.openxmlformats.org/markup-compatibility/2006" xmlns:p14="http://schemas.microsoft.com/office/powerpoint/2010/main">
+        <mc:Choice Requires="p14">
+          <p:contentPart p14:bwMode="auto" r:id="rId3">
+            <p14:nvContentPartPr>
+              <p14:cNvPr id="7" name="Ink 6">
+                <a:extLst>
+                  <a:ext uri="{FF2B5EF4-FFF2-40B4-BE49-F238E27FC236}">
+                    <a16:creationId xmlns:a16="http://schemas.microsoft.com/office/drawing/2014/main" id="{D2D48E23-1B09-4412-8297-86E7A5CA900D}"/>
+                  </a:ext>
+                </a:extLst>
+              </p14:cNvPr>
+              <p14:cNvContentPartPr/>
+              <p14:nvPr/>
+            </p14:nvContentPartPr>
+            <p14:xfrm>
+              <a:off x="6055280" y="3891240"/>
+              <a:ext cx="89280" cy="304200"/>
+            </p14:xfrm>
+          </p:contentPart>
+        </mc:Choice>
+        <mc:Fallback xmlns="">
+          <p:pic>
+            <p:nvPicPr>
+              <p:cNvPr id="7" name="Ink 6">
+                <a:extLst>
+                  <a:ext uri="{FF2B5EF4-FFF2-40B4-BE49-F238E27FC236}">
+                    <a16:creationId xmlns:a16="http://schemas.microsoft.com/office/drawing/2014/main" id="{D2D48E23-1B09-4412-8297-86E7A5CA900D}"/>
+                  </a:ext>
+                </a:extLst>
+              </p:cNvPr>
+              <p:cNvPicPr/>
+              <p:nvPr/>
+            </p:nvPicPr>
+            <p:blipFill>
+              <a:blip r:embed="rId4"/>
+              <a:stretch>
+                <a:fillRect/>
+              </a:stretch>
+            </p:blipFill>
+            <p:spPr>
+              <a:xfrm>
+                <a:off x="6046280" y="3882600"/>
+                <a:ext cx="106920" cy="321840"/>
+              </a:xfrm>
+              <a:prstGeom prst="rect">
+                <a:avLst/>
+              </a:prstGeom>
+            </p:spPr>
+          </p:pic>
+        </mc:Fallback>
+      </mc:AlternateContent>
+      <mc:AlternateContent xmlns:mc="http://schemas.openxmlformats.org/markup-compatibility/2006" xmlns:p14="http://schemas.microsoft.com/office/powerpoint/2010/main">
+        <mc:Choice Requires="p14">
+          <p:contentPart p14:bwMode="auto" r:id="rId5">
+            <p14:nvContentPartPr>
+              <p14:cNvPr id="9" name="Ink 8">
+                <a:extLst>
+                  <a:ext uri="{FF2B5EF4-FFF2-40B4-BE49-F238E27FC236}">
+                    <a16:creationId xmlns:a16="http://schemas.microsoft.com/office/drawing/2014/main" id="{127D33B2-1C98-4D22-BC02-0BFFFE00130B}"/>
+                  </a:ext>
+                </a:extLst>
+              </p14:cNvPr>
+              <p14:cNvContentPartPr/>
+              <p14:nvPr/>
+            </p14:nvContentPartPr>
+            <p14:xfrm>
+              <a:off x="5731280" y="3722400"/>
+              <a:ext cx="658800" cy="589680"/>
+            </p14:xfrm>
+          </p:contentPart>
+        </mc:Choice>
+        <mc:Fallback xmlns="">
+          <p:pic>
+            <p:nvPicPr>
+              <p:cNvPr id="9" name="Ink 8">
+                <a:extLst>
+                  <a:ext uri="{FF2B5EF4-FFF2-40B4-BE49-F238E27FC236}">
+                    <a16:creationId xmlns:a16="http://schemas.microsoft.com/office/drawing/2014/main" id="{127D33B2-1C98-4D22-BC02-0BFFFE00130B}"/>
+                  </a:ext>
+                </a:extLst>
+              </p:cNvPr>
+              <p:cNvPicPr/>
+              <p:nvPr/>
+            </p:nvPicPr>
+            <p:blipFill>
+              <a:blip r:embed="rId6"/>
+              <a:stretch>
+                <a:fillRect/>
+              </a:stretch>
+            </p:blipFill>
+            <p:spPr>
+              <a:xfrm>
+                <a:off x="5722280" y="3713760"/>
+                <a:ext cx="676440" cy="607320"/>
+              </a:xfrm>
+              <a:prstGeom prst="rect">
+                <a:avLst/>
+              </a:prstGeom>
+            </p:spPr>
+          </p:pic>
+        </mc:Fallback>
+      </mc:AlternateContent>
+      <mc:AlternateContent xmlns:mc="http://schemas.openxmlformats.org/markup-compatibility/2006" xmlns:p14="http://schemas.microsoft.com/office/powerpoint/2010/main">
+        <mc:Choice Requires="p14">
+          <p:contentPart p14:bwMode="auto" r:id="rId7">
+            <p14:nvContentPartPr>
+              <p14:cNvPr id="10" name="Ink 9">
+                <a:extLst>
+                  <a:ext uri="{FF2B5EF4-FFF2-40B4-BE49-F238E27FC236}">
+                    <a16:creationId xmlns:a16="http://schemas.microsoft.com/office/drawing/2014/main" id="{EA2EEDDC-07DE-4D76-B0B4-97BEAFC3FC00}"/>
+                  </a:ext>
+                </a:extLst>
+              </p14:cNvPr>
+              <p14:cNvContentPartPr/>
+              <p14:nvPr/>
+            </p14:nvContentPartPr>
+            <p14:xfrm>
+              <a:off x="1869560" y="1949400"/>
+              <a:ext cx="114480" cy="128880"/>
+            </p14:xfrm>
+          </p:contentPart>
+        </mc:Choice>
+        <mc:Fallback xmlns="">
+          <p:pic>
+            <p:nvPicPr>
+              <p:cNvPr id="10" name="Ink 9">
+                <a:extLst>
+                  <a:ext uri="{FF2B5EF4-FFF2-40B4-BE49-F238E27FC236}">
+                    <a16:creationId xmlns:a16="http://schemas.microsoft.com/office/drawing/2014/main" id="{EA2EEDDC-07DE-4D76-B0B4-97BEAFC3FC00}"/>
+                  </a:ext>
+                </a:extLst>
+              </p:cNvPr>
+              <p:cNvPicPr/>
+              <p:nvPr/>
+            </p:nvPicPr>
+            <p:blipFill>
+              <a:blip r:embed="rId8"/>
+              <a:stretch>
+                <a:fillRect/>
+              </a:stretch>
+            </p:blipFill>
+            <p:spPr>
+              <a:xfrm>
+                <a:off x="1860920" y="1940400"/>
+                <a:ext cx="132120" cy="146520"/>
+              </a:xfrm>
+              <a:prstGeom prst="rect">
+                <a:avLst/>
+              </a:prstGeom>
+            </p:spPr>
+          </p:pic>
+        </mc:Fallback>
+      </mc:AlternateContent>
+      <mc:AlternateContent xmlns:mc="http://schemas.openxmlformats.org/markup-compatibility/2006" xmlns:p14="http://schemas.microsoft.com/office/powerpoint/2010/main">
+        <mc:Choice Requires="p14">
+          <p:contentPart p14:bwMode="auto" r:id="rId9">
+            <p14:nvContentPartPr>
+              <p14:cNvPr id="12" name="Ink 11">
+                <a:extLst>
+                  <a:ext uri="{FF2B5EF4-FFF2-40B4-BE49-F238E27FC236}">
+                    <a16:creationId xmlns:a16="http://schemas.microsoft.com/office/drawing/2014/main" id="{3074497F-0A54-44C1-9CF4-8CD85513EDB8}"/>
+                  </a:ext>
+                </a:extLst>
+              </p14:cNvPr>
+              <p14:cNvContentPartPr/>
+              <p14:nvPr/>
+            </p14:nvContentPartPr>
+            <p14:xfrm>
+              <a:off x="1746080" y="1916280"/>
+              <a:ext cx="415440" cy="338400"/>
+            </p14:xfrm>
+          </p:contentPart>
+        </mc:Choice>
+        <mc:Fallback xmlns="">
+          <p:pic>
+            <p:nvPicPr>
+              <p:cNvPr id="12" name="Ink 11">
+                <a:extLst>
+                  <a:ext uri="{FF2B5EF4-FFF2-40B4-BE49-F238E27FC236}">
+                    <a16:creationId xmlns:a16="http://schemas.microsoft.com/office/drawing/2014/main" id="{3074497F-0A54-44C1-9CF4-8CD85513EDB8}"/>
+                  </a:ext>
+                </a:extLst>
+              </p:cNvPr>
+              <p:cNvPicPr/>
+              <p:nvPr/>
+            </p:nvPicPr>
+            <p:blipFill>
+              <a:blip r:embed="rId10"/>
+              <a:stretch>
+                <a:fillRect/>
+              </a:stretch>
+            </p:blipFill>
+            <p:spPr>
+              <a:xfrm>
+                <a:off x="1737440" y="1907640"/>
+                <a:ext cx="433080" cy="356040"/>
+              </a:xfrm>
+              <a:prstGeom prst="rect">
+                <a:avLst/>
+              </a:prstGeom>
+            </p:spPr>
+          </p:pic>
+        </mc:Fallback>
+      </mc:AlternateContent>
+      <mc:AlternateContent xmlns:mc="http://schemas.openxmlformats.org/markup-compatibility/2006" xmlns:p14="http://schemas.microsoft.com/office/powerpoint/2010/main">
+        <mc:Choice Requires="p14">
+          <p:contentPart p14:bwMode="auto" r:id="rId11">
+            <p14:nvContentPartPr>
+              <p14:cNvPr id="14" name="Ink 13">
+                <a:extLst>
+                  <a:ext uri="{FF2B5EF4-FFF2-40B4-BE49-F238E27FC236}">
+                    <a16:creationId xmlns:a16="http://schemas.microsoft.com/office/drawing/2014/main" id="{2E17601D-5638-458E-871A-CE8D34D8E80F}"/>
+                  </a:ext>
+                </a:extLst>
+              </p14:cNvPr>
+              <p14:cNvContentPartPr/>
+              <p14:nvPr/>
+            </p14:nvContentPartPr>
+            <p14:xfrm>
+              <a:off x="3607280" y="3133800"/>
+              <a:ext cx="708120" cy="644400"/>
+            </p14:xfrm>
+          </p:contentPart>
+        </mc:Choice>
+        <mc:Fallback xmlns="">
+          <p:pic>
+            <p:nvPicPr>
+              <p:cNvPr id="14" name="Ink 13">
+                <a:extLst>
+                  <a:ext uri="{FF2B5EF4-FFF2-40B4-BE49-F238E27FC236}">
+                    <a16:creationId xmlns:a16="http://schemas.microsoft.com/office/drawing/2014/main" id="{2E17601D-5638-458E-871A-CE8D34D8E80F}"/>
+                  </a:ext>
+                </a:extLst>
+              </p:cNvPr>
+              <p:cNvPicPr/>
+              <p:nvPr/>
+            </p:nvPicPr>
+            <p:blipFill>
+              <a:blip r:embed="rId12"/>
+              <a:stretch>
+                <a:fillRect/>
+              </a:stretch>
+            </p:blipFill>
+            <p:spPr>
+              <a:xfrm>
+                <a:off x="3598280" y="3124800"/>
+                <a:ext cx="725760" cy="662040"/>
+              </a:xfrm>
+              <a:prstGeom prst="rect">
+                <a:avLst/>
+              </a:prstGeom>
+            </p:spPr>
+          </p:pic>
+        </mc:Fallback>
+      </mc:AlternateContent>
+      <mc:AlternateContent xmlns:mc="http://schemas.openxmlformats.org/markup-compatibility/2006" xmlns:p14="http://schemas.microsoft.com/office/powerpoint/2010/main">
+        <mc:Choice Requires="p14">
+          <p:contentPart p14:bwMode="auto" r:id="rId13">
+            <p14:nvContentPartPr>
+              <p14:cNvPr id="16" name="Ink 15">
+                <a:extLst>
+                  <a:ext uri="{FF2B5EF4-FFF2-40B4-BE49-F238E27FC236}">
+                    <a16:creationId xmlns:a16="http://schemas.microsoft.com/office/drawing/2014/main" id="{1C0242A3-2DF8-40F8-968F-522712377D0C}"/>
+                  </a:ext>
+                </a:extLst>
+              </p14:cNvPr>
+              <p14:cNvContentPartPr/>
+              <p14:nvPr/>
+            </p14:nvContentPartPr>
+            <p14:xfrm>
+              <a:off x="2315600" y="5804280"/>
+              <a:ext cx="111600" cy="493560"/>
+            </p14:xfrm>
+          </p:contentPart>
+        </mc:Choice>
+        <mc:Fallback xmlns="">
+          <p:pic>
+            <p:nvPicPr>
+              <p:cNvPr id="16" name="Ink 15">
+                <a:extLst>
+                  <a:ext uri="{FF2B5EF4-FFF2-40B4-BE49-F238E27FC236}">
+                    <a16:creationId xmlns:a16="http://schemas.microsoft.com/office/drawing/2014/main" id="{1C0242A3-2DF8-40F8-968F-522712377D0C}"/>
+                  </a:ext>
+                </a:extLst>
+              </p:cNvPr>
+              <p:cNvPicPr/>
+              <p:nvPr/>
+            </p:nvPicPr>
+            <p:blipFill>
+              <a:blip r:embed="rId14"/>
+              <a:stretch>
+                <a:fillRect/>
+              </a:stretch>
+            </p:blipFill>
+            <p:spPr>
+              <a:xfrm>
+                <a:off x="2306600" y="5795280"/>
+                <a:ext cx="129240" cy="511200"/>
+              </a:xfrm>
+              <a:prstGeom prst="rect">
+                <a:avLst/>
+              </a:prstGeom>
+            </p:spPr>
+          </p:pic>
+        </mc:Fallback>
+      </mc:AlternateContent>
+      <mc:AlternateContent xmlns:mc="http://schemas.openxmlformats.org/markup-compatibility/2006" xmlns:p14="http://schemas.microsoft.com/office/powerpoint/2010/main">
+        <mc:Choice Requires="p14">
+          <p:contentPart p14:bwMode="auto" r:id="rId15">
+            <p14:nvContentPartPr>
+              <p14:cNvPr id="17" name="Ink 16">
+                <a:extLst>
+                  <a:ext uri="{FF2B5EF4-FFF2-40B4-BE49-F238E27FC236}">
+                    <a16:creationId xmlns:a16="http://schemas.microsoft.com/office/drawing/2014/main" id="{1645B94E-4F13-4C7E-B0DD-3584FE71C4B1}"/>
+                  </a:ext>
+                </a:extLst>
+              </p14:cNvPr>
+              <p14:cNvContentPartPr/>
+              <p14:nvPr/>
+            </p14:nvContentPartPr>
+            <p14:xfrm>
+              <a:off x="3994640" y="1613160"/>
+              <a:ext cx="78120" cy="144360"/>
+            </p14:xfrm>
+          </p:contentPart>
+        </mc:Choice>
+        <mc:Fallback xmlns="">
+          <p:pic>
+            <p:nvPicPr>
+              <p:cNvPr id="17" name="Ink 16">
+                <a:extLst>
+                  <a:ext uri="{FF2B5EF4-FFF2-40B4-BE49-F238E27FC236}">
+                    <a16:creationId xmlns:a16="http://schemas.microsoft.com/office/drawing/2014/main" id="{1645B94E-4F13-4C7E-B0DD-3584FE71C4B1}"/>
+                  </a:ext>
+                </a:extLst>
+              </p:cNvPr>
+              <p:cNvPicPr/>
+              <p:nvPr/>
+            </p:nvPicPr>
+            <p:blipFill>
+              <a:blip r:embed="rId16"/>
+              <a:stretch>
+                <a:fillRect/>
+              </a:stretch>
+            </p:blipFill>
+            <p:spPr>
+              <a:xfrm>
+                <a:off x="3985640" y="1604160"/>
+                <a:ext cx="95760" cy="162000"/>
+              </a:xfrm>
+              <a:prstGeom prst="rect">
+                <a:avLst/>
+              </a:prstGeom>
+            </p:spPr>
+          </p:pic>
+        </mc:Fallback>
+      </mc:AlternateContent>
+      <mc:AlternateContent xmlns:mc="http://schemas.openxmlformats.org/markup-compatibility/2006" xmlns:p14="http://schemas.microsoft.com/office/powerpoint/2010/main">
+        <mc:Choice Requires="p14">
+          <p:contentPart p14:bwMode="auto" r:id="rId17">
+            <p14:nvContentPartPr>
+              <p14:cNvPr id="18" name="Ink 17">
+                <a:extLst>
+                  <a:ext uri="{FF2B5EF4-FFF2-40B4-BE49-F238E27FC236}">
+                    <a16:creationId xmlns:a16="http://schemas.microsoft.com/office/drawing/2014/main" id="{6A0C1427-4281-447A-B262-7902E71F8F9C}"/>
+                  </a:ext>
+                </a:extLst>
+              </p14:cNvPr>
+              <p14:cNvContentPartPr/>
+              <p14:nvPr/>
+            </p14:nvContentPartPr>
+            <p14:xfrm>
+              <a:off x="3464720" y="2608560"/>
+              <a:ext cx="35640" cy="114840"/>
+            </p14:xfrm>
+          </p:contentPart>
+        </mc:Choice>
+        <mc:Fallback xmlns="">
+          <p:pic>
+            <p:nvPicPr>
+              <p:cNvPr id="18" name="Ink 17">
+                <a:extLst>
+                  <a:ext uri="{FF2B5EF4-FFF2-40B4-BE49-F238E27FC236}">
+                    <a16:creationId xmlns:a16="http://schemas.microsoft.com/office/drawing/2014/main" id="{6A0C1427-4281-447A-B262-7902E71F8F9C}"/>
+                  </a:ext>
+                </a:extLst>
+              </p:cNvPr>
+              <p:cNvPicPr/>
+              <p:nvPr/>
+            </p:nvPicPr>
+            <p:blipFill>
+              <a:blip r:embed="rId18"/>
+              <a:stretch>
+                <a:fillRect/>
+              </a:stretch>
+            </p:blipFill>
+            <p:spPr>
+              <a:xfrm>
+                <a:off x="3455720" y="2599560"/>
+                <a:ext cx="53280" cy="132480"/>
+              </a:xfrm>
+              <a:prstGeom prst="rect">
+                <a:avLst/>
+              </a:prstGeom>
+            </p:spPr>
+          </p:pic>
+        </mc:Fallback>
+      </mc:AlternateContent>
+      <mc:AlternateContent xmlns:mc="http://schemas.openxmlformats.org/markup-compatibility/2006" xmlns:p14="http://schemas.microsoft.com/office/powerpoint/2010/main">
+        <mc:Choice Requires="p14">
+          <p:contentPart p14:bwMode="auto" r:id="rId19">
+            <p14:nvContentPartPr>
+              <p14:cNvPr id="19" name="Ink 18">
+                <a:extLst>
+                  <a:ext uri="{FF2B5EF4-FFF2-40B4-BE49-F238E27FC236}">
+                    <a16:creationId xmlns:a16="http://schemas.microsoft.com/office/drawing/2014/main" id="{0E92DBB0-0738-4BC3-BD93-7B81B716C359}"/>
+                  </a:ext>
+                </a:extLst>
+              </p14:cNvPr>
+              <p14:cNvContentPartPr/>
+              <p14:nvPr/>
+            </p14:nvContentPartPr>
+            <p14:xfrm>
+              <a:off x="4785560" y="3169800"/>
+              <a:ext cx="360" cy="360"/>
+            </p14:xfrm>
+          </p:contentPart>
+        </mc:Choice>
+        <mc:Fallback xmlns="">
+          <p:pic>
+            <p:nvPicPr>
+              <p:cNvPr id="19" name="Ink 18">
+                <a:extLst>
+                  <a:ext uri="{FF2B5EF4-FFF2-40B4-BE49-F238E27FC236}">
+                    <a16:creationId xmlns:a16="http://schemas.microsoft.com/office/drawing/2014/main" id="{0E92DBB0-0738-4BC3-BD93-7B81B716C359}"/>
+                  </a:ext>
+                </a:extLst>
+              </p:cNvPr>
+              <p:cNvPicPr/>
+              <p:nvPr/>
+            </p:nvPicPr>
+            <p:blipFill>
+              <a:blip r:embed="rId20"/>
+              <a:stretch>
+                <a:fillRect/>
+              </a:stretch>
+            </p:blipFill>
+            <p:spPr>
+              <a:xfrm>
+                <a:off x="4776560" y="3161160"/>
+                <a:ext cx="18000" cy="18000"/>
+              </a:xfrm>
+              <a:prstGeom prst="rect">
+                <a:avLst/>
+              </a:prstGeom>
+            </p:spPr>
+          </p:pic>
+        </mc:Fallback>
+      </mc:AlternateContent>
+      <mc:AlternateContent xmlns:mc="http://schemas.openxmlformats.org/markup-compatibility/2006">
+        <mc:Choice xmlns:p14="http://schemas.microsoft.com/office/powerpoint/2010/main" Requires="p14">
+          <p:contentPart p14:bwMode="auto" r:id="rId21">
+            <p14:nvContentPartPr>
+              <p14:cNvPr id="2" name="Ink 1">
+                <a:extLst>
+                  <a:ext uri="{FF2B5EF4-FFF2-40B4-BE49-F238E27FC236}">
+                    <a16:creationId xmlns:a16="http://schemas.microsoft.com/office/drawing/2014/main" id="{5979F5ED-E767-44B2-99C7-197B96DF36D2}"/>
+                  </a:ext>
+                </a:extLst>
+              </p14:cNvPr>
+              <p14:cNvContentPartPr/>
+              <p14:nvPr/>
+            </p14:nvContentPartPr>
+            <p14:xfrm>
+              <a:off x="3387741" y="606840"/>
+              <a:ext cx="37800" cy="142920"/>
+            </p14:xfrm>
+          </p:contentPart>
+        </mc:Choice>
+        <mc:Fallback>
+          <p:pic>
+            <p:nvPicPr>
+              <p:cNvPr id="2" name="Ink 1">
+                <a:extLst>
+                  <a:ext uri="{FF2B5EF4-FFF2-40B4-BE49-F238E27FC236}">
+                    <a16:creationId xmlns:a16="http://schemas.microsoft.com/office/drawing/2014/main" id="{5979F5ED-E767-44B2-99C7-197B96DF36D2}"/>
+                  </a:ext>
+                </a:extLst>
+              </p:cNvPr>
+              <p:cNvPicPr/>
+              <p:nvPr/>
+            </p:nvPicPr>
+            <p:blipFill>
+              <a:blip r:embed="rId22"/>
+              <a:stretch>
+                <a:fillRect/>
+              </a:stretch>
+            </p:blipFill>
+            <p:spPr>
+              <a:xfrm>
+                <a:off x="3378741" y="598200"/>
+                <a:ext cx="55440" cy="160560"/>
+              </a:xfrm>
+              <a:prstGeom prst="rect">
+                <a:avLst/>
+              </a:prstGeom>
+            </p:spPr>
+          </p:pic>
+        </mc:Fallback>
+      </mc:AlternateContent>
+      <mc:AlternateContent xmlns:mc="http://schemas.openxmlformats.org/markup-compatibility/2006">
+        <mc:Choice xmlns:p14="http://schemas.microsoft.com/office/powerpoint/2010/main" Requires="p14">
+          <p:contentPart p14:bwMode="auto" r:id="rId23">
+            <p14:nvContentPartPr>
+              <p14:cNvPr id="3" name="Ink 2">
+                <a:extLst>
+                  <a:ext uri="{FF2B5EF4-FFF2-40B4-BE49-F238E27FC236}">
+                    <a16:creationId xmlns:a16="http://schemas.microsoft.com/office/drawing/2014/main" id="{2A3CEEE2-6C7B-4AAD-A9A2-0E312FE3D2E7}"/>
+                  </a:ext>
+                </a:extLst>
+              </p14:cNvPr>
+              <p14:cNvContentPartPr/>
+              <p14:nvPr/>
+            </p14:nvContentPartPr>
+            <p14:xfrm>
+              <a:off x="5692461" y="2116320"/>
+              <a:ext cx="114480" cy="84240"/>
+            </p14:xfrm>
+          </p:contentPart>
+        </mc:Choice>
+        <mc:Fallback>
+          <p:pic>
+            <p:nvPicPr>
+              <p:cNvPr id="3" name="Ink 2">
+                <a:extLst>
+                  <a:ext uri="{FF2B5EF4-FFF2-40B4-BE49-F238E27FC236}">
+                    <a16:creationId xmlns:a16="http://schemas.microsoft.com/office/drawing/2014/main" id="{2A3CEEE2-6C7B-4AAD-A9A2-0E312FE3D2E7}"/>
+                  </a:ext>
+                </a:extLst>
+              </p:cNvPr>
+              <p:cNvPicPr/>
+              <p:nvPr/>
+            </p:nvPicPr>
+            <p:blipFill>
+              <a:blip r:embed="rId24"/>
+              <a:stretch>
+                <a:fillRect/>
+              </a:stretch>
+            </p:blipFill>
+            <p:spPr>
+              <a:xfrm>
+                <a:off x="5683461" y="2107680"/>
+                <a:ext cx="132120" cy="101880"/>
+              </a:xfrm>
+              <a:prstGeom prst="rect">
+                <a:avLst/>
+              </a:prstGeom>
+            </p:spPr>
+          </p:pic>
+        </mc:Fallback>
+      </mc:AlternateContent>
+      <mc:AlternateContent xmlns:mc="http://schemas.openxmlformats.org/markup-compatibility/2006">
+        <mc:Choice xmlns:p14="http://schemas.microsoft.com/office/powerpoint/2010/main" Requires="p14">
+          <p:contentPart p14:bwMode="auto" r:id="rId25">
+            <p14:nvContentPartPr>
+              <p14:cNvPr id="4" name="Ink 3">
+                <a:extLst>
+                  <a:ext uri="{FF2B5EF4-FFF2-40B4-BE49-F238E27FC236}">
+                    <a16:creationId xmlns:a16="http://schemas.microsoft.com/office/drawing/2014/main" id="{5404345D-D99A-4B68-92B9-73C63555BBA0}"/>
+                  </a:ext>
+                </a:extLst>
+              </p14:cNvPr>
+              <p14:cNvContentPartPr/>
+              <p14:nvPr/>
+            </p14:nvContentPartPr>
+            <p14:xfrm>
+              <a:off x="5692461" y="2098680"/>
+              <a:ext cx="256680" cy="162000"/>
+            </p14:xfrm>
+          </p:contentPart>
+        </mc:Choice>
+        <mc:Fallback>
+          <p:pic>
+            <p:nvPicPr>
+              <p:cNvPr id="4" name="Ink 3">
+                <a:extLst>
+                  <a:ext uri="{FF2B5EF4-FFF2-40B4-BE49-F238E27FC236}">
+                    <a16:creationId xmlns:a16="http://schemas.microsoft.com/office/drawing/2014/main" id="{5404345D-D99A-4B68-92B9-73C63555BBA0}"/>
+                  </a:ext>
+                </a:extLst>
+              </p:cNvPr>
+              <p:cNvPicPr/>
+              <p:nvPr/>
+            </p:nvPicPr>
+            <p:blipFill>
+              <a:blip r:embed="rId26"/>
+              <a:stretch>
+                <a:fillRect/>
+              </a:stretch>
+            </p:blipFill>
+            <p:spPr>
+              <a:xfrm>
+                <a:off x="5683821" y="2090040"/>
+                <a:ext cx="274320" cy="179640"/>
+              </a:xfrm>
+              <a:prstGeom prst="rect">
+                <a:avLst/>
+              </a:prstGeom>
+            </p:spPr>
+          </p:pic>
+        </mc:Fallback>
+      </mc:AlternateContent>
+      <mc:AlternateContent xmlns:mc="http://schemas.openxmlformats.org/markup-compatibility/2006">
+        <mc:Choice xmlns:p14="http://schemas.microsoft.com/office/powerpoint/2010/main" Requires="p14">
+          <p:contentPart p14:bwMode="auto" r:id="rId27">
+            <p14:nvContentPartPr>
+              <p14:cNvPr id="6" name="Ink 5">
+                <a:extLst>
+                  <a:ext uri="{FF2B5EF4-FFF2-40B4-BE49-F238E27FC236}">
+                    <a16:creationId xmlns:a16="http://schemas.microsoft.com/office/drawing/2014/main" id="{C405A25C-B347-4108-8979-ABAEBEF9873C}"/>
+                  </a:ext>
+                </a:extLst>
+              </p14:cNvPr>
+              <p14:cNvContentPartPr/>
+              <p14:nvPr/>
+            </p14:nvContentPartPr>
+            <p14:xfrm>
+              <a:off x="3180741" y="610080"/>
+              <a:ext cx="538200" cy="53640"/>
+            </p14:xfrm>
+          </p:contentPart>
+        </mc:Choice>
+        <mc:Fallback>
+          <p:pic>
+            <p:nvPicPr>
+              <p:cNvPr id="6" name="Ink 5">
+                <a:extLst>
+                  <a:ext uri="{FF2B5EF4-FFF2-40B4-BE49-F238E27FC236}">
+                    <a16:creationId xmlns:a16="http://schemas.microsoft.com/office/drawing/2014/main" id="{C405A25C-B347-4108-8979-ABAEBEF9873C}"/>
+                  </a:ext>
+                </a:extLst>
+              </p:cNvPr>
+              <p:cNvPicPr/>
+              <p:nvPr/>
+            </p:nvPicPr>
+            <p:blipFill>
+              <a:blip r:embed="rId28"/>
+              <a:stretch>
+                <a:fillRect/>
+              </a:stretch>
+            </p:blipFill>
+            <p:spPr>
+              <a:xfrm>
+                <a:off x="3171741" y="601080"/>
+                <a:ext cx="555840" cy="71280"/>
+              </a:xfrm>
+              <a:prstGeom prst="rect">
+                <a:avLst/>
+              </a:prstGeom>
+            </p:spPr>
+          </p:pic>
+        </mc:Fallback>
+      </mc:AlternateContent>
+      <mc:AlternateContent xmlns:mc="http://schemas.openxmlformats.org/markup-compatibility/2006">
+        <mc:Choice xmlns:p14="http://schemas.microsoft.com/office/powerpoint/2010/main" Requires="p14">
+          <p:contentPart p14:bwMode="auto" r:id="rId29">
+            <p14:nvContentPartPr>
+              <p14:cNvPr id="8" name="Ink 7">
+                <a:extLst>
+                  <a:ext uri="{FF2B5EF4-FFF2-40B4-BE49-F238E27FC236}">
+                    <a16:creationId xmlns:a16="http://schemas.microsoft.com/office/drawing/2014/main" id="{D1FB133C-F9A3-4614-B5B5-B53042098154}"/>
+                  </a:ext>
+                </a:extLst>
+              </p14:cNvPr>
+              <p14:cNvContentPartPr/>
+              <p14:nvPr/>
+            </p14:nvContentPartPr>
+            <p14:xfrm>
+              <a:off x="4702821" y="3010920"/>
+              <a:ext cx="56880" cy="205560"/>
+            </p14:xfrm>
+          </p:contentPart>
+        </mc:Choice>
+        <mc:Fallback>
+          <p:pic>
+            <p:nvPicPr>
+              <p:cNvPr id="8" name="Ink 7">
+                <a:extLst>
+                  <a:ext uri="{FF2B5EF4-FFF2-40B4-BE49-F238E27FC236}">
+                    <a16:creationId xmlns:a16="http://schemas.microsoft.com/office/drawing/2014/main" id="{D1FB133C-F9A3-4614-B5B5-B53042098154}"/>
+                  </a:ext>
+                </a:extLst>
+              </p:cNvPr>
+              <p:cNvPicPr/>
+              <p:nvPr/>
+            </p:nvPicPr>
+            <p:blipFill>
+              <a:blip r:embed="rId30"/>
+              <a:stretch>
+                <a:fillRect/>
+              </a:stretch>
+            </p:blipFill>
+            <p:spPr>
+              <a:xfrm>
+                <a:off x="4694181" y="3002280"/>
+                <a:ext cx="74520" cy="223200"/>
+              </a:xfrm>
+              <a:prstGeom prst="rect">
+                <a:avLst/>
+              </a:prstGeom>
+            </p:spPr>
+          </p:pic>
+        </mc:Fallback>
+      </mc:AlternateContent>
+      <p:grpSp>
+        <p:nvGrpSpPr>
+          <p:cNvPr id="25" name="Group 24">
+            <a:extLst>
+              <a:ext uri="{FF2B5EF4-FFF2-40B4-BE49-F238E27FC236}">
+                <a16:creationId xmlns:a16="http://schemas.microsoft.com/office/drawing/2014/main" id="{543AE618-92E0-4057-B4AA-240C74CD7336}"/>
+              </a:ext>
+            </a:extLst>
+          </p:cNvPr>
+          <p:cNvGrpSpPr/>
+          <p:nvPr/>
+        </p:nvGrpSpPr>
+        <p:grpSpPr>
+          <a:xfrm>
+            <a:off x="8247381" y="564000"/>
+            <a:ext cx="2256840" cy="703440"/>
+            <a:chOff x="8247381" y="564000"/>
+            <a:chExt cx="2256840" cy="703440"/>
+          </a:xfrm>
+        </p:grpSpPr>
+        <mc:AlternateContent xmlns:mc="http://schemas.openxmlformats.org/markup-compatibility/2006">
+          <mc:Choice xmlns:p14="http://schemas.microsoft.com/office/powerpoint/2010/main" Requires="p14">
+            <p:contentPart p14:bwMode="auto" r:id="rId31">
+              <p14:nvContentPartPr>
+                <p14:cNvPr id="11" name="Ink 10">
+                  <a:extLst>
+                    <a:ext uri="{FF2B5EF4-FFF2-40B4-BE49-F238E27FC236}">
+                      <a16:creationId xmlns:a16="http://schemas.microsoft.com/office/drawing/2014/main" id="{063F89DE-11DE-4908-A0F5-F33751CF12AB}"/>
+                    </a:ext>
+                  </a:extLst>
+                </p14:cNvPr>
+                <p14:cNvContentPartPr/>
+                <p14:nvPr/>
+              </p14:nvContentPartPr>
+              <p14:xfrm>
+                <a:off x="8247381" y="931920"/>
+                <a:ext cx="118800" cy="335520"/>
+              </p14:xfrm>
+            </p:contentPart>
+          </mc:Choice>
+          <mc:Fallback>
+            <p:pic>
+              <p:nvPicPr>
+                <p:cNvPr id="11" name="Ink 10">
+                  <a:extLst>
+                    <a:ext uri="{FF2B5EF4-FFF2-40B4-BE49-F238E27FC236}">
+                      <a16:creationId xmlns:a16="http://schemas.microsoft.com/office/drawing/2014/main" id="{063F89DE-11DE-4908-A0F5-F33751CF12AB}"/>
+                    </a:ext>
+                  </a:extLst>
+                </p:cNvPr>
+                <p:cNvPicPr/>
+                <p:nvPr/>
+              </p:nvPicPr>
+              <p:blipFill>
+                <a:blip r:embed="rId32"/>
+                <a:stretch>
+                  <a:fillRect/>
+                </a:stretch>
+              </p:blipFill>
+              <p:spPr>
+                <a:xfrm>
+                  <a:off x="8238381" y="923280"/>
+                  <a:ext cx="136440" cy="353160"/>
+                </a:xfrm>
+                <a:prstGeom prst="rect">
+                  <a:avLst/>
+                </a:prstGeom>
+              </p:spPr>
+            </p:pic>
+          </mc:Fallback>
+        </mc:AlternateContent>
+        <mc:AlternateContent xmlns:mc="http://schemas.openxmlformats.org/markup-compatibility/2006">
+          <mc:Choice xmlns:p14="http://schemas.microsoft.com/office/powerpoint/2010/main" Requires="p14">
+            <p:contentPart p14:bwMode="auto" r:id="rId33">
+              <p14:nvContentPartPr>
+                <p14:cNvPr id="13" name="Ink 12">
+                  <a:extLst>
+                    <a:ext uri="{FF2B5EF4-FFF2-40B4-BE49-F238E27FC236}">
+                      <a16:creationId xmlns:a16="http://schemas.microsoft.com/office/drawing/2014/main" id="{B698A685-2991-43BC-96EE-A4EC616489A0}"/>
+                    </a:ext>
+                  </a:extLst>
+                </p14:cNvPr>
+                <p14:cNvContentPartPr/>
+                <p14:nvPr/>
+              </p14:nvContentPartPr>
+              <p14:xfrm>
+                <a:off x="8319021" y="835080"/>
+                <a:ext cx="281880" cy="255960"/>
+              </p14:xfrm>
+            </p:contentPart>
+          </mc:Choice>
+          <mc:Fallback>
+            <p:pic>
+              <p:nvPicPr>
+                <p:cNvPr id="13" name="Ink 12">
+                  <a:extLst>
+                    <a:ext uri="{FF2B5EF4-FFF2-40B4-BE49-F238E27FC236}">
+                      <a16:creationId xmlns:a16="http://schemas.microsoft.com/office/drawing/2014/main" id="{B698A685-2991-43BC-96EE-A4EC616489A0}"/>
+                    </a:ext>
+                  </a:extLst>
+                </p:cNvPr>
+                <p:cNvPicPr/>
+                <p:nvPr/>
+              </p:nvPicPr>
+              <p:blipFill>
+                <a:blip r:embed="rId34"/>
+                <a:stretch>
+                  <a:fillRect/>
+                </a:stretch>
+              </p:blipFill>
+              <p:spPr>
+                <a:xfrm>
+                  <a:off x="8310021" y="826080"/>
+                  <a:ext cx="299520" cy="273600"/>
+                </a:xfrm>
+                <a:prstGeom prst="rect">
+                  <a:avLst/>
+                </a:prstGeom>
+              </p:spPr>
+            </p:pic>
+          </mc:Fallback>
+        </mc:AlternateContent>
+        <mc:AlternateContent xmlns:mc="http://schemas.openxmlformats.org/markup-compatibility/2006">
+          <mc:Choice xmlns:p14="http://schemas.microsoft.com/office/powerpoint/2010/main" Requires="p14">
+            <p:contentPart p14:bwMode="auto" r:id="rId35">
+              <p14:nvContentPartPr>
+                <p14:cNvPr id="15" name="Ink 14">
+                  <a:extLst>
+                    <a:ext uri="{FF2B5EF4-FFF2-40B4-BE49-F238E27FC236}">
+                      <a16:creationId xmlns:a16="http://schemas.microsoft.com/office/drawing/2014/main" id="{01E2EBF2-0B91-42C5-A28A-704BEC81BE0B}"/>
+                    </a:ext>
+                  </a:extLst>
+                </p14:cNvPr>
+                <p14:cNvContentPartPr/>
+                <p14:nvPr/>
+              </p14:nvContentPartPr>
+              <p14:xfrm>
+                <a:off x="8662821" y="1003560"/>
+                <a:ext cx="212400" cy="133560"/>
+              </p14:xfrm>
+            </p:contentPart>
+          </mc:Choice>
+          <mc:Fallback>
+            <p:pic>
+              <p:nvPicPr>
+                <p:cNvPr id="15" name="Ink 14">
+                  <a:extLst>
+                    <a:ext uri="{FF2B5EF4-FFF2-40B4-BE49-F238E27FC236}">
+                      <a16:creationId xmlns:a16="http://schemas.microsoft.com/office/drawing/2014/main" id="{01E2EBF2-0B91-42C5-A28A-704BEC81BE0B}"/>
+                    </a:ext>
+                  </a:extLst>
+                </p:cNvPr>
+                <p:cNvPicPr/>
+                <p:nvPr/>
+              </p:nvPicPr>
+              <p:blipFill>
+                <a:blip r:embed="rId36"/>
+                <a:stretch>
+                  <a:fillRect/>
+                </a:stretch>
+              </p:blipFill>
+              <p:spPr>
+                <a:xfrm>
+                  <a:off x="8653821" y="994920"/>
+                  <a:ext cx="230040" cy="151200"/>
+                </a:xfrm>
+                <a:prstGeom prst="rect">
+                  <a:avLst/>
+                </a:prstGeom>
+              </p:spPr>
+            </p:pic>
+          </mc:Fallback>
+        </mc:AlternateContent>
+        <mc:AlternateContent xmlns:mc="http://schemas.openxmlformats.org/markup-compatibility/2006">
+          <mc:Choice xmlns:p14="http://schemas.microsoft.com/office/powerpoint/2010/main" Requires="p14">
+            <p:contentPart p14:bwMode="auto" r:id="rId37">
+              <p14:nvContentPartPr>
+                <p14:cNvPr id="20" name="Ink 19">
+                  <a:extLst>
+                    <a:ext uri="{FF2B5EF4-FFF2-40B4-BE49-F238E27FC236}">
+                      <a16:creationId xmlns:a16="http://schemas.microsoft.com/office/drawing/2014/main" id="{856AD96D-FC53-45D9-80BC-4FC7D985A997}"/>
+                    </a:ext>
+                  </a:extLst>
+                </p14:cNvPr>
+                <p14:cNvContentPartPr/>
+                <p14:nvPr/>
+              </p14:nvContentPartPr>
+              <p14:xfrm>
+                <a:off x="9099141" y="762000"/>
+                <a:ext cx="83160" cy="329760"/>
+              </p14:xfrm>
+            </p:contentPart>
+          </mc:Choice>
+          <mc:Fallback>
+            <p:pic>
+              <p:nvPicPr>
+                <p:cNvPr id="20" name="Ink 19">
+                  <a:extLst>
+                    <a:ext uri="{FF2B5EF4-FFF2-40B4-BE49-F238E27FC236}">
+                      <a16:creationId xmlns:a16="http://schemas.microsoft.com/office/drawing/2014/main" id="{856AD96D-FC53-45D9-80BC-4FC7D985A997}"/>
+                    </a:ext>
+                  </a:extLst>
+                </p:cNvPr>
+                <p:cNvPicPr/>
+                <p:nvPr/>
+              </p:nvPicPr>
+              <p:blipFill>
+                <a:blip r:embed="rId38"/>
+                <a:stretch>
+                  <a:fillRect/>
+                </a:stretch>
+              </p:blipFill>
+              <p:spPr>
+                <a:xfrm>
+                  <a:off x="9090141" y="753000"/>
+                  <a:ext cx="100800" cy="347400"/>
+                </a:xfrm>
+                <a:prstGeom prst="rect">
+                  <a:avLst/>
+                </a:prstGeom>
+              </p:spPr>
+            </p:pic>
+          </mc:Fallback>
+        </mc:AlternateContent>
+        <mc:AlternateContent xmlns:mc="http://schemas.openxmlformats.org/markup-compatibility/2006">
+          <mc:Choice xmlns:p14="http://schemas.microsoft.com/office/powerpoint/2010/main" Requires="p14">
+            <p:contentPart p14:bwMode="auto" r:id="rId39">
+              <p14:nvContentPartPr>
+                <p14:cNvPr id="21" name="Ink 20">
+                  <a:extLst>
+                    <a:ext uri="{FF2B5EF4-FFF2-40B4-BE49-F238E27FC236}">
+                      <a16:creationId xmlns:a16="http://schemas.microsoft.com/office/drawing/2014/main" id="{3F2B54C5-96F2-4851-8C54-1EF7617F0324}"/>
+                    </a:ext>
+                  </a:extLst>
+                </p14:cNvPr>
+                <p14:cNvContentPartPr/>
+                <p14:nvPr/>
+              </p14:nvContentPartPr>
+              <p14:xfrm>
+                <a:off x="9054141" y="852720"/>
+                <a:ext cx="260280" cy="79560"/>
+              </p14:xfrm>
+            </p:contentPart>
+          </mc:Choice>
+          <mc:Fallback>
+            <p:pic>
+              <p:nvPicPr>
+                <p:cNvPr id="21" name="Ink 20">
+                  <a:extLst>
+                    <a:ext uri="{FF2B5EF4-FFF2-40B4-BE49-F238E27FC236}">
+                      <a16:creationId xmlns:a16="http://schemas.microsoft.com/office/drawing/2014/main" id="{3F2B54C5-96F2-4851-8C54-1EF7617F0324}"/>
+                    </a:ext>
+                  </a:extLst>
+                </p:cNvPr>
+                <p:cNvPicPr/>
+                <p:nvPr/>
+              </p:nvPicPr>
+              <p:blipFill>
+                <a:blip r:embed="rId40"/>
+                <a:stretch>
+                  <a:fillRect/>
+                </a:stretch>
+              </p:blipFill>
+              <p:spPr>
+                <a:xfrm>
+                  <a:off x="9045501" y="844080"/>
+                  <a:ext cx="277920" cy="97200"/>
+                </a:xfrm>
+                <a:prstGeom prst="rect">
+                  <a:avLst/>
+                </a:prstGeom>
+              </p:spPr>
+            </p:pic>
+          </mc:Fallback>
+        </mc:AlternateContent>
+        <mc:AlternateContent xmlns:mc="http://schemas.openxmlformats.org/markup-compatibility/2006">
+          <mc:Choice xmlns:p14="http://schemas.microsoft.com/office/powerpoint/2010/main" Requires="p14">
+            <p:contentPart p14:bwMode="auto" r:id="rId41">
+              <p14:nvContentPartPr>
+                <p14:cNvPr id="22" name="Ink 21">
+                  <a:extLst>
+                    <a:ext uri="{FF2B5EF4-FFF2-40B4-BE49-F238E27FC236}">
+                      <a16:creationId xmlns:a16="http://schemas.microsoft.com/office/drawing/2014/main" id="{26341052-6923-4FC7-8ED2-524A1293B5EA}"/>
+                    </a:ext>
+                  </a:extLst>
+                </p14:cNvPr>
+                <p14:cNvContentPartPr/>
+                <p14:nvPr/>
+              </p14:nvContentPartPr>
+              <p14:xfrm>
+                <a:off x="9348981" y="858480"/>
+                <a:ext cx="219240" cy="192600"/>
+              </p14:xfrm>
+            </p:contentPart>
+          </mc:Choice>
+          <mc:Fallback>
+            <p:pic>
+              <p:nvPicPr>
+                <p:cNvPr id="22" name="Ink 21">
+                  <a:extLst>
+                    <a:ext uri="{FF2B5EF4-FFF2-40B4-BE49-F238E27FC236}">
+                      <a16:creationId xmlns:a16="http://schemas.microsoft.com/office/drawing/2014/main" id="{26341052-6923-4FC7-8ED2-524A1293B5EA}"/>
+                    </a:ext>
+                  </a:extLst>
+                </p:cNvPr>
+                <p:cNvPicPr/>
+                <p:nvPr/>
+              </p:nvPicPr>
+              <p:blipFill>
+                <a:blip r:embed="rId42"/>
+                <a:stretch>
+                  <a:fillRect/>
+                </a:stretch>
+              </p:blipFill>
+              <p:spPr>
+                <a:xfrm>
+                  <a:off x="9339981" y="849480"/>
+                  <a:ext cx="236880" cy="210240"/>
+                </a:xfrm>
+                <a:prstGeom prst="rect">
+                  <a:avLst/>
+                </a:prstGeom>
+              </p:spPr>
+            </p:pic>
+          </mc:Fallback>
+        </mc:AlternateContent>
+        <mc:AlternateContent xmlns:mc="http://schemas.openxmlformats.org/markup-compatibility/2006">
+          <mc:Choice xmlns:p14="http://schemas.microsoft.com/office/powerpoint/2010/main" Requires="p14">
+            <p:contentPart p14:bwMode="auto" r:id="rId43">
+              <p14:nvContentPartPr>
+                <p14:cNvPr id="23" name="Ink 22">
+                  <a:extLst>
+                    <a:ext uri="{FF2B5EF4-FFF2-40B4-BE49-F238E27FC236}">
+                      <a16:creationId xmlns:a16="http://schemas.microsoft.com/office/drawing/2014/main" id="{147554E1-8D46-4417-BA1D-0DB5C15126BC}"/>
+                    </a:ext>
+                  </a:extLst>
+                </p14:cNvPr>
+                <p14:cNvContentPartPr/>
+                <p14:nvPr/>
+              </p14:nvContentPartPr>
+              <p14:xfrm>
+                <a:off x="9767301" y="890160"/>
+                <a:ext cx="161280" cy="37080"/>
+              </p14:xfrm>
+            </p:contentPart>
+          </mc:Choice>
+          <mc:Fallback>
+            <p:pic>
+              <p:nvPicPr>
+                <p:cNvPr id="23" name="Ink 22">
+                  <a:extLst>
+                    <a:ext uri="{FF2B5EF4-FFF2-40B4-BE49-F238E27FC236}">
+                      <a16:creationId xmlns:a16="http://schemas.microsoft.com/office/drawing/2014/main" id="{147554E1-8D46-4417-BA1D-0DB5C15126BC}"/>
+                    </a:ext>
+                  </a:extLst>
+                </p:cNvPr>
+                <p:cNvPicPr/>
+                <p:nvPr/>
+              </p:nvPicPr>
+              <p:blipFill>
+                <a:blip r:embed="rId44"/>
+                <a:stretch>
+                  <a:fillRect/>
+                </a:stretch>
+              </p:blipFill>
+              <p:spPr>
+                <a:xfrm>
+                  <a:off x="9758661" y="881520"/>
+                  <a:ext cx="178920" cy="54720"/>
+                </a:xfrm>
+                <a:prstGeom prst="rect">
+                  <a:avLst/>
+                </a:prstGeom>
+              </p:spPr>
+            </p:pic>
+          </mc:Fallback>
+        </mc:AlternateContent>
+        <mc:AlternateContent xmlns:mc="http://schemas.openxmlformats.org/markup-compatibility/2006">
+          <mc:Choice xmlns:p14="http://schemas.microsoft.com/office/powerpoint/2010/main" Requires="p14">
+            <p:contentPart p14:bwMode="auto" r:id="rId45">
+              <p14:nvContentPartPr>
+                <p14:cNvPr id="24" name="Ink 23">
+                  <a:extLst>
+                    <a:ext uri="{FF2B5EF4-FFF2-40B4-BE49-F238E27FC236}">
+                      <a16:creationId xmlns:a16="http://schemas.microsoft.com/office/drawing/2014/main" id="{4015ABE5-FEE2-477B-B28B-3FF79F7329B3}"/>
+                    </a:ext>
+                  </a:extLst>
+                </p14:cNvPr>
+                <p14:cNvContentPartPr/>
+                <p14:nvPr/>
+              </p14:nvContentPartPr>
+              <p14:xfrm>
+                <a:off x="10049541" y="564000"/>
+                <a:ext cx="454680" cy="424440"/>
+              </p14:xfrm>
+            </p:contentPart>
+          </mc:Choice>
+          <mc:Fallback>
+            <p:pic>
+              <p:nvPicPr>
+                <p:cNvPr id="24" name="Ink 23">
+                  <a:extLst>
+                    <a:ext uri="{FF2B5EF4-FFF2-40B4-BE49-F238E27FC236}">
+                      <a16:creationId xmlns:a16="http://schemas.microsoft.com/office/drawing/2014/main" id="{4015ABE5-FEE2-477B-B28B-3FF79F7329B3}"/>
+                    </a:ext>
+                  </a:extLst>
+                </p:cNvPr>
+                <p:cNvPicPr/>
+                <p:nvPr/>
+              </p:nvPicPr>
+              <p:blipFill>
+                <a:blip r:embed="rId46"/>
+                <a:stretch>
+                  <a:fillRect/>
+                </a:stretch>
+              </p:blipFill>
+              <p:spPr>
+                <a:xfrm>
+                  <a:off x="10040541" y="555000"/>
+                  <a:ext cx="472320" cy="442080"/>
+                </a:xfrm>
+                <a:prstGeom prst="rect">
+                  <a:avLst/>
+                </a:prstGeom>
+              </p:spPr>
+            </p:pic>
+          </mc:Fallback>
+        </mc:AlternateContent>
+      </p:grpSp>
+    </p:spTree>
+    <p:extLst>
+      <p:ext uri="{BB962C8B-B14F-4D97-AF65-F5344CB8AC3E}">
+        <p14:creationId xmlns:p14="http://schemas.microsoft.com/office/powerpoint/2010/main" val="2408952620"/>
       </p:ext>
     </p:extLst>
   </p:cSld>
